--- a/pics.pptx
+++ b/pics.pptx
@@ -5,10 +5,11 @@
     <p:sldMasterId id="2147483648" r:id="rId1"/>
   </p:sldMasterIdLst>
   <p:notesMasterIdLst>
-    <p:notesMasterId r:id="rId3"/>
+    <p:notesMasterId r:id="rId4"/>
   </p:notesMasterIdLst>
   <p:sldIdLst>
     <p:sldId id="366" r:id="rId2"/>
+    <p:sldId id="367" r:id="rId3"/>
   </p:sldIdLst>
   <p:sldSz cx="9144000" cy="6858000" type="screen4x3"/>
   <p:notesSz cx="6858000" cy="9144000"/>
@@ -192,7 +193,7 @@
           <a:p>
             <a:fld id="{5CC76A62-000D-E547-83B7-E179CCF7BF20}" type="datetimeFigureOut">
               <a:rPr lang="en-US" smtClean="0"/>
-              <a:t>19-09-05</a:t>
+              <a:t>19-09-06</a:t>
             </a:fld>
             <a:endParaRPr lang="en-US"/>
           </a:p>
@@ -641,7 +642,7 @@
           <a:p>
             <a:fld id="{F4DACB02-0458-E443-991A-BACE49840B4F}" type="datetimeFigureOut">
               <a:rPr lang="en-US" smtClean="0"/>
-              <a:t>19-09-05</a:t>
+              <a:t>19-09-06</a:t>
             </a:fld>
             <a:endParaRPr lang="en-US"/>
           </a:p>
@@ -811,7 +812,7 @@
           <a:p>
             <a:fld id="{F4DACB02-0458-E443-991A-BACE49840B4F}" type="datetimeFigureOut">
               <a:rPr lang="en-US" smtClean="0"/>
-              <a:t>19-09-05</a:t>
+              <a:t>19-09-06</a:t>
             </a:fld>
             <a:endParaRPr lang="en-US"/>
           </a:p>
@@ -991,7 +992,7 @@
           <a:p>
             <a:fld id="{F4DACB02-0458-E443-991A-BACE49840B4F}" type="datetimeFigureOut">
               <a:rPr lang="en-US" smtClean="0"/>
-              <a:t>19-09-05</a:t>
+              <a:t>19-09-06</a:t>
             </a:fld>
             <a:endParaRPr lang="en-US"/>
           </a:p>
@@ -1161,7 +1162,7 @@
           <a:p>
             <a:fld id="{F4DACB02-0458-E443-991A-BACE49840B4F}" type="datetimeFigureOut">
               <a:rPr lang="en-US" smtClean="0"/>
-              <a:t>19-09-05</a:t>
+              <a:t>19-09-06</a:t>
             </a:fld>
             <a:endParaRPr lang="en-US"/>
           </a:p>
@@ -1407,7 +1408,7 @@
           <a:p>
             <a:fld id="{F4DACB02-0458-E443-991A-BACE49840B4F}" type="datetimeFigureOut">
               <a:rPr lang="en-US" smtClean="0"/>
-              <a:t>19-09-05</a:t>
+              <a:t>19-09-06</a:t>
             </a:fld>
             <a:endParaRPr lang="en-US"/>
           </a:p>
@@ -1695,7 +1696,7 @@
           <a:p>
             <a:fld id="{F4DACB02-0458-E443-991A-BACE49840B4F}" type="datetimeFigureOut">
               <a:rPr lang="en-US" smtClean="0"/>
-              <a:t>19-09-05</a:t>
+              <a:t>19-09-06</a:t>
             </a:fld>
             <a:endParaRPr lang="en-US"/>
           </a:p>
@@ -2117,7 +2118,7 @@
           <a:p>
             <a:fld id="{F4DACB02-0458-E443-991A-BACE49840B4F}" type="datetimeFigureOut">
               <a:rPr lang="en-US" smtClean="0"/>
-              <a:t>19-09-05</a:t>
+              <a:t>19-09-06</a:t>
             </a:fld>
             <a:endParaRPr lang="en-US"/>
           </a:p>
@@ -2235,7 +2236,7 @@
           <a:p>
             <a:fld id="{F4DACB02-0458-E443-991A-BACE49840B4F}" type="datetimeFigureOut">
               <a:rPr lang="en-US" smtClean="0"/>
-              <a:t>19-09-05</a:t>
+              <a:t>19-09-06</a:t>
             </a:fld>
             <a:endParaRPr lang="en-US"/>
           </a:p>
@@ -2330,7 +2331,7 @@
           <a:p>
             <a:fld id="{F4DACB02-0458-E443-991A-BACE49840B4F}" type="datetimeFigureOut">
               <a:rPr lang="en-US" smtClean="0"/>
-              <a:t>19-09-05</a:t>
+              <a:t>19-09-06</a:t>
             </a:fld>
             <a:endParaRPr lang="en-US"/>
           </a:p>
@@ -2607,7 +2608,7 @@
           <a:p>
             <a:fld id="{F4DACB02-0458-E443-991A-BACE49840B4F}" type="datetimeFigureOut">
               <a:rPr lang="en-US" smtClean="0"/>
-              <a:t>19-09-05</a:t>
+              <a:t>19-09-06</a:t>
             </a:fld>
             <a:endParaRPr lang="en-US"/>
           </a:p>
@@ -2860,7 +2861,7 @@
           <a:p>
             <a:fld id="{F4DACB02-0458-E443-991A-BACE49840B4F}" type="datetimeFigureOut">
               <a:rPr lang="en-US" smtClean="0"/>
-              <a:t>19-09-05</a:t>
+              <a:t>19-09-06</a:t>
             </a:fld>
             <a:endParaRPr lang="en-US"/>
           </a:p>
@@ -3073,7 +3074,7 @@
           <a:p>
             <a:fld id="{F4DACB02-0458-E443-991A-BACE49840B4F}" type="datetimeFigureOut">
               <a:rPr lang="en-US" smtClean="0"/>
-              <a:t>19-09-05</a:t>
+              <a:t>19-09-06</a:t>
             </a:fld>
             <a:endParaRPr lang="en-US"/>
           </a:p>
@@ -4274,6 +4275,437 @@
 </p:sld>
 </file>
 
+<file path=ppt/slides/slide2.xml><?xml version="1.0" encoding="utf-8"?>
+<p:sld xmlns:a="http://schemas.openxmlformats.org/drawingml/2006/main" xmlns:r="http://schemas.openxmlformats.org/officeDocument/2006/relationships" xmlns:p="http://schemas.openxmlformats.org/presentationml/2006/main">
+  <p:cSld>
+    <p:spTree>
+      <p:nvGrpSpPr>
+        <p:cNvPr id="1" name=""/>
+        <p:cNvGrpSpPr/>
+        <p:nvPr/>
+      </p:nvGrpSpPr>
+      <p:grpSpPr>
+        <a:xfrm>
+          <a:off x="0" y="0"/>
+          <a:ext cx="0" cy="0"/>
+          <a:chOff x="0" y="0"/>
+          <a:chExt cx="0" cy="0"/>
+        </a:xfrm>
+      </p:grpSpPr>
+      <p:pic>
+        <p:nvPicPr>
+          <p:cNvPr id="8" name="Picture 7" descr="latex-image.pdf"/>
+          <p:cNvPicPr>
+            <a:picLocks noChangeAspect="1"/>
+          </p:cNvPicPr>
+          <p:nvPr/>
+        </p:nvPicPr>
+        <p:blipFill>
+          <a:blip r:embed="rId2">
+            <a:extLst>
+              <a:ext uri="{28A0092B-C50C-407E-A947-70E740481C1C}">
+                <a14:useLocalDpi xmlns:a14="http://schemas.microsoft.com/office/drawing/2010/main" val="0"/>
+              </a:ext>
+            </a:extLst>
+          </a:blip>
+          <a:stretch>
+            <a:fillRect/>
+          </a:stretch>
+        </p:blipFill>
+        <p:spPr>
+          <a:xfrm>
+            <a:off x="635925" y="133200"/>
+            <a:ext cx="7928956" cy="6379359"/>
+          </a:xfrm>
+          <a:prstGeom prst="rect">
+            <a:avLst/>
+          </a:prstGeom>
+        </p:spPr>
+      </p:pic>
+      <p:cxnSp>
+        <p:nvCxnSpPr>
+          <p:cNvPr id="3" name="Straight Connector 2"/>
+          <p:cNvCxnSpPr/>
+          <p:nvPr/>
+        </p:nvCxnSpPr>
+        <p:spPr>
+          <a:xfrm>
+            <a:off x="914400" y="1808480"/>
+            <a:ext cx="904240" cy="0"/>
+          </a:xfrm>
+          <a:prstGeom prst="line">
+            <a:avLst/>
+          </a:prstGeom>
+          <a:ln>
+            <a:solidFill>
+              <a:srgbClr val="FF0000"/>
+            </a:solidFill>
+          </a:ln>
+          <a:effectLst/>
+        </p:spPr>
+        <p:style>
+          <a:lnRef idx="2">
+            <a:schemeClr val="accent1"/>
+          </a:lnRef>
+          <a:fillRef idx="0">
+            <a:schemeClr val="accent1"/>
+          </a:fillRef>
+          <a:effectRef idx="1">
+            <a:schemeClr val="accent1"/>
+          </a:effectRef>
+          <a:fontRef idx="minor">
+            <a:schemeClr val="tx1"/>
+          </a:fontRef>
+        </p:style>
+      </p:cxnSp>
+      <p:cxnSp>
+        <p:nvCxnSpPr>
+          <p:cNvPr id="7" name="Straight Connector 6"/>
+          <p:cNvCxnSpPr/>
+          <p:nvPr/>
+        </p:nvCxnSpPr>
+        <p:spPr>
+          <a:xfrm>
+            <a:off x="3149600" y="1798320"/>
+            <a:ext cx="1706880" cy="0"/>
+          </a:xfrm>
+          <a:prstGeom prst="line">
+            <a:avLst/>
+          </a:prstGeom>
+          <a:ln>
+            <a:solidFill>
+              <a:srgbClr val="FF0000"/>
+            </a:solidFill>
+          </a:ln>
+          <a:effectLst/>
+        </p:spPr>
+        <p:style>
+          <a:lnRef idx="2">
+            <a:schemeClr val="accent1"/>
+          </a:lnRef>
+          <a:fillRef idx="0">
+            <a:schemeClr val="accent1"/>
+          </a:fillRef>
+          <a:effectRef idx="1">
+            <a:schemeClr val="accent1"/>
+          </a:effectRef>
+          <a:fontRef idx="minor">
+            <a:schemeClr val="tx1"/>
+          </a:fontRef>
+        </p:style>
+      </p:cxnSp>
+      <p:cxnSp>
+        <p:nvCxnSpPr>
+          <p:cNvPr id="9" name="Straight Connector 8"/>
+          <p:cNvCxnSpPr/>
+          <p:nvPr/>
+        </p:nvCxnSpPr>
+        <p:spPr>
+          <a:xfrm>
+            <a:off x="7406640" y="1828800"/>
+            <a:ext cx="904240" cy="0"/>
+          </a:xfrm>
+          <a:prstGeom prst="line">
+            <a:avLst/>
+          </a:prstGeom>
+          <a:ln>
+            <a:solidFill>
+              <a:srgbClr val="FF0000"/>
+            </a:solidFill>
+          </a:ln>
+          <a:effectLst/>
+        </p:spPr>
+        <p:style>
+          <a:lnRef idx="2">
+            <a:schemeClr val="accent1"/>
+          </a:lnRef>
+          <a:fillRef idx="0">
+            <a:schemeClr val="accent1"/>
+          </a:fillRef>
+          <a:effectRef idx="1">
+            <a:schemeClr val="accent1"/>
+          </a:effectRef>
+          <a:fontRef idx="minor">
+            <a:schemeClr val="tx1"/>
+          </a:fontRef>
+        </p:style>
+      </p:cxnSp>
+      <p:cxnSp>
+        <p:nvCxnSpPr>
+          <p:cNvPr id="12" name="Straight Connector 11"/>
+          <p:cNvCxnSpPr/>
+          <p:nvPr/>
+        </p:nvCxnSpPr>
+        <p:spPr>
+          <a:xfrm>
+            <a:off x="914400" y="3566160"/>
+            <a:ext cx="904240" cy="0"/>
+          </a:xfrm>
+          <a:prstGeom prst="line">
+            <a:avLst/>
+          </a:prstGeom>
+          <a:ln>
+            <a:solidFill>
+              <a:srgbClr val="0000FF"/>
+            </a:solidFill>
+          </a:ln>
+          <a:effectLst/>
+        </p:spPr>
+        <p:style>
+          <a:lnRef idx="2">
+            <a:schemeClr val="accent1"/>
+          </a:lnRef>
+          <a:fillRef idx="0">
+            <a:schemeClr val="accent1"/>
+          </a:fillRef>
+          <a:effectRef idx="1">
+            <a:schemeClr val="accent1"/>
+          </a:effectRef>
+          <a:fontRef idx="minor">
+            <a:schemeClr val="tx1"/>
+          </a:fontRef>
+        </p:style>
+      </p:cxnSp>
+      <p:cxnSp>
+        <p:nvCxnSpPr>
+          <p:cNvPr id="13" name="Straight Connector 12"/>
+          <p:cNvCxnSpPr/>
+          <p:nvPr/>
+        </p:nvCxnSpPr>
+        <p:spPr>
+          <a:xfrm>
+            <a:off x="7406640" y="3576320"/>
+            <a:ext cx="904240" cy="0"/>
+          </a:xfrm>
+          <a:prstGeom prst="line">
+            <a:avLst/>
+          </a:prstGeom>
+          <a:ln>
+            <a:solidFill>
+              <a:srgbClr val="0000FF"/>
+            </a:solidFill>
+          </a:ln>
+          <a:effectLst/>
+        </p:spPr>
+        <p:style>
+          <a:lnRef idx="2">
+            <a:schemeClr val="accent1"/>
+          </a:lnRef>
+          <a:fillRef idx="0">
+            <a:schemeClr val="accent1"/>
+          </a:fillRef>
+          <a:effectRef idx="1">
+            <a:schemeClr val="accent1"/>
+          </a:effectRef>
+          <a:fontRef idx="minor">
+            <a:schemeClr val="tx1"/>
+          </a:fontRef>
+        </p:style>
+      </p:cxnSp>
+      <p:cxnSp>
+        <p:nvCxnSpPr>
+          <p:cNvPr id="14" name="Straight Connector 13"/>
+          <p:cNvCxnSpPr/>
+          <p:nvPr/>
+        </p:nvCxnSpPr>
+        <p:spPr>
+          <a:xfrm>
+            <a:off x="3149600" y="3586480"/>
+            <a:ext cx="1615440" cy="0"/>
+          </a:xfrm>
+          <a:prstGeom prst="line">
+            <a:avLst/>
+          </a:prstGeom>
+          <a:ln>
+            <a:solidFill>
+              <a:srgbClr val="0000FF"/>
+            </a:solidFill>
+          </a:ln>
+          <a:effectLst/>
+        </p:spPr>
+        <p:style>
+          <a:lnRef idx="2">
+            <a:schemeClr val="accent1"/>
+          </a:lnRef>
+          <a:fillRef idx="0">
+            <a:schemeClr val="accent1"/>
+          </a:fillRef>
+          <a:effectRef idx="1">
+            <a:schemeClr val="accent1"/>
+          </a:effectRef>
+          <a:fontRef idx="minor">
+            <a:schemeClr val="tx1"/>
+          </a:fontRef>
+        </p:style>
+      </p:cxnSp>
+      <p:cxnSp>
+        <p:nvCxnSpPr>
+          <p:cNvPr id="16" name="Straight Connector 15"/>
+          <p:cNvCxnSpPr/>
+          <p:nvPr/>
+        </p:nvCxnSpPr>
+        <p:spPr>
+          <a:xfrm>
+            <a:off x="914400" y="5334000"/>
+            <a:ext cx="904240" cy="0"/>
+          </a:xfrm>
+          <a:prstGeom prst="line">
+            <a:avLst/>
+          </a:prstGeom>
+          <a:ln>
+            <a:solidFill>
+              <a:srgbClr val="008000"/>
+            </a:solidFill>
+          </a:ln>
+          <a:effectLst/>
+        </p:spPr>
+        <p:style>
+          <a:lnRef idx="2">
+            <a:schemeClr val="accent1"/>
+          </a:lnRef>
+          <a:fillRef idx="0">
+            <a:schemeClr val="accent1"/>
+          </a:fillRef>
+          <a:effectRef idx="1">
+            <a:schemeClr val="accent1"/>
+          </a:effectRef>
+          <a:fontRef idx="minor">
+            <a:schemeClr val="tx1"/>
+          </a:fontRef>
+        </p:style>
+      </p:cxnSp>
+      <p:cxnSp>
+        <p:nvCxnSpPr>
+          <p:cNvPr id="19" name="Straight Connector 18"/>
+          <p:cNvCxnSpPr/>
+          <p:nvPr/>
+        </p:nvCxnSpPr>
+        <p:spPr>
+          <a:xfrm>
+            <a:off x="3149600" y="5334000"/>
+            <a:ext cx="1615440" cy="0"/>
+          </a:xfrm>
+          <a:prstGeom prst="line">
+            <a:avLst/>
+          </a:prstGeom>
+          <a:ln>
+            <a:solidFill>
+              <a:srgbClr val="008000"/>
+            </a:solidFill>
+          </a:ln>
+          <a:effectLst/>
+        </p:spPr>
+        <p:style>
+          <a:lnRef idx="2">
+            <a:schemeClr val="accent1"/>
+          </a:lnRef>
+          <a:fillRef idx="0">
+            <a:schemeClr val="accent1"/>
+          </a:fillRef>
+          <a:effectRef idx="1">
+            <a:schemeClr val="accent1"/>
+          </a:effectRef>
+          <a:fontRef idx="minor">
+            <a:schemeClr val="tx1"/>
+          </a:fontRef>
+        </p:style>
+      </p:cxnSp>
+      <p:cxnSp>
+        <p:nvCxnSpPr>
+          <p:cNvPr id="20" name="Straight Connector 19"/>
+          <p:cNvCxnSpPr/>
+          <p:nvPr/>
+        </p:nvCxnSpPr>
+        <p:spPr>
+          <a:xfrm>
+            <a:off x="7406640" y="5334000"/>
+            <a:ext cx="904240" cy="0"/>
+          </a:xfrm>
+          <a:prstGeom prst="line">
+            <a:avLst/>
+          </a:prstGeom>
+          <a:ln>
+            <a:solidFill>
+              <a:srgbClr val="008000"/>
+            </a:solidFill>
+          </a:ln>
+          <a:effectLst/>
+        </p:spPr>
+        <p:style>
+          <a:lnRef idx="2">
+            <a:schemeClr val="accent1"/>
+          </a:lnRef>
+          <a:fillRef idx="0">
+            <a:schemeClr val="accent1"/>
+          </a:fillRef>
+          <a:effectRef idx="1">
+            <a:schemeClr val="accent1"/>
+          </a:effectRef>
+          <a:fontRef idx="minor">
+            <a:schemeClr val="tx1"/>
+          </a:fontRef>
+        </p:style>
+      </p:cxnSp>
+      <p:cxnSp>
+        <p:nvCxnSpPr>
+          <p:cNvPr id="23" name="Straight Connector 22"/>
+          <p:cNvCxnSpPr/>
+          <p:nvPr/>
+        </p:nvCxnSpPr>
+        <p:spPr>
+          <a:xfrm>
+            <a:off x="6106160" y="3291840"/>
+            <a:ext cx="0" cy="1330960"/>
+          </a:xfrm>
+          <a:prstGeom prst="line">
+            <a:avLst/>
+          </a:prstGeom>
+          <a:ln>
+            <a:solidFill>
+              <a:schemeClr val="bg1">
+                <a:lumMod val="50000"/>
+              </a:schemeClr>
+            </a:solidFill>
+            <a:headEnd type="oval"/>
+            <a:tailEnd type="oval"/>
+          </a:ln>
+          <a:effectLst/>
+        </p:spPr>
+        <p:style>
+          <a:lnRef idx="2">
+            <a:schemeClr val="accent1"/>
+          </a:lnRef>
+          <a:fillRef idx="0">
+            <a:schemeClr val="accent1"/>
+          </a:fillRef>
+          <a:effectRef idx="1">
+            <a:schemeClr val="accent1"/>
+          </a:effectRef>
+          <a:fontRef idx="minor">
+            <a:schemeClr val="tx1"/>
+          </a:fontRef>
+        </p:style>
+      </p:cxnSp>
+    </p:spTree>
+    <p:extLst>
+      <p:ext uri="{BB962C8B-B14F-4D97-AF65-F5344CB8AC3E}">
+        <p14:creationId xmlns:p14="http://schemas.microsoft.com/office/powerpoint/2010/main" val="1467836728"/>
+      </p:ext>
+    </p:extLst>
+  </p:cSld>
+  <p:clrMapOvr>
+    <a:masterClrMapping/>
+  </p:clrMapOvr>
+  <p:timing>
+    <p:tnLst>
+      <p:par>
+        <p:cTn xmlns:p14="http://schemas.microsoft.com/office/powerpoint/2010/main" id="1" dur="indefinite" restart="never" nodeType="tmRoot"/>
+      </p:par>
+    </p:tnLst>
+  </p:timing>
+</p:sld>
+</file>
+
 <file path=ppt/theme/theme1.xml><?xml version="1.0" encoding="utf-8"?>
 <a:theme xmlns:a="http://schemas.openxmlformats.org/drawingml/2006/main" name="Office Theme">
   <a:themeElements>

--- a/pics.pptx
+++ b/pics.pptx
@@ -5,11 +5,13 @@
     <p:sldMasterId id="2147483648" r:id="rId1"/>
   </p:sldMasterIdLst>
   <p:notesMasterIdLst>
-    <p:notesMasterId r:id="rId4"/>
+    <p:notesMasterId r:id="rId6"/>
   </p:notesMasterIdLst>
   <p:sldIdLst>
     <p:sldId id="366" r:id="rId2"/>
     <p:sldId id="367" r:id="rId3"/>
+    <p:sldId id="368" r:id="rId4"/>
+    <p:sldId id="369" r:id="rId5"/>
   </p:sldIdLst>
   <p:sldSz cx="9144000" cy="6858000" type="screen4x3"/>
   <p:notesSz cx="6858000" cy="9144000"/>
@@ -193,7 +195,7 @@
           <a:p>
             <a:fld id="{5CC76A62-000D-E547-83B7-E179CCF7BF20}" type="datetimeFigureOut">
               <a:rPr lang="en-US" smtClean="0"/>
-              <a:t>19-09-06</a:t>
+              <a:t>19-09-09</a:t>
             </a:fld>
             <a:endParaRPr lang="en-US"/>
           </a:p>
@@ -642,7 +644,7 @@
           <a:p>
             <a:fld id="{F4DACB02-0458-E443-991A-BACE49840B4F}" type="datetimeFigureOut">
               <a:rPr lang="en-US" smtClean="0"/>
-              <a:t>19-09-06</a:t>
+              <a:t>19-09-09</a:t>
             </a:fld>
             <a:endParaRPr lang="en-US"/>
           </a:p>
@@ -812,7 +814,7 @@
           <a:p>
             <a:fld id="{F4DACB02-0458-E443-991A-BACE49840B4F}" type="datetimeFigureOut">
               <a:rPr lang="en-US" smtClean="0"/>
-              <a:t>19-09-06</a:t>
+              <a:t>19-09-09</a:t>
             </a:fld>
             <a:endParaRPr lang="en-US"/>
           </a:p>
@@ -992,7 +994,7 @@
           <a:p>
             <a:fld id="{F4DACB02-0458-E443-991A-BACE49840B4F}" type="datetimeFigureOut">
               <a:rPr lang="en-US" smtClean="0"/>
-              <a:t>19-09-06</a:t>
+              <a:t>19-09-09</a:t>
             </a:fld>
             <a:endParaRPr lang="en-US"/>
           </a:p>
@@ -1162,7 +1164,7 @@
           <a:p>
             <a:fld id="{F4DACB02-0458-E443-991A-BACE49840B4F}" type="datetimeFigureOut">
               <a:rPr lang="en-US" smtClean="0"/>
-              <a:t>19-09-06</a:t>
+              <a:t>19-09-09</a:t>
             </a:fld>
             <a:endParaRPr lang="en-US"/>
           </a:p>
@@ -1408,7 +1410,7 @@
           <a:p>
             <a:fld id="{F4DACB02-0458-E443-991A-BACE49840B4F}" type="datetimeFigureOut">
               <a:rPr lang="en-US" smtClean="0"/>
-              <a:t>19-09-06</a:t>
+              <a:t>19-09-09</a:t>
             </a:fld>
             <a:endParaRPr lang="en-US"/>
           </a:p>
@@ -1696,7 +1698,7 @@
           <a:p>
             <a:fld id="{F4DACB02-0458-E443-991A-BACE49840B4F}" type="datetimeFigureOut">
               <a:rPr lang="en-US" smtClean="0"/>
-              <a:t>19-09-06</a:t>
+              <a:t>19-09-09</a:t>
             </a:fld>
             <a:endParaRPr lang="en-US"/>
           </a:p>
@@ -2118,7 +2120,7 @@
           <a:p>
             <a:fld id="{F4DACB02-0458-E443-991A-BACE49840B4F}" type="datetimeFigureOut">
               <a:rPr lang="en-US" smtClean="0"/>
-              <a:t>19-09-06</a:t>
+              <a:t>19-09-09</a:t>
             </a:fld>
             <a:endParaRPr lang="en-US"/>
           </a:p>
@@ -2236,7 +2238,7 @@
           <a:p>
             <a:fld id="{F4DACB02-0458-E443-991A-BACE49840B4F}" type="datetimeFigureOut">
               <a:rPr lang="en-US" smtClean="0"/>
-              <a:t>19-09-06</a:t>
+              <a:t>19-09-09</a:t>
             </a:fld>
             <a:endParaRPr lang="en-US"/>
           </a:p>
@@ -2331,7 +2333,7 @@
           <a:p>
             <a:fld id="{F4DACB02-0458-E443-991A-BACE49840B4F}" type="datetimeFigureOut">
               <a:rPr lang="en-US" smtClean="0"/>
-              <a:t>19-09-06</a:t>
+              <a:t>19-09-09</a:t>
             </a:fld>
             <a:endParaRPr lang="en-US"/>
           </a:p>
@@ -2608,7 +2610,7 @@
           <a:p>
             <a:fld id="{F4DACB02-0458-E443-991A-BACE49840B4F}" type="datetimeFigureOut">
               <a:rPr lang="en-US" smtClean="0"/>
-              <a:t>19-09-06</a:t>
+              <a:t>19-09-09</a:t>
             </a:fld>
             <a:endParaRPr lang="en-US"/>
           </a:p>
@@ -2861,7 +2863,7 @@
           <a:p>
             <a:fld id="{F4DACB02-0458-E443-991A-BACE49840B4F}" type="datetimeFigureOut">
               <a:rPr lang="en-US" smtClean="0"/>
-              <a:t>19-09-06</a:t>
+              <a:t>19-09-09</a:t>
             </a:fld>
             <a:endParaRPr lang="en-US"/>
           </a:p>
@@ -3074,7 +3076,7 @@
           <a:p>
             <a:fld id="{F4DACB02-0458-E443-991A-BACE49840B4F}" type="datetimeFigureOut">
               <a:rPr lang="en-US" smtClean="0"/>
-              <a:t>19-09-06</a:t>
+              <a:t>19-09-09</a:t>
             </a:fld>
             <a:endParaRPr lang="en-US"/>
           </a:p>
@@ -4706,6 +4708,266 @@
 </p:sld>
 </file>
 
+<file path=ppt/slides/slide3.xml><?xml version="1.0" encoding="utf-8"?>
+<p:sld xmlns:a="http://schemas.openxmlformats.org/drawingml/2006/main" xmlns:r="http://schemas.openxmlformats.org/officeDocument/2006/relationships" xmlns:p="http://schemas.openxmlformats.org/presentationml/2006/main">
+  <p:cSld>
+    <p:spTree>
+      <p:nvGrpSpPr>
+        <p:cNvPr id="1" name=""/>
+        <p:cNvGrpSpPr/>
+        <p:nvPr/>
+      </p:nvGrpSpPr>
+      <p:grpSpPr>
+        <a:xfrm>
+          <a:off x="0" y="0"/>
+          <a:ext cx="0" cy="0"/>
+          <a:chOff x="0" y="0"/>
+          <a:chExt cx="0" cy="0"/>
+        </a:xfrm>
+      </p:grpSpPr>
+      <p:pic>
+        <p:nvPicPr>
+          <p:cNvPr id="2" name="Picture 1" descr="slide25_s.png"/>
+          <p:cNvPicPr>
+            <a:picLocks noChangeAspect="1"/>
+          </p:cNvPicPr>
+          <p:nvPr/>
+        </p:nvPicPr>
+        <p:blipFill>
+          <a:blip r:embed="rId2">
+            <a:extLst>
+              <a:ext uri="{28A0092B-C50C-407E-A947-70E740481C1C}">
+                <a14:useLocalDpi xmlns:a14="http://schemas.microsoft.com/office/drawing/2010/main" val="0"/>
+              </a:ext>
+            </a:extLst>
+          </a:blip>
+          <a:stretch>
+            <a:fillRect/>
+          </a:stretch>
+        </p:blipFill>
+        <p:spPr>
+          <a:xfrm>
+            <a:off x="2286410" y="1676400"/>
+            <a:ext cx="6857589" cy="2814320"/>
+          </a:xfrm>
+          <a:prstGeom prst="rect">
+            <a:avLst/>
+          </a:prstGeom>
+        </p:spPr>
+      </p:pic>
+      <p:pic>
+        <p:nvPicPr>
+          <p:cNvPr id="3" name="Picture 2" descr="latex-image-1.pdf"/>
+          <p:cNvPicPr>
+            <a:picLocks noChangeAspect="1"/>
+          </p:cNvPicPr>
+          <p:nvPr/>
+        </p:nvPicPr>
+        <p:blipFill>
+          <a:blip r:embed="rId3">
+            <a:extLst>
+              <a:ext uri="{28A0092B-C50C-407E-A947-70E740481C1C}">
+                <a14:useLocalDpi xmlns:a14="http://schemas.microsoft.com/office/drawing/2010/main" val="0"/>
+              </a:ext>
+            </a:extLst>
+          </a:blip>
+          <a:stretch>
+            <a:fillRect/>
+          </a:stretch>
+        </p:blipFill>
+        <p:spPr>
+          <a:xfrm>
+            <a:off x="195580" y="3208048"/>
+            <a:ext cx="1734820" cy="905538"/>
+          </a:xfrm>
+          <a:prstGeom prst="rect">
+            <a:avLst/>
+          </a:prstGeom>
+        </p:spPr>
+      </p:pic>
+      <p:sp>
+        <p:nvSpPr>
+          <p:cNvPr id="4" name="Rectangle 3"/>
+          <p:cNvSpPr/>
+          <p:nvPr/>
+        </p:nvSpPr>
+        <p:spPr>
+          <a:xfrm>
+            <a:off x="111760" y="3144660"/>
+            <a:ext cx="1991360" cy="1018512"/>
+          </a:xfrm>
+          <a:prstGeom prst="rect">
+            <a:avLst/>
+          </a:prstGeom>
+          <a:noFill/>
+          <a:effectLst/>
+        </p:spPr>
+        <p:style>
+          <a:lnRef idx="1">
+            <a:schemeClr val="accent1"/>
+          </a:lnRef>
+          <a:fillRef idx="3">
+            <a:schemeClr val="accent1"/>
+          </a:fillRef>
+          <a:effectRef idx="2">
+            <a:schemeClr val="accent1"/>
+          </a:effectRef>
+          <a:fontRef idx="minor">
+            <a:schemeClr val="lt1"/>
+          </a:fontRef>
+        </p:style>
+        <p:txBody>
+          <a:bodyPr rtlCol="0" anchor="ctr"/>
+          <a:lstStyle/>
+          <a:p>
+            <a:pPr algn="ctr"/>
+            <a:endParaRPr lang="en-US"/>
+          </a:p>
+        </p:txBody>
+      </p:sp>
+    </p:spTree>
+    <p:extLst>
+      <p:ext uri="{BB962C8B-B14F-4D97-AF65-F5344CB8AC3E}">
+        <p14:creationId xmlns:p14="http://schemas.microsoft.com/office/powerpoint/2010/main" val="3881857507"/>
+      </p:ext>
+    </p:extLst>
+  </p:cSld>
+  <p:clrMapOvr>
+    <a:masterClrMapping/>
+  </p:clrMapOvr>
+</p:sld>
+</file>
+
+<file path=ppt/slides/slide4.xml><?xml version="1.0" encoding="utf-8"?>
+<p:sld xmlns:a="http://schemas.openxmlformats.org/drawingml/2006/main" xmlns:r="http://schemas.openxmlformats.org/officeDocument/2006/relationships" xmlns:p="http://schemas.openxmlformats.org/presentationml/2006/main">
+  <p:cSld>
+    <p:spTree>
+      <p:nvGrpSpPr>
+        <p:cNvPr id="1" name=""/>
+        <p:cNvGrpSpPr/>
+        <p:nvPr/>
+      </p:nvGrpSpPr>
+      <p:grpSpPr>
+        <a:xfrm>
+          <a:off x="0" y="0"/>
+          <a:ext cx="0" cy="0"/>
+          <a:chOff x="0" y="0"/>
+          <a:chExt cx="0" cy="0"/>
+        </a:xfrm>
+      </p:grpSpPr>
+      <p:pic>
+        <p:nvPicPr>
+          <p:cNvPr id="2" name="Picture 1" descr="slide25_s.png"/>
+          <p:cNvPicPr>
+            <a:picLocks noChangeAspect="1"/>
+          </p:cNvPicPr>
+          <p:nvPr/>
+        </p:nvPicPr>
+        <p:blipFill>
+          <a:blip r:embed="rId2">
+            <a:extLst>
+              <a:ext uri="{28A0092B-C50C-407E-A947-70E740481C1C}">
+                <a14:useLocalDpi xmlns:a14="http://schemas.microsoft.com/office/drawing/2010/main" val="0"/>
+              </a:ext>
+            </a:extLst>
+          </a:blip>
+          <a:stretch>
+            <a:fillRect/>
+          </a:stretch>
+        </p:blipFill>
+        <p:spPr>
+          <a:xfrm>
+            <a:off x="3067610" y="1905560"/>
+            <a:ext cx="6076389" cy="2493720"/>
+          </a:xfrm>
+          <a:prstGeom prst="rect">
+            <a:avLst/>
+          </a:prstGeom>
+        </p:spPr>
+      </p:pic>
+      <p:sp>
+        <p:nvSpPr>
+          <p:cNvPr id="4" name="Rectangle 3"/>
+          <p:cNvSpPr/>
+          <p:nvPr/>
+        </p:nvSpPr>
+        <p:spPr>
+          <a:xfrm>
+            <a:off x="111760" y="3073540"/>
+            <a:ext cx="2885440" cy="838060"/>
+          </a:xfrm>
+          <a:prstGeom prst="rect">
+            <a:avLst/>
+          </a:prstGeom>
+          <a:noFill/>
+          <a:effectLst/>
+        </p:spPr>
+        <p:style>
+          <a:lnRef idx="1">
+            <a:schemeClr val="accent1"/>
+          </a:lnRef>
+          <a:fillRef idx="3">
+            <a:schemeClr val="accent1"/>
+          </a:fillRef>
+          <a:effectRef idx="2">
+            <a:schemeClr val="accent1"/>
+          </a:effectRef>
+          <a:fontRef idx="minor">
+            <a:schemeClr val="lt1"/>
+          </a:fontRef>
+        </p:style>
+        <p:txBody>
+          <a:bodyPr rtlCol="0" anchor="ctr"/>
+          <a:lstStyle/>
+          <a:p>
+            <a:pPr algn="ctr"/>
+            <a:endParaRPr lang="en-US"/>
+          </a:p>
+        </p:txBody>
+      </p:sp>
+      <p:pic>
+        <p:nvPicPr>
+          <p:cNvPr id="5" name="Picture 4" descr="latex-image-1.pdf"/>
+          <p:cNvPicPr>
+            <a:picLocks noChangeAspect="1"/>
+          </p:cNvPicPr>
+          <p:nvPr/>
+        </p:nvPicPr>
+        <p:blipFill>
+          <a:blip r:embed="rId3">
+            <a:extLst>
+              <a:ext uri="{28A0092B-C50C-407E-A947-70E740481C1C}">
+                <a14:useLocalDpi xmlns:a14="http://schemas.microsoft.com/office/drawing/2010/main" val="0"/>
+              </a:ext>
+            </a:extLst>
+          </a:blip>
+          <a:stretch>
+            <a:fillRect/>
+          </a:stretch>
+        </p:blipFill>
+        <p:spPr>
+          <a:xfrm>
+            <a:off x="193040" y="3144660"/>
+            <a:ext cx="2646048" cy="645020"/>
+          </a:xfrm>
+          <a:prstGeom prst="rect">
+            <a:avLst/>
+          </a:prstGeom>
+        </p:spPr>
+      </p:pic>
+    </p:spTree>
+    <p:extLst>
+      <p:ext uri="{BB962C8B-B14F-4D97-AF65-F5344CB8AC3E}">
+        <p14:creationId xmlns:p14="http://schemas.microsoft.com/office/powerpoint/2010/main" val="727004873"/>
+      </p:ext>
+    </p:extLst>
+  </p:cSld>
+  <p:clrMapOvr>
+    <a:masterClrMapping/>
+  </p:clrMapOvr>
+</p:sld>
+</file>
+
 <file path=ppt/theme/theme1.xml><?xml version="1.0" encoding="utf-8"?>
 <a:theme xmlns:a="http://schemas.openxmlformats.org/drawingml/2006/main" name="Office Theme">
   <a:themeElements>

--- a/pics.pptx
+++ b/pics.pptx
@@ -5,13 +5,12 @@
     <p:sldMasterId id="2147483648" r:id="rId1"/>
   </p:sldMasterIdLst>
   <p:notesMasterIdLst>
-    <p:notesMasterId r:id="rId6"/>
+    <p:notesMasterId r:id="rId5"/>
   </p:notesMasterIdLst>
   <p:sldIdLst>
     <p:sldId id="366" r:id="rId2"/>
     <p:sldId id="367" r:id="rId3"/>
     <p:sldId id="368" r:id="rId4"/>
-    <p:sldId id="369" r:id="rId5"/>
   </p:sldIdLst>
   <p:sldSz cx="9144000" cy="6858000" type="screen4x3"/>
   <p:notesSz cx="6858000" cy="9144000"/>
@@ -4725,16 +4724,352 @@
           <a:chExt cx="0" cy="0"/>
         </a:xfrm>
       </p:grpSpPr>
+      <p:grpSp>
+        <p:nvGrpSpPr>
+          <p:cNvPr id="3" name="Group 2"/>
+          <p:cNvGrpSpPr/>
+          <p:nvPr/>
+        </p:nvGrpSpPr>
+        <p:grpSpPr>
+          <a:xfrm>
+            <a:off x="1239520" y="1892671"/>
+            <a:ext cx="6441439" cy="2814320"/>
+            <a:chOff x="2702560" y="1348852"/>
+            <a:chExt cx="6441439" cy="2814320"/>
+          </a:xfrm>
+        </p:grpSpPr>
+        <p:pic>
+          <p:nvPicPr>
+            <p:cNvPr id="2" name="Picture 1" descr="slide25_s.png"/>
+            <p:cNvPicPr>
+              <a:picLocks noChangeAspect="1"/>
+            </p:cNvPicPr>
+            <p:nvPr/>
+          </p:nvPicPr>
+          <p:blipFill rotWithShape="1">
+            <a:blip r:embed="rId2">
+              <a:extLst>
+                <a:ext uri="{28A0092B-C50C-407E-A947-70E740481C1C}">
+                  <a14:useLocalDpi xmlns:a14="http://schemas.microsoft.com/office/drawing/2010/main" val="0"/>
+                </a:ext>
+              </a:extLst>
+            </a:blip>
+            <a:srcRect l="26958"/>
+            <a:stretch/>
+          </p:blipFill>
+          <p:spPr>
+            <a:xfrm>
+              <a:off x="4135120" y="1348852"/>
+              <a:ext cx="5008879" cy="2814320"/>
+            </a:xfrm>
+            <a:prstGeom prst="rect">
+              <a:avLst/>
+            </a:prstGeom>
+          </p:spPr>
+        </p:pic>
+        <p:grpSp>
+          <p:nvGrpSpPr>
+            <p:cNvPr id="17" name="Group 16"/>
+            <p:cNvGrpSpPr/>
+            <p:nvPr/>
+          </p:nvGrpSpPr>
+          <p:grpSpPr>
+            <a:xfrm>
+              <a:off x="3698240" y="1442720"/>
+              <a:ext cx="406400" cy="2519680"/>
+              <a:chOff x="4409440" y="1442720"/>
+              <a:chExt cx="406400" cy="2519680"/>
+            </a:xfrm>
+          </p:grpSpPr>
+          <p:cxnSp>
+            <p:nvCxnSpPr>
+              <p:cNvPr id="6" name="Straight Connector 5"/>
+              <p:cNvCxnSpPr/>
+              <p:nvPr/>
+            </p:nvCxnSpPr>
+            <p:spPr>
+              <a:xfrm>
+                <a:off x="4683760" y="1442720"/>
+                <a:ext cx="0" cy="2519680"/>
+              </a:xfrm>
+              <a:prstGeom prst="line">
+                <a:avLst/>
+              </a:prstGeom>
+              <a:ln w="28575" cmpd="sng">
+                <a:solidFill>
+                  <a:schemeClr val="tx1"/>
+                </a:solidFill>
+              </a:ln>
+              <a:effectLst/>
+            </p:spPr>
+            <p:style>
+              <a:lnRef idx="2">
+                <a:schemeClr val="accent1"/>
+              </a:lnRef>
+              <a:fillRef idx="0">
+                <a:schemeClr val="accent1"/>
+              </a:fillRef>
+              <a:effectRef idx="1">
+                <a:schemeClr val="accent1"/>
+              </a:effectRef>
+              <a:fontRef idx="minor">
+                <a:schemeClr val="tx1"/>
+              </a:fontRef>
+            </p:style>
+          </p:cxnSp>
+          <p:cxnSp>
+            <p:nvCxnSpPr>
+              <p:cNvPr id="7" name="Straight Connector 6"/>
+              <p:cNvCxnSpPr/>
+              <p:nvPr/>
+            </p:nvCxnSpPr>
+            <p:spPr>
+              <a:xfrm>
+                <a:off x="4409440" y="2164080"/>
+                <a:ext cx="0" cy="1310640"/>
+              </a:xfrm>
+              <a:prstGeom prst="line">
+                <a:avLst/>
+              </a:prstGeom>
+              <a:ln w="28575" cmpd="sng">
+                <a:solidFill>
+                  <a:schemeClr val="tx1"/>
+                </a:solidFill>
+                <a:headEnd type="triangle"/>
+                <a:tailEnd type="triangle"/>
+              </a:ln>
+              <a:effectLst/>
+            </p:spPr>
+            <p:style>
+              <a:lnRef idx="2">
+                <a:schemeClr val="accent1"/>
+              </a:lnRef>
+              <a:fillRef idx="0">
+                <a:schemeClr val="accent1"/>
+              </a:fillRef>
+              <a:effectRef idx="1">
+                <a:schemeClr val="accent1"/>
+              </a:effectRef>
+              <a:fontRef idx="minor">
+                <a:schemeClr val="tx1"/>
+              </a:fontRef>
+            </p:style>
+          </p:cxnSp>
+          <p:cxnSp>
+            <p:nvCxnSpPr>
+              <p:cNvPr id="11" name="Straight Connector 10"/>
+              <p:cNvCxnSpPr/>
+              <p:nvPr/>
+            </p:nvCxnSpPr>
+            <p:spPr>
+              <a:xfrm>
+                <a:off x="4582160" y="3474720"/>
+                <a:ext cx="233680" cy="0"/>
+              </a:xfrm>
+              <a:prstGeom prst="line">
+                <a:avLst/>
+              </a:prstGeom>
+              <a:ln>
+                <a:solidFill>
+                  <a:srgbClr val="000000"/>
+                </a:solidFill>
+              </a:ln>
+              <a:effectLst/>
+            </p:spPr>
+            <p:style>
+              <a:lnRef idx="2">
+                <a:schemeClr val="accent1"/>
+              </a:lnRef>
+              <a:fillRef idx="0">
+                <a:schemeClr val="accent1"/>
+              </a:fillRef>
+              <a:effectRef idx="1">
+                <a:schemeClr val="accent1"/>
+              </a:effectRef>
+              <a:fontRef idx="minor">
+                <a:schemeClr val="tx1"/>
+              </a:fontRef>
+            </p:style>
+          </p:cxnSp>
+          <p:cxnSp>
+            <p:nvCxnSpPr>
+              <p:cNvPr id="12" name="Straight Connector 11"/>
+              <p:cNvCxnSpPr/>
+              <p:nvPr/>
+            </p:nvCxnSpPr>
+            <p:spPr>
+              <a:xfrm>
+                <a:off x="4582160" y="2164080"/>
+                <a:ext cx="233680" cy="0"/>
+              </a:xfrm>
+              <a:prstGeom prst="line">
+                <a:avLst/>
+              </a:prstGeom>
+              <a:ln>
+                <a:solidFill>
+                  <a:srgbClr val="000000"/>
+                </a:solidFill>
+              </a:ln>
+              <a:effectLst/>
+            </p:spPr>
+            <p:style>
+              <a:lnRef idx="2">
+                <a:schemeClr val="accent1"/>
+              </a:lnRef>
+              <a:fillRef idx="0">
+                <a:schemeClr val="accent1"/>
+              </a:fillRef>
+              <a:effectRef idx="1">
+                <a:schemeClr val="accent1"/>
+              </a:effectRef>
+              <a:fontRef idx="minor">
+                <a:schemeClr val="tx1"/>
+              </a:fontRef>
+            </p:style>
+          </p:cxnSp>
+        </p:grpSp>
+        <p:sp>
+          <p:nvSpPr>
+            <p:cNvPr id="16" name="Rectangle 15"/>
+            <p:cNvSpPr/>
+            <p:nvPr/>
+          </p:nvSpPr>
+          <p:spPr>
+            <a:xfrm>
+              <a:off x="4053840" y="3474720"/>
+              <a:ext cx="284480" cy="314960"/>
+            </a:xfrm>
+            <a:prstGeom prst="rect">
+              <a:avLst/>
+            </a:prstGeom>
+            <a:solidFill>
+              <a:srgbClr val="FFFFFF"/>
+            </a:solidFill>
+            <a:ln>
+              <a:solidFill>
+                <a:schemeClr val="bg1"/>
+              </a:solidFill>
+            </a:ln>
+            <a:effectLst/>
+          </p:spPr>
+          <p:style>
+            <a:lnRef idx="1">
+              <a:schemeClr val="accent1"/>
+            </a:lnRef>
+            <a:fillRef idx="3">
+              <a:schemeClr val="accent1"/>
+            </a:fillRef>
+            <a:effectRef idx="2">
+              <a:schemeClr val="accent1"/>
+            </a:effectRef>
+            <a:fontRef idx="minor">
+              <a:schemeClr val="lt1"/>
+            </a:fontRef>
+          </p:style>
+          <p:txBody>
+            <a:bodyPr rtlCol="0" anchor="ctr"/>
+            <a:lstStyle/>
+            <a:p>
+              <a:pPr algn="ctr"/>
+              <a:endParaRPr lang="en-US"/>
+            </a:p>
+          </p:txBody>
+        </p:sp>
+        <p:pic>
+          <p:nvPicPr>
+            <p:cNvPr id="19" name="Picture 18" descr="latex-image-1.png"/>
+            <p:cNvPicPr>
+              <a:picLocks noChangeAspect="1"/>
+            </p:cNvPicPr>
+            <p:nvPr/>
+          </p:nvPicPr>
+          <p:blipFill>
+            <a:blip r:embed="rId3">
+              <a:extLst>
+                <a:ext uri="{28A0092B-C50C-407E-A947-70E740481C1C}">
+                  <a14:useLocalDpi xmlns:a14="http://schemas.microsoft.com/office/drawing/2010/main" val="0"/>
+                </a:ext>
+              </a:extLst>
+            </a:blip>
+            <a:stretch>
+              <a:fillRect/>
+            </a:stretch>
+          </p:blipFill>
+          <p:spPr>
+            <a:xfrm>
+              <a:off x="2702560" y="3316231"/>
+              <a:ext cx="1137920" cy="359784"/>
+            </a:xfrm>
+            <a:prstGeom prst="rect">
+              <a:avLst/>
+            </a:prstGeom>
+          </p:spPr>
+        </p:pic>
+        <p:pic>
+          <p:nvPicPr>
+            <p:cNvPr id="21" name="Picture 20" descr="latex-image-1.png"/>
+            <p:cNvPicPr>
+              <a:picLocks noChangeAspect="1"/>
+            </p:cNvPicPr>
+            <p:nvPr/>
+          </p:nvPicPr>
+          <p:blipFill>
+            <a:blip r:embed="rId4">
+              <a:extLst>
+                <a:ext uri="{28A0092B-C50C-407E-A947-70E740481C1C}">
+                  <a14:useLocalDpi xmlns:a14="http://schemas.microsoft.com/office/drawing/2010/main" val="0"/>
+                </a:ext>
+              </a:extLst>
+            </a:blip>
+            <a:stretch>
+              <a:fillRect/>
+            </a:stretch>
+          </p:blipFill>
+          <p:spPr>
+            <a:xfrm>
+              <a:off x="2945900" y="1892671"/>
+              <a:ext cx="894580" cy="261249"/>
+            </a:xfrm>
+            <a:prstGeom prst="rect">
+              <a:avLst/>
+            </a:prstGeom>
+          </p:spPr>
+        </p:pic>
+      </p:grpSp>
       <p:pic>
         <p:nvPicPr>
-          <p:cNvPr id="2" name="Picture 1" descr="slide25_s.png"/>
+          <p:cNvPr id="4" name="Picture 3"/>
           <p:cNvPicPr>
             <a:picLocks noChangeAspect="1"/>
           </p:cNvPicPr>
           <p:nvPr/>
         </p:nvPicPr>
         <p:blipFill>
-          <a:blip r:embed="rId2">
+          <a:blip r:embed="rId5"/>
+          <a:stretch>
+            <a:fillRect/>
+          </a:stretch>
+        </p:blipFill>
+        <p:spPr>
+          <a:xfrm>
+            <a:off x="3495040" y="507614"/>
+            <a:ext cx="3444240" cy="1572620"/>
+          </a:xfrm>
+          <a:prstGeom prst="rect">
+            <a:avLst/>
+          </a:prstGeom>
+        </p:spPr>
+      </p:pic>
+      <p:pic>
+        <p:nvPicPr>
+          <p:cNvPr id="5" name="Picture 4" descr="latex-image-1.png"/>
+          <p:cNvPicPr>
+            <a:picLocks noChangeAspect="1"/>
+          </p:cNvPicPr>
+          <p:nvPr/>
+        </p:nvPicPr>
+        <p:blipFill>
+          <a:blip r:embed="rId6">
             <a:extLst>
               <a:ext uri="{28A0092B-C50C-407E-A947-70E740481C1C}">
                 <a14:useLocalDpi xmlns:a14="http://schemas.microsoft.com/office/drawing/2010/main" val="0"/>
@@ -4747,84 +5082,14 @@
         </p:blipFill>
         <p:spPr>
           <a:xfrm>
-            <a:off x="2286410" y="1676400"/>
-            <a:ext cx="6857589" cy="2814320"/>
+            <a:off x="1239520" y="3202124"/>
+            <a:ext cx="835660" cy="252275"/>
           </a:xfrm>
           <a:prstGeom prst="rect">
             <a:avLst/>
           </a:prstGeom>
         </p:spPr>
       </p:pic>
-      <p:pic>
-        <p:nvPicPr>
-          <p:cNvPr id="3" name="Picture 2" descr="latex-image-1.pdf"/>
-          <p:cNvPicPr>
-            <a:picLocks noChangeAspect="1"/>
-          </p:cNvPicPr>
-          <p:nvPr/>
-        </p:nvPicPr>
-        <p:blipFill>
-          <a:blip r:embed="rId3">
-            <a:extLst>
-              <a:ext uri="{28A0092B-C50C-407E-A947-70E740481C1C}">
-                <a14:useLocalDpi xmlns:a14="http://schemas.microsoft.com/office/drawing/2010/main" val="0"/>
-              </a:ext>
-            </a:extLst>
-          </a:blip>
-          <a:stretch>
-            <a:fillRect/>
-          </a:stretch>
-        </p:blipFill>
-        <p:spPr>
-          <a:xfrm>
-            <a:off x="195580" y="3208048"/>
-            <a:ext cx="1734820" cy="905538"/>
-          </a:xfrm>
-          <a:prstGeom prst="rect">
-            <a:avLst/>
-          </a:prstGeom>
-        </p:spPr>
-      </p:pic>
-      <p:sp>
-        <p:nvSpPr>
-          <p:cNvPr id="4" name="Rectangle 3"/>
-          <p:cNvSpPr/>
-          <p:nvPr/>
-        </p:nvSpPr>
-        <p:spPr>
-          <a:xfrm>
-            <a:off x="111760" y="3144660"/>
-            <a:ext cx="1991360" cy="1018512"/>
-          </a:xfrm>
-          <a:prstGeom prst="rect">
-            <a:avLst/>
-          </a:prstGeom>
-          <a:noFill/>
-          <a:effectLst/>
-        </p:spPr>
-        <p:style>
-          <a:lnRef idx="1">
-            <a:schemeClr val="accent1"/>
-          </a:lnRef>
-          <a:fillRef idx="3">
-            <a:schemeClr val="accent1"/>
-          </a:fillRef>
-          <a:effectRef idx="2">
-            <a:schemeClr val="accent1"/>
-          </a:effectRef>
-          <a:fontRef idx="minor">
-            <a:schemeClr val="lt1"/>
-          </a:fontRef>
-        </p:style>
-        <p:txBody>
-          <a:bodyPr rtlCol="0" anchor="ctr"/>
-          <a:lstStyle/>
-          <a:p>
-            <a:pPr algn="ctr"/>
-            <a:endParaRPr lang="en-US"/>
-          </a:p>
-        </p:txBody>
-      </p:sp>
     </p:spTree>
     <p:extLst>
       <p:ext uri="{BB962C8B-B14F-4D97-AF65-F5344CB8AC3E}">
@@ -4835,136 +5100,13 @@
   <p:clrMapOvr>
     <a:masterClrMapping/>
   </p:clrMapOvr>
-</p:sld>
-</file>
-
-<file path=ppt/slides/slide4.xml><?xml version="1.0" encoding="utf-8"?>
-<p:sld xmlns:a="http://schemas.openxmlformats.org/drawingml/2006/main" xmlns:r="http://schemas.openxmlformats.org/officeDocument/2006/relationships" xmlns:p="http://schemas.openxmlformats.org/presentationml/2006/main">
-  <p:cSld>
-    <p:spTree>
-      <p:nvGrpSpPr>
-        <p:cNvPr id="1" name=""/>
-        <p:cNvGrpSpPr/>
-        <p:nvPr/>
-      </p:nvGrpSpPr>
-      <p:grpSpPr>
-        <a:xfrm>
-          <a:off x="0" y="0"/>
-          <a:ext cx="0" cy="0"/>
-          <a:chOff x="0" y="0"/>
-          <a:chExt cx="0" cy="0"/>
-        </a:xfrm>
-      </p:grpSpPr>
-      <p:pic>
-        <p:nvPicPr>
-          <p:cNvPr id="2" name="Picture 1" descr="slide25_s.png"/>
-          <p:cNvPicPr>
-            <a:picLocks noChangeAspect="1"/>
-          </p:cNvPicPr>
-          <p:nvPr/>
-        </p:nvPicPr>
-        <p:blipFill>
-          <a:blip r:embed="rId2">
-            <a:extLst>
-              <a:ext uri="{28A0092B-C50C-407E-A947-70E740481C1C}">
-                <a14:useLocalDpi xmlns:a14="http://schemas.microsoft.com/office/drawing/2010/main" val="0"/>
-              </a:ext>
-            </a:extLst>
-          </a:blip>
-          <a:stretch>
-            <a:fillRect/>
-          </a:stretch>
-        </p:blipFill>
-        <p:spPr>
-          <a:xfrm>
-            <a:off x="3067610" y="1905560"/>
-            <a:ext cx="6076389" cy="2493720"/>
-          </a:xfrm>
-          <a:prstGeom prst="rect">
-            <a:avLst/>
-          </a:prstGeom>
-        </p:spPr>
-      </p:pic>
-      <p:sp>
-        <p:nvSpPr>
-          <p:cNvPr id="4" name="Rectangle 3"/>
-          <p:cNvSpPr/>
-          <p:nvPr/>
-        </p:nvSpPr>
-        <p:spPr>
-          <a:xfrm>
-            <a:off x="111760" y="3073540"/>
-            <a:ext cx="2885440" cy="838060"/>
-          </a:xfrm>
-          <a:prstGeom prst="rect">
-            <a:avLst/>
-          </a:prstGeom>
-          <a:noFill/>
-          <a:effectLst/>
-        </p:spPr>
-        <p:style>
-          <a:lnRef idx="1">
-            <a:schemeClr val="accent1"/>
-          </a:lnRef>
-          <a:fillRef idx="3">
-            <a:schemeClr val="accent1"/>
-          </a:fillRef>
-          <a:effectRef idx="2">
-            <a:schemeClr val="accent1"/>
-          </a:effectRef>
-          <a:fontRef idx="minor">
-            <a:schemeClr val="lt1"/>
-          </a:fontRef>
-        </p:style>
-        <p:txBody>
-          <a:bodyPr rtlCol="0" anchor="ctr"/>
-          <a:lstStyle/>
-          <a:p>
-            <a:pPr algn="ctr"/>
-            <a:endParaRPr lang="en-US"/>
-          </a:p>
-        </p:txBody>
-      </p:sp>
-      <p:pic>
-        <p:nvPicPr>
-          <p:cNvPr id="5" name="Picture 4" descr="latex-image-1.pdf"/>
-          <p:cNvPicPr>
-            <a:picLocks noChangeAspect="1"/>
-          </p:cNvPicPr>
-          <p:nvPr/>
-        </p:nvPicPr>
-        <p:blipFill>
-          <a:blip r:embed="rId3">
-            <a:extLst>
-              <a:ext uri="{28A0092B-C50C-407E-A947-70E740481C1C}">
-                <a14:useLocalDpi xmlns:a14="http://schemas.microsoft.com/office/drawing/2010/main" val="0"/>
-              </a:ext>
-            </a:extLst>
-          </a:blip>
-          <a:stretch>
-            <a:fillRect/>
-          </a:stretch>
-        </p:blipFill>
-        <p:spPr>
-          <a:xfrm>
-            <a:off x="193040" y="3144660"/>
-            <a:ext cx="2646048" cy="645020"/>
-          </a:xfrm>
-          <a:prstGeom prst="rect">
-            <a:avLst/>
-          </a:prstGeom>
-        </p:spPr>
-      </p:pic>
-    </p:spTree>
-    <p:extLst>
-      <p:ext uri="{BB962C8B-B14F-4D97-AF65-F5344CB8AC3E}">
-        <p14:creationId xmlns:p14="http://schemas.microsoft.com/office/powerpoint/2010/main" val="727004873"/>
-      </p:ext>
-    </p:extLst>
-  </p:cSld>
-  <p:clrMapOvr>
-    <a:masterClrMapping/>
-  </p:clrMapOvr>
+  <p:timing>
+    <p:tnLst>
+      <p:par>
+        <p:cTn xmlns:p14="http://schemas.microsoft.com/office/powerpoint/2010/main" id="1" dur="indefinite" restart="never" nodeType="tmRoot"/>
+      </p:par>
+    </p:tnLst>
+  </p:timing>
 </p:sld>
 </file>
 

--- a/pics.pptx
+++ b/pics.pptx
@@ -4775,10 +4775,10 @@
           </p:nvGrpSpPr>
           <p:grpSpPr>
             <a:xfrm>
-              <a:off x="3698240" y="1442720"/>
-              <a:ext cx="406400" cy="2519680"/>
-              <a:chOff x="4409440" y="1442720"/>
-              <a:chExt cx="406400" cy="2519680"/>
+              <a:off x="3840480" y="1442720"/>
+              <a:ext cx="264160" cy="2519680"/>
+              <a:chOff x="4551680" y="1442720"/>
+              <a:chExt cx="264160" cy="2519680"/>
             </a:xfrm>
           </p:grpSpPr>
           <p:cxnSp>
@@ -4825,8 +4825,8 @@
             </p:nvCxnSpPr>
             <p:spPr>
               <a:xfrm>
-                <a:off x="4409440" y="2164080"/>
-                <a:ext cx="0" cy="1310640"/>
+                <a:off x="4551680" y="2042160"/>
+                <a:ext cx="0" cy="1440000"/>
               </a:xfrm>
               <a:prstGeom prst="line">
                 <a:avLst/>
@@ -4899,7 +4899,7 @@
             </p:nvCxnSpPr>
             <p:spPr>
               <a:xfrm>
-                <a:off x="4582160" y="2164080"/>
+                <a:off x="4582160" y="2042160"/>
                 <a:ext cx="233680" cy="0"/>
               </a:xfrm>
               <a:prstGeom prst="line">
@@ -5027,7 +5027,7 @@
           </p:blipFill>
           <p:spPr>
             <a:xfrm>
-              <a:off x="2945900" y="1892671"/>
+              <a:off x="2864620" y="1841871"/>
               <a:ext cx="894580" cy="261249"/>
             </a:xfrm>
             <a:prstGeom prst="rect">

--- a/pics.pptx
+++ b/pics.pptx
@@ -5,12 +5,13 @@
     <p:sldMasterId id="2147483648" r:id="rId1"/>
   </p:sldMasterIdLst>
   <p:notesMasterIdLst>
-    <p:notesMasterId r:id="rId5"/>
+    <p:notesMasterId r:id="rId6"/>
   </p:notesMasterIdLst>
   <p:sldIdLst>
-    <p:sldId id="366" r:id="rId2"/>
-    <p:sldId id="367" r:id="rId3"/>
-    <p:sldId id="368" r:id="rId4"/>
+    <p:sldId id="369" r:id="rId2"/>
+    <p:sldId id="366" r:id="rId3"/>
+    <p:sldId id="367" r:id="rId4"/>
+    <p:sldId id="368" r:id="rId5"/>
   </p:sldIdLst>
   <p:sldSz cx="9144000" cy="6858000" type="screen4x3"/>
   <p:notesSz cx="6858000" cy="9144000"/>
@@ -194,7 +195,7 @@
           <a:p>
             <a:fld id="{5CC76A62-000D-E547-83B7-E179CCF7BF20}" type="datetimeFigureOut">
               <a:rPr lang="en-US" smtClean="0"/>
-              <a:t>19-09-09</a:t>
+              <a:t>19-09-12</a:t>
             </a:fld>
             <a:endParaRPr lang="en-US"/>
           </a:p>
@@ -643,7 +644,7 @@
           <a:p>
             <a:fld id="{F4DACB02-0458-E443-991A-BACE49840B4F}" type="datetimeFigureOut">
               <a:rPr lang="en-US" smtClean="0"/>
-              <a:t>19-09-09</a:t>
+              <a:t>19-09-12</a:t>
             </a:fld>
             <a:endParaRPr lang="en-US"/>
           </a:p>
@@ -813,7 +814,7 @@
           <a:p>
             <a:fld id="{F4DACB02-0458-E443-991A-BACE49840B4F}" type="datetimeFigureOut">
               <a:rPr lang="en-US" smtClean="0"/>
-              <a:t>19-09-09</a:t>
+              <a:t>19-09-12</a:t>
             </a:fld>
             <a:endParaRPr lang="en-US"/>
           </a:p>
@@ -993,7 +994,7 @@
           <a:p>
             <a:fld id="{F4DACB02-0458-E443-991A-BACE49840B4F}" type="datetimeFigureOut">
               <a:rPr lang="en-US" smtClean="0"/>
-              <a:t>19-09-09</a:t>
+              <a:t>19-09-12</a:t>
             </a:fld>
             <a:endParaRPr lang="en-US"/>
           </a:p>
@@ -1163,7 +1164,7 @@
           <a:p>
             <a:fld id="{F4DACB02-0458-E443-991A-BACE49840B4F}" type="datetimeFigureOut">
               <a:rPr lang="en-US" smtClean="0"/>
-              <a:t>19-09-09</a:t>
+              <a:t>19-09-12</a:t>
             </a:fld>
             <a:endParaRPr lang="en-US"/>
           </a:p>
@@ -1409,7 +1410,7 @@
           <a:p>
             <a:fld id="{F4DACB02-0458-E443-991A-BACE49840B4F}" type="datetimeFigureOut">
               <a:rPr lang="en-US" smtClean="0"/>
-              <a:t>19-09-09</a:t>
+              <a:t>19-09-12</a:t>
             </a:fld>
             <a:endParaRPr lang="en-US"/>
           </a:p>
@@ -1697,7 +1698,7 @@
           <a:p>
             <a:fld id="{F4DACB02-0458-E443-991A-BACE49840B4F}" type="datetimeFigureOut">
               <a:rPr lang="en-US" smtClean="0"/>
-              <a:t>19-09-09</a:t>
+              <a:t>19-09-12</a:t>
             </a:fld>
             <a:endParaRPr lang="en-US"/>
           </a:p>
@@ -2119,7 +2120,7 @@
           <a:p>
             <a:fld id="{F4DACB02-0458-E443-991A-BACE49840B4F}" type="datetimeFigureOut">
               <a:rPr lang="en-US" smtClean="0"/>
-              <a:t>19-09-09</a:t>
+              <a:t>19-09-12</a:t>
             </a:fld>
             <a:endParaRPr lang="en-US"/>
           </a:p>
@@ -2237,7 +2238,7 @@
           <a:p>
             <a:fld id="{F4DACB02-0458-E443-991A-BACE49840B4F}" type="datetimeFigureOut">
               <a:rPr lang="en-US" smtClean="0"/>
-              <a:t>19-09-09</a:t>
+              <a:t>19-09-12</a:t>
             </a:fld>
             <a:endParaRPr lang="en-US"/>
           </a:p>
@@ -2332,7 +2333,7 @@
           <a:p>
             <a:fld id="{F4DACB02-0458-E443-991A-BACE49840B4F}" type="datetimeFigureOut">
               <a:rPr lang="en-US" smtClean="0"/>
-              <a:t>19-09-09</a:t>
+              <a:t>19-09-12</a:t>
             </a:fld>
             <a:endParaRPr lang="en-US"/>
           </a:p>
@@ -2609,7 +2610,7 @@
           <a:p>
             <a:fld id="{F4DACB02-0458-E443-991A-BACE49840B4F}" type="datetimeFigureOut">
               <a:rPr lang="en-US" smtClean="0"/>
-              <a:t>19-09-09</a:t>
+              <a:t>19-09-12</a:t>
             </a:fld>
             <a:endParaRPr lang="en-US"/>
           </a:p>
@@ -2862,7 +2863,7 @@
           <a:p>
             <a:fld id="{F4DACB02-0458-E443-991A-BACE49840B4F}" type="datetimeFigureOut">
               <a:rPr lang="en-US" smtClean="0"/>
-              <a:t>19-09-09</a:t>
+              <a:t>19-09-12</a:t>
             </a:fld>
             <a:endParaRPr lang="en-US"/>
           </a:p>
@@ -3075,7 +3076,7 @@
           <a:p>
             <a:fld id="{F4DACB02-0458-E443-991A-BACE49840B4F}" type="datetimeFigureOut">
               <a:rPr lang="en-US" smtClean="0"/>
-              <a:t>19-09-09</a:t>
+              <a:t>19-09-12</a:t>
             </a:fld>
             <a:endParaRPr lang="en-US"/>
           </a:p>
@@ -3450,6 +3451,141 @@
           <a:chExt cx="0" cy="0"/>
         </a:xfrm>
       </p:grpSpPr>
+      <p:pic>
+        <p:nvPicPr>
+          <p:cNvPr id="4" name="Picture 3" descr="slide4.png"/>
+          <p:cNvPicPr>
+            <a:picLocks noChangeAspect="1"/>
+          </p:cNvPicPr>
+          <p:nvPr/>
+        </p:nvPicPr>
+        <p:blipFill>
+          <a:blip r:embed="rId2">
+            <a:extLst>
+              <a:ext uri="{28A0092B-C50C-407E-A947-70E740481C1C}">
+                <a14:useLocalDpi xmlns:a14="http://schemas.microsoft.com/office/drawing/2010/main" val="0"/>
+              </a:ext>
+            </a:extLst>
+          </a:blip>
+          <a:stretch>
+            <a:fillRect/>
+          </a:stretch>
+        </p:blipFill>
+        <p:spPr>
+          <a:xfrm>
+            <a:off x="274320" y="1253490"/>
+            <a:ext cx="7345680" cy="5509260"/>
+          </a:xfrm>
+          <a:prstGeom prst="rect">
+            <a:avLst/>
+          </a:prstGeom>
+        </p:spPr>
+      </p:pic>
+      <p:pic>
+        <p:nvPicPr>
+          <p:cNvPr id="5" name="Picture 4" descr="latex-image-1.png"/>
+          <p:cNvPicPr>
+            <a:picLocks noChangeAspect="1"/>
+          </p:cNvPicPr>
+          <p:nvPr/>
+        </p:nvPicPr>
+        <p:blipFill>
+          <a:blip r:embed="rId3">
+            <a:extLst>
+              <a:ext uri="{28A0092B-C50C-407E-A947-70E740481C1C}">
+                <a14:useLocalDpi xmlns:a14="http://schemas.microsoft.com/office/drawing/2010/main" val="0"/>
+              </a:ext>
+            </a:extLst>
+          </a:blip>
+          <a:stretch>
+            <a:fillRect/>
+          </a:stretch>
+        </p:blipFill>
+        <p:spPr>
+          <a:xfrm>
+            <a:off x="5243830" y="2275840"/>
+            <a:ext cx="2152650" cy="364295"/>
+          </a:xfrm>
+          <a:prstGeom prst="rect">
+            <a:avLst/>
+          </a:prstGeom>
+        </p:spPr>
+      </p:pic>
+      <p:sp>
+        <p:nvSpPr>
+          <p:cNvPr id="6" name="Rectangle 5"/>
+          <p:cNvSpPr/>
+          <p:nvPr/>
+        </p:nvSpPr>
+        <p:spPr>
+          <a:xfrm>
+            <a:off x="5080000" y="2072640"/>
+            <a:ext cx="2540000" cy="853440"/>
+          </a:xfrm>
+          <a:prstGeom prst="rect">
+            <a:avLst/>
+          </a:prstGeom>
+          <a:noFill/>
+          <a:ln w="12700" cmpd="sng">
+            <a:solidFill>
+              <a:srgbClr val="0000FF"/>
+            </a:solidFill>
+          </a:ln>
+          <a:effectLst/>
+        </p:spPr>
+        <p:style>
+          <a:lnRef idx="1">
+            <a:schemeClr val="accent1"/>
+          </a:lnRef>
+          <a:fillRef idx="3">
+            <a:schemeClr val="accent1"/>
+          </a:fillRef>
+          <a:effectRef idx="2">
+            <a:schemeClr val="accent1"/>
+          </a:effectRef>
+          <a:fontRef idx="minor">
+            <a:schemeClr val="lt1"/>
+          </a:fontRef>
+        </p:style>
+        <p:txBody>
+          <a:bodyPr rtlCol="0" anchor="ctr"/>
+          <a:lstStyle/>
+          <a:p>
+            <a:pPr algn="ctr"/>
+            <a:endParaRPr lang="en-US"/>
+          </a:p>
+        </p:txBody>
+      </p:sp>
+    </p:spTree>
+    <p:extLst>
+      <p:ext uri="{BB962C8B-B14F-4D97-AF65-F5344CB8AC3E}">
+        <p14:creationId xmlns:p14="http://schemas.microsoft.com/office/powerpoint/2010/main" val="3706654747"/>
+      </p:ext>
+    </p:extLst>
+  </p:cSld>
+  <p:clrMapOvr>
+    <a:masterClrMapping/>
+  </p:clrMapOvr>
+</p:sld>
+</file>
+
+<file path=ppt/slides/slide2.xml><?xml version="1.0" encoding="utf-8"?>
+<p:sld xmlns:a="http://schemas.openxmlformats.org/drawingml/2006/main" xmlns:r="http://schemas.openxmlformats.org/officeDocument/2006/relationships" xmlns:p="http://schemas.openxmlformats.org/presentationml/2006/main">
+  <p:cSld>
+    <p:spTree>
+      <p:nvGrpSpPr>
+        <p:cNvPr id="1" name=""/>
+        <p:cNvGrpSpPr/>
+        <p:nvPr/>
+      </p:nvGrpSpPr>
+      <p:grpSpPr>
+        <a:xfrm>
+          <a:off x="0" y="0"/>
+          <a:ext cx="0" cy="0"/>
+          <a:chOff x="0" y="0"/>
+          <a:chExt cx="0" cy="0"/>
+        </a:xfrm>
+      </p:grpSpPr>
       <p:grpSp>
         <p:nvGrpSpPr>
           <p:cNvPr id="4" name="Group 3"/>
@@ -3458,10 +3594,10 @@
         </p:nvGrpSpPr>
         <p:grpSpPr>
           <a:xfrm>
-            <a:off x="1364438" y="4075960"/>
-            <a:ext cx="5915818" cy="2584504"/>
+            <a:off x="1300938" y="4075960"/>
+            <a:ext cx="6030118" cy="2584504"/>
             <a:chOff x="649281" y="3262091"/>
-            <a:chExt cx="6797650" cy="3398373"/>
+            <a:chExt cx="6928987" cy="3398373"/>
           </a:xfrm>
         </p:grpSpPr>
         <p:pic>
@@ -3883,9 +4019,9 @@
           <p:grpSpPr>
             <a:xfrm>
               <a:off x="5845568" y="4349251"/>
-              <a:ext cx="1601363" cy="1729513"/>
+              <a:ext cx="1732700" cy="1729513"/>
               <a:chOff x="5845568" y="4349251"/>
-              <a:chExt cx="1601363" cy="1729513"/>
+              <a:chExt cx="1732700" cy="1729513"/>
             </a:xfrm>
           </p:grpSpPr>
           <p:grpSp>
@@ -3896,9 +4032,9 @@
             </p:nvGrpSpPr>
             <p:grpSpPr>
               <a:xfrm>
-                <a:off x="5950837" y="4349251"/>
+                <a:off x="6082174" y="4349251"/>
                 <a:ext cx="1496094" cy="908867"/>
-                <a:chOff x="4583963" y="4349251"/>
+                <a:chOff x="4715300" y="4349251"/>
                 <a:chExt cx="1496094" cy="908867"/>
               </a:xfrm>
             </p:grpSpPr>
@@ -3912,7 +4048,7 @@
               </p:nvSpPr>
               <p:spPr bwMode="auto">
                 <a:xfrm>
-                  <a:off x="4583963" y="4605700"/>
+                  <a:off x="4715300" y="4605700"/>
                   <a:ext cx="1496094" cy="652418"/>
                 </a:xfrm>
                 <a:prstGeom prst="roundRect">
@@ -3979,7 +4115,7 @@
               </p:nvCxnSpPr>
               <p:spPr>
                 <a:xfrm flipV="1">
-                  <a:off x="5319141" y="4349251"/>
+                  <a:off x="5450478" y="4349251"/>
                   <a:ext cx="0" cy="270490"/>
                 </a:xfrm>
                 <a:prstGeom prst="straightConnector1">
@@ -4228,7 +4364,7 @@
       </p:grpSp>
       <p:pic>
         <p:nvPicPr>
-          <p:cNvPr id="8" name="Picture 7" descr="latex-image.pdf"/>
+          <p:cNvPr id="11" name="Picture 10" descr="latex-image-1.png"/>
           <p:cNvPicPr>
             <a:picLocks noChangeAspect="1"/>
           </p:cNvPicPr>
@@ -4248,8 +4384,8 @@
         </p:blipFill>
         <p:spPr>
           <a:xfrm>
-            <a:off x="1391975" y="133202"/>
-            <a:ext cx="5852105" cy="4708398"/>
+            <a:off x="1190321" y="109761"/>
+            <a:ext cx="7407579" cy="4742196"/>
           </a:xfrm>
           <a:prstGeom prst="rect">
             <a:avLst/>
@@ -4276,7 +4412,7 @@
 </p:sld>
 </file>
 
-<file path=ppt/slides/slide2.xml><?xml version="1.0" encoding="utf-8"?>
+<file path=ppt/slides/slide3.xml><?xml version="1.0" encoding="utf-8"?>
 <p:sld xmlns:a="http://schemas.openxmlformats.org/drawingml/2006/main" xmlns:r="http://schemas.openxmlformats.org/officeDocument/2006/relationships" xmlns:p="http://schemas.openxmlformats.org/presentationml/2006/main">
   <p:cSld>
     <p:spTree>
@@ -4707,7 +4843,7 @@
 </p:sld>
 </file>
 
-<file path=ppt/slides/slide3.xml><?xml version="1.0" encoding="utf-8"?>
+<file path=ppt/slides/slide4.xml><?xml version="1.0" encoding="utf-8"?>
 <p:sld xmlns:a="http://schemas.openxmlformats.org/drawingml/2006/main" xmlns:r="http://schemas.openxmlformats.org/officeDocument/2006/relationships" xmlns:p="http://schemas.openxmlformats.org/presentationml/2006/main">
   <p:cSld>
     <p:spTree>

--- a/pics.pptx
+++ b/pics.pptx
@@ -3566,6 +3566,13 @@
   <p:clrMapOvr>
     <a:masterClrMapping/>
   </p:clrMapOvr>
+  <p:timing>
+    <p:tnLst>
+      <p:par>
+        <p:cTn xmlns:p14="http://schemas.microsoft.com/office/powerpoint/2010/main" id="1" dur="indefinite" restart="never" nodeType="tmRoot"/>
+      </p:par>
+    </p:tnLst>
+  </p:timing>
 </p:sld>
 </file>
 
@@ -3594,10 +3601,10 @@
         </p:nvGrpSpPr>
         <p:grpSpPr>
           <a:xfrm>
-            <a:off x="1300938" y="4075960"/>
-            <a:ext cx="6030118" cy="2584504"/>
-            <a:chOff x="649281" y="3262091"/>
-            <a:chExt cx="6928987" cy="3398373"/>
+            <a:off x="780238" y="4075960"/>
+            <a:ext cx="6842918" cy="2584504"/>
+            <a:chOff x="50968" y="3262091"/>
+            <a:chExt cx="7862939" cy="3398373"/>
           </a:xfrm>
         </p:grpSpPr>
         <p:pic>
@@ -3632,10 +3639,10 @@
           </p:nvGrpSpPr>
           <p:grpSpPr>
             <a:xfrm>
-              <a:off x="649281" y="4340552"/>
-              <a:ext cx="2152326" cy="1621872"/>
-              <a:chOff x="649281" y="4340552"/>
-              <a:chExt cx="2152326" cy="1621872"/>
+              <a:off x="50968" y="4340552"/>
+              <a:ext cx="2750639" cy="1621872"/>
+              <a:chOff x="50968" y="4340552"/>
+              <a:chExt cx="2750639" cy="1621872"/>
             </a:xfrm>
           </p:grpSpPr>
           <p:grpSp>
@@ -3646,9 +3653,9 @@
             </p:nvGrpSpPr>
             <p:grpSpPr>
               <a:xfrm>
-                <a:off x="649281" y="4340552"/>
+                <a:off x="50968" y="4340552"/>
                 <a:ext cx="1438113" cy="1117018"/>
-                <a:chOff x="-717593" y="4340552"/>
+                <a:chOff x="-1315906" y="4340552"/>
                 <a:chExt cx="1438113" cy="1117018"/>
               </a:xfrm>
             </p:grpSpPr>
@@ -3662,7 +3669,7 @@
               </p:nvSpPr>
               <p:spPr bwMode="auto">
                 <a:xfrm>
-                  <a:off x="-717593" y="4605700"/>
+                  <a:off x="-1315906" y="4605700"/>
                   <a:ext cx="1438113" cy="851870"/>
                 </a:xfrm>
                 <a:prstGeom prst="roundRect">
@@ -3753,7 +3760,7 @@
               </p:nvCxnSpPr>
               <p:spPr>
                 <a:xfrm flipV="1">
-                  <a:off x="44233" y="4340552"/>
+                  <a:off x="-597863" y="4340552"/>
                   <a:ext cx="0" cy="270490"/>
                 </a:xfrm>
                 <a:prstGeom prst="straightConnector1">
@@ -3790,8 +3797,8 @@
             </p:nvCxnSpPr>
             <p:spPr>
               <a:xfrm>
-                <a:off x="2209382" y="5462912"/>
-                <a:ext cx="592225" cy="499512"/>
+                <a:off x="1489081" y="5462912"/>
+                <a:ext cx="1312526" cy="499512"/>
               </a:xfrm>
               <a:prstGeom prst="straightConnector1">
                 <a:avLst/>
@@ -3827,10 +3834,10 @@
           </p:nvGrpSpPr>
           <p:grpSpPr>
             <a:xfrm>
-              <a:off x="2871663" y="4349251"/>
-              <a:ext cx="1384065" cy="1613173"/>
-              <a:chOff x="2871663" y="4349251"/>
-              <a:chExt cx="1384065" cy="1613173"/>
+              <a:off x="2652768" y="4349251"/>
+              <a:ext cx="1447854" cy="1613173"/>
+              <a:chOff x="2652768" y="4349251"/>
+              <a:chExt cx="1447854" cy="1613173"/>
             </a:xfrm>
           </p:grpSpPr>
           <p:grpSp>
@@ -3841,9 +3848,9 @@
             </p:nvGrpSpPr>
             <p:grpSpPr>
               <a:xfrm>
-                <a:off x="2871663" y="4349251"/>
+                <a:off x="2652768" y="4349251"/>
                 <a:ext cx="1384065" cy="1113661"/>
-                <a:chOff x="1504789" y="4349251"/>
+                <a:chOff x="1213144" y="4349251"/>
                 <a:chExt cx="1844024" cy="1113661"/>
               </a:xfrm>
             </p:grpSpPr>
@@ -3857,7 +3864,7 @@
               </p:nvSpPr>
               <p:spPr bwMode="auto">
                 <a:xfrm>
-                  <a:off x="1504789" y="4605699"/>
+                  <a:off x="1213144" y="4605699"/>
                   <a:ext cx="1844024" cy="857213"/>
                 </a:xfrm>
                 <a:prstGeom prst="roundRect">
@@ -3944,7 +3951,7 @@
               </p:nvCxnSpPr>
               <p:spPr>
                 <a:xfrm flipV="1">
-                  <a:off x="2427164" y="4349251"/>
+                  <a:off x="2077195" y="4349251"/>
                   <a:ext cx="0" cy="270490"/>
                 </a:xfrm>
                 <a:prstGeom prst="straightConnector1">
@@ -4019,9 +4026,9 @@
           <p:grpSpPr>
             <a:xfrm>
               <a:off x="5845568" y="4349251"/>
-              <a:ext cx="1732700" cy="1729513"/>
+              <a:ext cx="2068339" cy="1729513"/>
               <a:chOff x="5845568" y="4349251"/>
-              <a:chExt cx="1732700" cy="1729513"/>
+              <a:chExt cx="2068339" cy="1729513"/>
             </a:xfrm>
           </p:grpSpPr>
           <p:grpSp>
@@ -4032,9 +4039,9 @@
             </p:nvGrpSpPr>
             <p:grpSpPr>
               <a:xfrm>
-                <a:off x="6082174" y="4349251"/>
+                <a:off x="6417813" y="4349251"/>
                 <a:ext cx="1496094" cy="908867"/>
-                <a:chOff x="4715300" y="4349251"/>
+                <a:chOff x="5050939" y="4349251"/>
                 <a:chExt cx="1496094" cy="908867"/>
               </a:xfrm>
             </p:grpSpPr>
@@ -4048,7 +4055,7 @@
               </p:nvSpPr>
               <p:spPr bwMode="auto">
                 <a:xfrm>
-                  <a:off x="4715300" y="4605700"/>
+                  <a:off x="5050939" y="4605700"/>
                   <a:ext cx="1496094" cy="652418"/>
                 </a:xfrm>
                 <a:prstGeom prst="roundRect">
@@ -4115,7 +4122,7 @@
               </p:nvCxnSpPr>
               <p:spPr>
                 <a:xfrm flipV="1">
-                  <a:off x="5450478" y="4349251"/>
+                  <a:off x="5786117" y="4349251"/>
                   <a:ext cx="0" cy="270490"/>
                 </a:xfrm>
                 <a:prstGeom prst="straightConnector1">
@@ -4364,7 +4371,7 @@
       </p:grpSp>
       <p:pic>
         <p:nvPicPr>
-          <p:cNvPr id="11" name="Picture 10" descr="latex-image-1.png"/>
+          <p:cNvPr id="2" name="Picture 1" descr="latex-image-1.pdf"/>
           <p:cNvPicPr>
             <a:picLocks noChangeAspect="1"/>
           </p:cNvPicPr>
@@ -4384,8 +4391,8 @@
         </p:blipFill>
         <p:spPr>
           <a:xfrm>
-            <a:off x="1190321" y="109761"/>
-            <a:ext cx="7407579" cy="4742196"/>
+            <a:off x="781050" y="368301"/>
+            <a:ext cx="6819021" cy="4406586"/>
           </a:xfrm>
           <a:prstGeom prst="rect">
             <a:avLst/>
@@ -4429,36 +4436,6 @@
           <a:chExt cx="0" cy="0"/>
         </a:xfrm>
       </p:grpSpPr>
-      <p:pic>
-        <p:nvPicPr>
-          <p:cNvPr id="8" name="Picture 7" descr="latex-image.pdf"/>
-          <p:cNvPicPr>
-            <a:picLocks noChangeAspect="1"/>
-          </p:cNvPicPr>
-          <p:nvPr/>
-        </p:nvPicPr>
-        <p:blipFill>
-          <a:blip r:embed="rId2">
-            <a:extLst>
-              <a:ext uri="{28A0092B-C50C-407E-A947-70E740481C1C}">
-                <a14:useLocalDpi xmlns:a14="http://schemas.microsoft.com/office/drawing/2010/main" val="0"/>
-              </a:ext>
-            </a:extLst>
-          </a:blip>
-          <a:stretch>
-            <a:fillRect/>
-          </a:stretch>
-        </p:blipFill>
-        <p:spPr>
-          <a:xfrm>
-            <a:off x="635925" y="133200"/>
-            <a:ext cx="7928956" cy="6379359"/>
-          </a:xfrm>
-          <a:prstGeom prst="rect">
-            <a:avLst/>
-          </a:prstGeom>
-        </p:spPr>
-      </p:pic>
       <p:cxnSp>
         <p:nvCxnSpPr>
           <p:cNvPr id="3" name="Straight Connector 2"/>
@@ -4823,6 +4800,36 @@
           </a:fontRef>
         </p:style>
       </p:cxnSp>
+      <p:pic>
+        <p:nvPicPr>
+          <p:cNvPr id="4" name="Picture 3" descr="latex-image-1.pdf"/>
+          <p:cNvPicPr>
+            <a:picLocks noChangeAspect="1"/>
+          </p:cNvPicPr>
+          <p:nvPr/>
+        </p:nvPicPr>
+        <p:blipFill>
+          <a:blip r:embed="rId2">
+            <a:extLst>
+              <a:ext uri="{28A0092B-C50C-407E-A947-70E740481C1C}">
+                <a14:useLocalDpi xmlns:a14="http://schemas.microsoft.com/office/drawing/2010/main" val="0"/>
+              </a:ext>
+            </a:extLst>
+          </a:blip>
+          <a:stretch>
+            <a:fillRect/>
+          </a:stretch>
+        </p:blipFill>
+        <p:spPr>
+          <a:xfrm>
+            <a:off x="617698" y="114514"/>
+            <a:ext cx="7985282" cy="6413286"/>
+          </a:xfrm>
+          <a:prstGeom prst="rect">
+            <a:avLst/>
+          </a:prstGeom>
+        </p:spPr>
+      </p:pic>
     </p:spTree>
     <p:extLst>
       <p:ext uri="{BB962C8B-B14F-4D97-AF65-F5344CB8AC3E}">

--- a/pics.pptx
+++ b/pics.pptx
@@ -5,7 +5,7 @@
     <p:sldMasterId id="2147483648" r:id="rId1"/>
   </p:sldMasterIdLst>
   <p:notesMasterIdLst>
-    <p:notesMasterId r:id="rId9"/>
+    <p:notesMasterId r:id="rId13"/>
   </p:notesMasterIdLst>
   <p:sldIdLst>
     <p:sldId id="369" r:id="rId2"/>
@@ -13,8 +13,12 @@
     <p:sldId id="368" r:id="rId4"/>
     <p:sldId id="372" r:id="rId5"/>
     <p:sldId id="370" r:id="rId6"/>
-    <p:sldId id="371" r:id="rId7"/>
+    <p:sldId id="374" r:id="rId7"/>
     <p:sldId id="373" r:id="rId8"/>
+    <p:sldId id="371" r:id="rId9"/>
+    <p:sldId id="375" r:id="rId10"/>
+    <p:sldId id="376" r:id="rId11"/>
+    <p:sldId id="377" r:id="rId12"/>
   </p:sldIdLst>
   <p:sldSz cx="9144000" cy="6858000" type="screen4x3"/>
   <p:notesSz cx="6858000" cy="9144000"/>
@@ -198,7 +202,7 @@
           <a:p>
             <a:fld id="{5CC76A62-000D-E547-83B7-E179CCF7BF20}" type="datetimeFigureOut">
               <a:rPr lang="en-US" smtClean="0"/>
-              <a:t>19-09-25</a:t>
+              <a:t>19-10-08</a:t>
             </a:fld>
             <a:endParaRPr lang="en-US"/>
           </a:p>
@@ -647,7 +651,7 @@
           <a:p>
             <a:fld id="{F4DACB02-0458-E443-991A-BACE49840B4F}" type="datetimeFigureOut">
               <a:rPr lang="en-US" smtClean="0"/>
-              <a:t>19-09-25</a:t>
+              <a:t>19-10-08</a:t>
             </a:fld>
             <a:endParaRPr lang="en-US"/>
           </a:p>
@@ -817,7 +821,7 @@
           <a:p>
             <a:fld id="{F4DACB02-0458-E443-991A-BACE49840B4F}" type="datetimeFigureOut">
               <a:rPr lang="en-US" smtClean="0"/>
-              <a:t>19-09-25</a:t>
+              <a:t>19-10-08</a:t>
             </a:fld>
             <a:endParaRPr lang="en-US"/>
           </a:p>
@@ -997,7 +1001,7 @@
           <a:p>
             <a:fld id="{F4DACB02-0458-E443-991A-BACE49840B4F}" type="datetimeFigureOut">
               <a:rPr lang="en-US" smtClean="0"/>
-              <a:t>19-09-25</a:t>
+              <a:t>19-10-08</a:t>
             </a:fld>
             <a:endParaRPr lang="en-US"/>
           </a:p>
@@ -1167,7 +1171,7 @@
           <a:p>
             <a:fld id="{F4DACB02-0458-E443-991A-BACE49840B4F}" type="datetimeFigureOut">
               <a:rPr lang="en-US" smtClean="0"/>
-              <a:t>19-09-25</a:t>
+              <a:t>19-10-08</a:t>
             </a:fld>
             <a:endParaRPr lang="en-US"/>
           </a:p>
@@ -1413,7 +1417,7 @@
           <a:p>
             <a:fld id="{F4DACB02-0458-E443-991A-BACE49840B4F}" type="datetimeFigureOut">
               <a:rPr lang="en-US" smtClean="0"/>
-              <a:t>19-09-25</a:t>
+              <a:t>19-10-08</a:t>
             </a:fld>
             <a:endParaRPr lang="en-US"/>
           </a:p>
@@ -1701,7 +1705,7 @@
           <a:p>
             <a:fld id="{F4DACB02-0458-E443-991A-BACE49840B4F}" type="datetimeFigureOut">
               <a:rPr lang="en-US" smtClean="0"/>
-              <a:t>19-09-25</a:t>
+              <a:t>19-10-08</a:t>
             </a:fld>
             <a:endParaRPr lang="en-US"/>
           </a:p>
@@ -2123,7 +2127,7 @@
           <a:p>
             <a:fld id="{F4DACB02-0458-E443-991A-BACE49840B4F}" type="datetimeFigureOut">
               <a:rPr lang="en-US" smtClean="0"/>
-              <a:t>19-09-25</a:t>
+              <a:t>19-10-08</a:t>
             </a:fld>
             <a:endParaRPr lang="en-US"/>
           </a:p>
@@ -2241,7 +2245,7 @@
           <a:p>
             <a:fld id="{F4DACB02-0458-E443-991A-BACE49840B4F}" type="datetimeFigureOut">
               <a:rPr lang="en-US" smtClean="0"/>
-              <a:t>19-09-25</a:t>
+              <a:t>19-10-08</a:t>
             </a:fld>
             <a:endParaRPr lang="en-US"/>
           </a:p>
@@ -2336,7 +2340,7 @@
           <a:p>
             <a:fld id="{F4DACB02-0458-E443-991A-BACE49840B4F}" type="datetimeFigureOut">
               <a:rPr lang="en-US" smtClean="0"/>
-              <a:t>19-09-25</a:t>
+              <a:t>19-10-08</a:t>
             </a:fld>
             <a:endParaRPr lang="en-US"/>
           </a:p>
@@ -2613,7 +2617,7 @@
           <a:p>
             <a:fld id="{F4DACB02-0458-E443-991A-BACE49840B4F}" type="datetimeFigureOut">
               <a:rPr lang="en-US" smtClean="0"/>
-              <a:t>19-09-25</a:t>
+              <a:t>19-10-08</a:t>
             </a:fld>
             <a:endParaRPr lang="en-US"/>
           </a:p>
@@ -2866,7 +2870,7 @@
           <a:p>
             <a:fld id="{F4DACB02-0458-E443-991A-BACE49840B4F}" type="datetimeFigureOut">
               <a:rPr lang="en-US" smtClean="0"/>
-              <a:t>19-09-25</a:t>
+              <a:t>19-10-08</a:t>
             </a:fld>
             <a:endParaRPr lang="en-US"/>
           </a:p>
@@ -3079,7 +3083,7 @@
           <a:p>
             <a:fld id="{F4DACB02-0458-E443-991A-BACE49840B4F}" type="datetimeFigureOut">
               <a:rPr lang="en-US" smtClean="0"/>
-              <a:t>19-09-25</a:t>
+              <a:t>19-10-08</a:t>
             </a:fld>
             <a:endParaRPr lang="en-US"/>
           </a:p>
@@ -3563,6 +3567,1489 @@
     <p:extLst>
       <p:ext uri="{BB962C8B-B14F-4D97-AF65-F5344CB8AC3E}">
         <p14:creationId xmlns:p14="http://schemas.microsoft.com/office/powerpoint/2010/main" val="3706654747"/>
+      </p:ext>
+    </p:extLst>
+  </p:cSld>
+  <p:clrMapOvr>
+    <a:masterClrMapping/>
+  </p:clrMapOvr>
+  <p:timing>
+    <p:tnLst>
+      <p:par>
+        <p:cTn xmlns:p14="http://schemas.microsoft.com/office/powerpoint/2010/main" id="1" dur="indefinite" restart="never" nodeType="tmRoot"/>
+      </p:par>
+    </p:tnLst>
+  </p:timing>
+</p:sld>
+</file>
+
+<file path=ppt/slides/slide10.xml><?xml version="1.0" encoding="utf-8"?>
+<p:sld xmlns:a="http://schemas.openxmlformats.org/drawingml/2006/main" xmlns:r="http://schemas.openxmlformats.org/officeDocument/2006/relationships" xmlns:p="http://schemas.openxmlformats.org/presentationml/2006/main">
+  <p:cSld>
+    <p:spTree>
+      <p:nvGrpSpPr>
+        <p:cNvPr id="1" name=""/>
+        <p:cNvGrpSpPr/>
+        <p:nvPr/>
+      </p:nvGrpSpPr>
+      <p:grpSpPr>
+        <a:xfrm>
+          <a:off x="0" y="0"/>
+          <a:ext cx="0" cy="0"/>
+          <a:chOff x="0" y="0"/>
+          <a:chExt cx="0" cy="0"/>
+        </a:xfrm>
+      </p:grpSpPr>
+      <p:pic>
+        <p:nvPicPr>
+          <p:cNvPr id="2" name="Picture 1" descr="ref_2wANOVA.png"/>
+          <p:cNvPicPr>
+            <a:picLocks noChangeAspect="1"/>
+          </p:cNvPicPr>
+          <p:nvPr/>
+        </p:nvPicPr>
+        <p:blipFill rotWithShape="1">
+          <a:blip r:embed="rId2">
+            <a:extLst>
+              <a:ext uri="{28A0092B-C50C-407E-A947-70E740481C1C}">
+                <a14:useLocalDpi xmlns:a14="http://schemas.microsoft.com/office/drawing/2010/main" val="0"/>
+              </a:ext>
+            </a:extLst>
+          </a:blip>
+          <a:srcRect t="27638"/>
+          <a:stretch/>
+        </p:blipFill>
+        <p:spPr>
+          <a:xfrm>
+            <a:off x="0" y="-38100"/>
+            <a:ext cx="9144000" cy="3452110"/>
+          </a:xfrm>
+          <a:prstGeom prst="rect">
+            <a:avLst/>
+          </a:prstGeom>
+        </p:spPr>
+      </p:pic>
+      <p:grpSp>
+        <p:nvGrpSpPr>
+          <p:cNvPr id="12" name="Group 11"/>
+          <p:cNvGrpSpPr/>
+          <p:nvPr/>
+        </p:nvGrpSpPr>
+        <p:grpSpPr>
+          <a:xfrm>
+            <a:off x="50800" y="990600"/>
+            <a:ext cx="3063000" cy="1382930"/>
+            <a:chOff x="50800" y="990600"/>
+            <a:chExt cx="3063000" cy="1382930"/>
+          </a:xfrm>
+        </p:grpSpPr>
+        <p:sp>
+          <p:nvSpPr>
+            <p:cNvPr id="4" name="Rectangle 3"/>
+            <p:cNvSpPr>
+              <a:spLocks noChangeAspect="1"/>
+            </p:cNvSpPr>
+            <p:nvPr/>
+          </p:nvSpPr>
+          <p:spPr>
+            <a:xfrm>
+              <a:off x="2705100" y="1943100"/>
+              <a:ext cx="396000" cy="372000"/>
+            </a:xfrm>
+            <a:prstGeom prst="rect">
+              <a:avLst/>
+            </a:prstGeom>
+            <a:solidFill>
+              <a:srgbClr val="FFFFFF"/>
+            </a:solidFill>
+            <a:ln>
+              <a:noFill/>
+            </a:ln>
+            <a:effectLst/>
+          </p:spPr>
+          <p:style>
+            <a:lnRef idx="1">
+              <a:schemeClr val="accent1"/>
+            </a:lnRef>
+            <a:fillRef idx="3">
+              <a:schemeClr val="accent1"/>
+            </a:fillRef>
+            <a:effectRef idx="2">
+              <a:schemeClr val="accent1"/>
+            </a:effectRef>
+            <a:fontRef idx="minor">
+              <a:schemeClr val="lt1"/>
+            </a:fontRef>
+          </p:style>
+          <p:txBody>
+            <a:bodyPr rtlCol="0" anchor="ctr"/>
+            <a:lstStyle/>
+            <a:p>
+              <a:pPr algn="ctr"/>
+              <a:endParaRPr lang="en-US"/>
+            </a:p>
+          </p:txBody>
+        </p:sp>
+        <p:sp>
+          <p:nvSpPr>
+            <p:cNvPr id="5" name="Rectangle 4"/>
+            <p:cNvSpPr>
+              <a:spLocks noChangeAspect="1"/>
+            </p:cNvSpPr>
+            <p:nvPr/>
+          </p:nvSpPr>
+          <p:spPr>
+            <a:xfrm>
+              <a:off x="2171700" y="990600"/>
+              <a:ext cx="396000" cy="372000"/>
+            </a:xfrm>
+            <a:prstGeom prst="rect">
+              <a:avLst/>
+            </a:prstGeom>
+            <a:solidFill>
+              <a:srgbClr val="FFFFFF"/>
+            </a:solidFill>
+            <a:ln>
+              <a:noFill/>
+            </a:ln>
+            <a:effectLst/>
+          </p:spPr>
+          <p:style>
+            <a:lnRef idx="1">
+              <a:schemeClr val="accent1"/>
+            </a:lnRef>
+            <a:fillRef idx="3">
+              <a:schemeClr val="accent1"/>
+            </a:fillRef>
+            <a:effectRef idx="2">
+              <a:schemeClr val="accent1"/>
+            </a:effectRef>
+            <a:fontRef idx="minor">
+              <a:schemeClr val="lt1"/>
+            </a:fontRef>
+          </p:style>
+          <p:txBody>
+            <a:bodyPr rtlCol="0" anchor="ctr"/>
+            <a:lstStyle/>
+            <a:p>
+              <a:pPr algn="ctr"/>
+              <a:endParaRPr lang="en-US"/>
+            </a:p>
+          </p:txBody>
+        </p:sp>
+        <p:sp>
+          <p:nvSpPr>
+            <p:cNvPr id="6" name="Rectangle 5"/>
+            <p:cNvSpPr>
+              <a:spLocks noChangeAspect="1"/>
+            </p:cNvSpPr>
+            <p:nvPr/>
+          </p:nvSpPr>
+          <p:spPr>
+            <a:xfrm>
+              <a:off x="1308100" y="1511300"/>
+              <a:ext cx="396000" cy="372000"/>
+            </a:xfrm>
+            <a:prstGeom prst="rect">
+              <a:avLst/>
+            </a:prstGeom>
+            <a:solidFill>
+              <a:srgbClr val="FFFFFF"/>
+            </a:solidFill>
+            <a:ln>
+              <a:noFill/>
+            </a:ln>
+            <a:effectLst/>
+          </p:spPr>
+          <p:style>
+            <a:lnRef idx="1">
+              <a:schemeClr val="accent1"/>
+            </a:lnRef>
+            <a:fillRef idx="3">
+              <a:schemeClr val="accent1"/>
+            </a:fillRef>
+            <a:effectRef idx="2">
+              <a:schemeClr val="accent1"/>
+            </a:effectRef>
+            <a:fontRef idx="minor">
+              <a:schemeClr val="lt1"/>
+            </a:fontRef>
+          </p:style>
+          <p:txBody>
+            <a:bodyPr rtlCol="0" anchor="ctr"/>
+            <a:lstStyle/>
+            <a:p>
+              <a:pPr algn="ctr"/>
+              <a:endParaRPr lang="en-US"/>
+            </a:p>
+          </p:txBody>
+        </p:sp>
+        <p:sp>
+          <p:nvSpPr>
+            <p:cNvPr id="7" name="Rectangle 6"/>
+            <p:cNvSpPr>
+              <a:spLocks noChangeAspect="1"/>
+            </p:cNvSpPr>
+            <p:nvPr/>
+          </p:nvSpPr>
+          <p:spPr>
+            <a:xfrm>
+              <a:off x="190500" y="1757100"/>
+              <a:ext cx="548400" cy="372000"/>
+            </a:xfrm>
+            <a:prstGeom prst="rect">
+              <a:avLst/>
+            </a:prstGeom>
+            <a:solidFill>
+              <a:srgbClr val="FFFFFF"/>
+            </a:solidFill>
+            <a:ln>
+              <a:noFill/>
+            </a:ln>
+            <a:effectLst/>
+          </p:spPr>
+          <p:style>
+            <a:lnRef idx="1">
+              <a:schemeClr val="accent1"/>
+            </a:lnRef>
+            <a:fillRef idx="3">
+              <a:schemeClr val="accent1"/>
+            </a:fillRef>
+            <a:effectRef idx="2">
+              <a:schemeClr val="accent1"/>
+            </a:effectRef>
+            <a:fontRef idx="minor">
+              <a:schemeClr val="lt1"/>
+            </a:fontRef>
+          </p:style>
+          <p:txBody>
+            <a:bodyPr rtlCol="0" anchor="ctr"/>
+            <a:lstStyle/>
+            <a:p>
+              <a:pPr algn="ctr"/>
+              <a:endParaRPr lang="en-US"/>
+            </a:p>
+          </p:txBody>
+        </p:sp>
+        <p:pic>
+          <p:nvPicPr>
+            <p:cNvPr id="3" name="Picture 2" descr="latex-image-1.pdf"/>
+            <p:cNvPicPr>
+              <a:picLocks noChangeAspect="1"/>
+            </p:cNvPicPr>
+            <p:nvPr/>
+          </p:nvPicPr>
+          <p:blipFill>
+            <a:blip r:embed="rId3">
+              <a:extLst>
+                <a:ext uri="{28A0092B-C50C-407E-A947-70E740481C1C}">
+                  <a14:useLocalDpi xmlns:a14="http://schemas.microsoft.com/office/drawing/2010/main" val="0"/>
+                </a:ext>
+              </a:extLst>
+            </a:blip>
+            <a:stretch>
+              <a:fillRect/>
+            </a:stretch>
+          </p:blipFill>
+          <p:spPr>
+            <a:xfrm>
+              <a:off x="2580400" y="2009064"/>
+              <a:ext cx="533400" cy="189271"/>
+            </a:xfrm>
+            <a:prstGeom prst="rect">
+              <a:avLst/>
+            </a:prstGeom>
+          </p:spPr>
+        </p:pic>
+        <p:pic>
+          <p:nvPicPr>
+            <p:cNvPr id="8" name="Picture 7" descr="latex-image-1.pdf"/>
+            <p:cNvPicPr>
+              <a:picLocks noChangeAspect="1"/>
+            </p:cNvPicPr>
+            <p:nvPr/>
+          </p:nvPicPr>
+          <p:blipFill>
+            <a:blip r:embed="rId4">
+              <a:extLst>
+                <a:ext uri="{28A0092B-C50C-407E-A947-70E740481C1C}">
+                  <a14:useLocalDpi xmlns:a14="http://schemas.microsoft.com/office/drawing/2010/main" val="0"/>
+                </a:ext>
+              </a:extLst>
+            </a:blip>
+            <a:stretch>
+              <a:fillRect/>
+            </a:stretch>
+          </p:blipFill>
+          <p:spPr>
+            <a:xfrm>
+              <a:off x="2040401" y="1074300"/>
+              <a:ext cx="539999" cy="198000"/>
+            </a:xfrm>
+            <a:prstGeom prst="rect">
+              <a:avLst/>
+            </a:prstGeom>
+          </p:spPr>
+        </p:pic>
+        <p:pic>
+          <p:nvPicPr>
+            <p:cNvPr id="9" name="Picture 8" descr="latex-image-1.pdf"/>
+            <p:cNvPicPr>
+              <a:picLocks noChangeAspect="1"/>
+            </p:cNvPicPr>
+            <p:nvPr/>
+          </p:nvPicPr>
+          <p:blipFill>
+            <a:blip r:embed="rId5">
+              <a:extLst>
+                <a:ext uri="{28A0092B-C50C-407E-A947-70E740481C1C}">
+                  <a14:useLocalDpi xmlns:a14="http://schemas.microsoft.com/office/drawing/2010/main" val="0"/>
+                </a:ext>
+              </a:extLst>
+            </a:blip>
+            <a:stretch>
+              <a:fillRect/>
+            </a:stretch>
+          </p:blipFill>
+          <p:spPr>
+            <a:xfrm>
+              <a:off x="1193801" y="1816100"/>
+              <a:ext cx="539999" cy="198000"/>
+            </a:xfrm>
+            <a:prstGeom prst="rect">
+              <a:avLst/>
+            </a:prstGeom>
+          </p:spPr>
+        </p:pic>
+        <p:pic>
+          <p:nvPicPr>
+            <p:cNvPr id="10" name="Picture 9" descr="latex-image-1.pdf"/>
+            <p:cNvPicPr>
+              <a:picLocks noChangeAspect="1"/>
+            </p:cNvPicPr>
+            <p:nvPr/>
+          </p:nvPicPr>
+          <p:blipFill>
+            <a:blip r:embed="rId6">
+              <a:extLst>
+                <a:ext uri="{28A0092B-C50C-407E-A947-70E740481C1C}">
+                  <a14:useLocalDpi xmlns:a14="http://schemas.microsoft.com/office/drawing/2010/main" val="0"/>
+                </a:ext>
+              </a:extLst>
+            </a:blip>
+            <a:stretch>
+              <a:fillRect/>
+            </a:stretch>
+          </p:blipFill>
+          <p:spPr>
+            <a:xfrm>
+              <a:off x="50800" y="2219532"/>
+              <a:ext cx="755999" cy="153998"/>
+            </a:xfrm>
+            <a:prstGeom prst="rect">
+              <a:avLst/>
+            </a:prstGeom>
+          </p:spPr>
+        </p:pic>
+      </p:grpSp>
+      <p:pic>
+        <p:nvPicPr>
+          <p:cNvPr id="11" name="Picture 10" descr="gType_2wANOVA.png"/>
+          <p:cNvPicPr>
+            <a:picLocks noChangeAspect="1"/>
+          </p:cNvPicPr>
+          <p:nvPr/>
+        </p:nvPicPr>
+        <p:blipFill rotWithShape="1">
+          <a:blip r:embed="rId7">
+            <a:extLst>
+              <a:ext uri="{28A0092B-C50C-407E-A947-70E740481C1C}">
+                <a14:useLocalDpi xmlns:a14="http://schemas.microsoft.com/office/drawing/2010/main" val="0"/>
+              </a:ext>
+            </a:extLst>
+          </a:blip>
+          <a:srcRect t="24702"/>
+          <a:stretch/>
+        </p:blipFill>
+        <p:spPr>
+          <a:xfrm>
+            <a:off x="0" y="3414010"/>
+            <a:ext cx="9144000" cy="3443990"/>
+          </a:xfrm>
+          <a:prstGeom prst="rect">
+            <a:avLst/>
+          </a:prstGeom>
+        </p:spPr>
+      </p:pic>
+      <p:grpSp>
+        <p:nvGrpSpPr>
+          <p:cNvPr id="13" name="Group 12"/>
+          <p:cNvGrpSpPr/>
+          <p:nvPr/>
+        </p:nvGrpSpPr>
+        <p:grpSpPr>
+          <a:xfrm>
+            <a:off x="127000" y="4521200"/>
+            <a:ext cx="3101100" cy="1382930"/>
+            <a:chOff x="50800" y="990600"/>
+            <a:chExt cx="3101100" cy="1382930"/>
+          </a:xfrm>
+        </p:grpSpPr>
+        <p:sp>
+          <p:nvSpPr>
+            <p:cNvPr id="14" name="Rectangle 13"/>
+            <p:cNvSpPr>
+              <a:spLocks noChangeAspect="1"/>
+            </p:cNvSpPr>
+            <p:nvPr/>
+          </p:nvSpPr>
+          <p:spPr>
+            <a:xfrm>
+              <a:off x="2743201" y="1892300"/>
+              <a:ext cx="383225" cy="360000"/>
+            </a:xfrm>
+            <a:prstGeom prst="rect">
+              <a:avLst/>
+            </a:prstGeom>
+            <a:solidFill>
+              <a:srgbClr val="FFFFFF"/>
+            </a:solidFill>
+            <a:ln>
+              <a:noFill/>
+            </a:ln>
+            <a:effectLst/>
+          </p:spPr>
+          <p:style>
+            <a:lnRef idx="1">
+              <a:schemeClr val="accent1"/>
+            </a:lnRef>
+            <a:fillRef idx="3">
+              <a:schemeClr val="accent1"/>
+            </a:fillRef>
+            <a:effectRef idx="2">
+              <a:schemeClr val="accent1"/>
+            </a:effectRef>
+            <a:fontRef idx="minor">
+              <a:schemeClr val="lt1"/>
+            </a:fontRef>
+          </p:style>
+          <p:txBody>
+            <a:bodyPr rtlCol="0" anchor="ctr"/>
+            <a:lstStyle/>
+            <a:p>
+              <a:pPr algn="ctr"/>
+              <a:endParaRPr lang="en-US"/>
+            </a:p>
+          </p:txBody>
+        </p:sp>
+        <p:sp>
+          <p:nvSpPr>
+            <p:cNvPr id="15" name="Rectangle 14"/>
+            <p:cNvSpPr>
+              <a:spLocks noChangeAspect="1"/>
+            </p:cNvSpPr>
+            <p:nvPr/>
+          </p:nvSpPr>
+          <p:spPr>
+            <a:xfrm>
+              <a:off x="2171700" y="990600"/>
+              <a:ext cx="396000" cy="372000"/>
+            </a:xfrm>
+            <a:prstGeom prst="rect">
+              <a:avLst/>
+            </a:prstGeom>
+            <a:solidFill>
+              <a:srgbClr val="FFFFFF"/>
+            </a:solidFill>
+            <a:ln>
+              <a:noFill/>
+            </a:ln>
+            <a:effectLst/>
+          </p:spPr>
+          <p:style>
+            <a:lnRef idx="1">
+              <a:schemeClr val="accent1"/>
+            </a:lnRef>
+            <a:fillRef idx="3">
+              <a:schemeClr val="accent1"/>
+            </a:fillRef>
+            <a:effectRef idx="2">
+              <a:schemeClr val="accent1"/>
+            </a:effectRef>
+            <a:fontRef idx="minor">
+              <a:schemeClr val="lt1"/>
+            </a:fontRef>
+          </p:style>
+          <p:txBody>
+            <a:bodyPr rtlCol="0" anchor="ctr"/>
+            <a:lstStyle/>
+            <a:p>
+              <a:pPr algn="ctr"/>
+              <a:endParaRPr lang="en-US"/>
+            </a:p>
+          </p:txBody>
+        </p:sp>
+        <p:sp>
+          <p:nvSpPr>
+            <p:cNvPr id="16" name="Rectangle 15"/>
+            <p:cNvSpPr>
+              <a:spLocks noChangeAspect="1"/>
+            </p:cNvSpPr>
+            <p:nvPr/>
+          </p:nvSpPr>
+          <p:spPr>
+            <a:xfrm>
+              <a:off x="1333500" y="1485900"/>
+              <a:ext cx="396000" cy="372000"/>
+            </a:xfrm>
+            <a:prstGeom prst="rect">
+              <a:avLst/>
+            </a:prstGeom>
+            <a:solidFill>
+              <a:srgbClr val="FFFFFF"/>
+            </a:solidFill>
+            <a:ln>
+              <a:noFill/>
+            </a:ln>
+            <a:effectLst/>
+          </p:spPr>
+          <p:style>
+            <a:lnRef idx="1">
+              <a:schemeClr val="accent1"/>
+            </a:lnRef>
+            <a:fillRef idx="3">
+              <a:schemeClr val="accent1"/>
+            </a:fillRef>
+            <a:effectRef idx="2">
+              <a:schemeClr val="accent1"/>
+            </a:effectRef>
+            <a:fontRef idx="minor">
+              <a:schemeClr val="lt1"/>
+            </a:fontRef>
+          </p:style>
+          <p:txBody>
+            <a:bodyPr rtlCol="0" anchor="ctr"/>
+            <a:lstStyle/>
+            <a:p>
+              <a:pPr algn="ctr"/>
+              <a:endParaRPr lang="en-US"/>
+            </a:p>
+          </p:txBody>
+        </p:sp>
+        <p:sp>
+          <p:nvSpPr>
+            <p:cNvPr id="17" name="Rectangle 16"/>
+            <p:cNvSpPr>
+              <a:spLocks noChangeAspect="1"/>
+            </p:cNvSpPr>
+            <p:nvPr/>
+          </p:nvSpPr>
+          <p:spPr>
+            <a:xfrm>
+              <a:off x="279400" y="1757100"/>
+              <a:ext cx="548400" cy="372000"/>
+            </a:xfrm>
+            <a:prstGeom prst="rect">
+              <a:avLst/>
+            </a:prstGeom>
+            <a:solidFill>
+              <a:srgbClr val="FFFFFF"/>
+            </a:solidFill>
+            <a:ln>
+              <a:noFill/>
+            </a:ln>
+            <a:effectLst/>
+          </p:spPr>
+          <p:style>
+            <a:lnRef idx="1">
+              <a:schemeClr val="accent1"/>
+            </a:lnRef>
+            <a:fillRef idx="3">
+              <a:schemeClr val="accent1"/>
+            </a:fillRef>
+            <a:effectRef idx="2">
+              <a:schemeClr val="accent1"/>
+            </a:effectRef>
+            <a:fontRef idx="minor">
+              <a:schemeClr val="lt1"/>
+            </a:fontRef>
+          </p:style>
+          <p:txBody>
+            <a:bodyPr rtlCol="0" anchor="ctr"/>
+            <a:lstStyle/>
+            <a:p>
+              <a:pPr algn="ctr"/>
+              <a:endParaRPr lang="en-US"/>
+            </a:p>
+          </p:txBody>
+        </p:sp>
+        <p:pic>
+          <p:nvPicPr>
+            <p:cNvPr id="18" name="Picture 17" descr="latex-image-1.pdf"/>
+            <p:cNvPicPr>
+              <a:picLocks noChangeAspect="1"/>
+            </p:cNvPicPr>
+            <p:nvPr/>
+          </p:nvPicPr>
+          <p:blipFill>
+            <a:blip r:embed="rId3">
+              <a:extLst>
+                <a:ext uri="{28A0092B-C50C-407E-A947-70E740481C1C}">
+                  <a14:useLocalDpi xmlns:a14="http://schemas.microsoft.com/office/drawing/2010/main" val="0"/>
+                </a:ext>
+              </a:extLst>
+            </a:blip>
+            <a:stretch>
+              <a:fillRect/>
+            </a:stretch>
+          </p:blipFill>
+          <p:spPr>
+            <a:xfrm>
+              <a:off x="2618500" y="1958264"/>
+              <a:ext cx="533400" cy="189271"/>
+            </a:xfrm>
+            <a:prstGeom prst="rect">
+              <a:avLst/>
+            </a:prstGeom>
+          </p:spPr>
+        </p:pic>
+        <p:pic>
+          <p:nvPicPr>
+            <p:cNvPr id="19" name="Picture 18" descr="latex-image-1.pdf"/>
+            <p:cNvPicPr>
+              <a:picLocks noChangeAspect="1"/>
+            </p:cNvPicPr>
+            <p:nvPr/>
+          </p:nvPicPr>
+          <p:blipFill>
+            <a:blip r:embed="rId4">
+              <a:extLst>
+                <a:ext uri="{28A0092B-C50C-407E-A947-70E740481C1C}">
+                  <a14:useLocalDpi xmlns:a14="http://schemas.microsoft.com/office/drawing/2010/main" val="0"/>
+                </a:ext>
+              </a:extLst>
+            </a:blip>
+            <a:stretch>
+              <a:fillRect/>
+            </a:stretch>
+          </p:blipFill>
+          <p:spPr>
+            <a:xfrm>
+              <a:off x="2040401" y="1074300"/>
+              <a:ext cx="539999" cy="198000"/>
+            </a:xfrm>
+            <a:prstGeom prst="rect">
+              <a:avLst/>
+            </a:prstGeom>
+          </p:spPr>
+        </p:pic>
+        <p:pic>
+          <p:nvPicPr>
+            <p:cNvPr id="20" name="Picture 19" descr="latex-image-1.pdf"/>
+            <p:cNvPicPr>
+              <a:picLocks noChangeAspect="1"/>
+            </p:cNvPicPr>
+            <p:nvPr/>
+          </p:nvPicPr>
+          <p:blipFill>
+            <a:blip r:embed="rId5">
+              <a:extLst>
+                <a:ext uri="{28A0092B-C50C-407E-A947-70E740481C1C}">
+                  <a14:useLocalDpi xmlns:a14="http://schemas.microsoft.com/office/drawing/2010/main" val="0"/>
+                </a:ext>
+              </a:extLst>
+            </a:blip>
+            <a:stretch>
+              <a:fillRect/>
+            </a:stretch>
+          </p:blipFill>
+          <p:spPr>
+            <a:xfrm>
+              <a:off x="1193801" y="1816100"/>
+              <a:ext cx="539999" cy="198000"/>
+            </a:xfrm>
+            <a:prstGeom prst="rect">
+              <a:avLst/>
+            </a:prstGeom>
+          </p:spPr>
+        </p:pic>
+        <p:pic>
+          <p:nvPicPr>
+            <p:cNvPr id="21" name="Picture 20" descr="latex-image-1.pdf"/>
+            <p:cNvPicPr>
+              <a:picLocks noChangeAspect="1"/>
+            </p:cNvPicPr>
+            <p:nvPr/>
+          </p:nvPicPr>
+          <p:blipFill>
+            <a:blip r:embed="rId6">
+              <a:extLst>
+                <a:ext uri="{28A0092B-C50C-407E-A947-70E740481C1C}">
+                  <a14:useLocalDpi xmlns:a14="http://schemas.microsoft.com/office/drawing/2010/main" val="0"/>
+                </a:ext>
+              </a:extLst>
+            </a:blip>
+            <a:stretch>
+              <a:fillRect/>
+            </a:stretch>
+          </p:blipFill>
+          <p:spPr>
+            <a:xfrm>
+              <a:off x="50800" y="2219532"/>
+              <a:ext cx="755999" cy="153998"/>
+            </a:xfrm>
+            <a:prstGeom prst="rect">
+              <a:avLst/>
+            </a:prstGeom>
+          </p:spPr>
+        </p:pic>
+      </p:grpSp>
+    </p:spTree>
+    <p:extLst>
+      <p:ext uri="{BB962C8B-B14F-4D97-AF65-F5344CB8AC3E}">
+        <p14:creationId xmlns:p14="http://schemas.microsoft.com/office/powerpoint/2010/main" val="267063021"/>
+      </p:ext>
+    </p:extLst>
+  </p:cSld>
+  <p:clrMapOvr>
+    <a:masterClrMapping/>
+  </p:clrMapOvr>
+  <p:timing>
+    <p:tnLst>
+      <p:par>
+        <p:cTn xmlns:p14="http://schemas.microsoft.com/office/powerpoint/2010/main" id="1" dur="indefinite" restart="never" nodeType="tmRoot"/>
+      </p:par>
+    </p:tnLst>
+  </p:timing>
+</p:sld>
+</file>
+
+<file path=ppt/slides/slide11.xml><?xml version="1.0" encoding="utf-8"?>
+<p:sld xmlns:a="http://schemas.openxmlformats.org/drawingml/2006/main" xmlns:r="http://schemas.openxmlformats.org/officeDocument/2006/relationships" xmlns:p="http://schemas.openxmlformats.org/presentationml/2006/main">
+  <p:cSld>
+    <p:spTree>
+      <p:nvGrpSpPr>
+        <p:cNvPr id="1" name=""/>
+        <p:cNvGrpSpPr/>
+        <p:nvPr/>
+      </p:nvGrpSpPr>
+      <p:grpSpPr>
+        <a:xfrm>
+          <a:off x="0" y="0"/>
+          <a:ext cx="0" cy="0"/>
+          <a:chOff x="0" y="0"/>
+          <a:chExt cx="0" cy="0"/>
+        </a:xfrm>
+      </p:grpSpPr>
+      <p:pic>
+        <p:nvPicPr>
+          <p:cNvPr id="24" name="Picture 23" descr="interaction.png"/>
+          <p:cNvPicPr>
+            <a:picLocks noChangeAspect="1"/>
+          </p:cNvPicPr>
+          <p:nvPr/>
+        </p:nvPicPr>
+        <p:blipFill>
+          <a:blip r:embed="rId2">
+            <a:extLst>
+              <a:ext uri="{28A0092B-C50C-407E-A947-70E740481C1C}">
+                <a14:useLocalDpi xmlns:a14="http://schemas.microsoft.com/office/drawing/2010/main" val="0"/>
+              </a:ext>
+            </a:extLst>
+          </a:blip>
+          <a:stretch>
+            <a:fillRect/>
+          </a:stretch>
+        </p:blipFill>
+        <p:spPr>
+          <a:xfrm>
+            <a:off x="-355600" y="3804920"/>
+            <a:ext cx="10176933" cy="3053080"/>
+          </a:xfrm>
+          <a:prstGeom prst="rect">
+            <a:avLst/>
+          </a:prstGeom>
+        </p:spPr>
+      </p:pic>
+      <p:pic>
+        <p:nvPicPr>
+          <p:cNvPr id="22" name="Picture 21" descr="dev_2wANOVA.png"/>
+          <p:cNvPicPr>
+            <a:picLocks noChangeAspect="1"/>
+          </p:cNvPicPr>
+          <p:nvPr/>
+        </p:nvPicPr>
+        <p:blipFill rotWithShape="1">
+          <a:blip r:embed="rId3">
+            <a:extLst>
+              <a:ext uri="{28A0092B-C50C-407E-A947-70E740481C1C}">
+                <a14:useLocalDpi xmlns:a14="http://schemas.microsoft.com/office/drawing/2010/main" val="0"/>
+              </a:ext>
+            </a:extLst>
+          </a:blip>
+          <a:srcRect t="27121"/>
+          <a:stretch/>
+        </p:blipFill>
+        <p:spPr>
+          <a:xfrm>
+            <a:off x="0" y="27700"/>
+            <a:ext cx="9144000" cy="3418906"/>
+          </a:xfrm>
+          <a:prstGeom prst="rect">
+            <a:avLst/>
+          </a:prstGeom>
+        </p:spPr>
+      </p:pic>
+      <p:grpSp>
+        <p:nvGrpSpPr>
+          <p:cNvPr id="12" name="Group 11"/>
+          <p:cNvGrpSpPr/>
+          <p:nvPr/>
+        </p:nvGrpSpPr>
+        <p:grpSpPr>
+          <a:xfrm>
+            <a:off x="101600" y="1054100"/>
+            <a:ext cx="3063000" cy="1382930"/>
+            <a:chOff x="50800" y="990600"/>
+            <a:chExt cx="3063000" cy="1382930"/>
+          </a:xfrm>
+        </p:grpSpPr>
+        <p:sp>
+          <p:nvSpPr>
+            <p:cNvPr id="4" name="Rectangle 3"/>
+            <p:cNvSpPr>
+              <a:spLocks noChangeAspect="1"/>
+            </p:cNvSpPr>
+            <p:nvPr/>
+          </p:nvSpPr>
+          <p:spPr>
+            <a:xfrm>
+              <a:off x="2705100" y="1943100"/>
+              <a:ext cx="396000" cy="372000"/>
+            </a:xfrm>
+            <a:prstGeom prst="rect">
+              <a:avLst/>
+            </a:prstGeom>
+            <a:solidFill>
+              <a:srgbClr val="FFFFFF"/>
+            </a:solidFill>
+            <a:ln>
+              <a:noFill/>
+            </a:ln>
+            <a:effectLst/>
+          </p:spPr>
+          <p:style>
+            <a:lnRef idx="1">
+              <a:schemeClr val="accent1"/>
+            </a:lnRef>
+            <a:fillRef idx="3">
+              <a:schemeClr val="accent1"/>
+            </a:fillRef>
+            <a:effectRef idx="2">
+              <a:schemeClr val="accent1"/>
+            </a:effectRef>
+            <a:fontRef idx="minor">
+              <a:schemeClr val="lt1"/>
+            </a:fontRef>
+          </p:style>
+          <p:txBody>
+            <a:bodyPr rtlCol="0" anchor="ctr"/>
+            <a:lstStyle/>
+            <a:p>
+              <a:pPr algn="ctr"/>
+              <a:endParaRPr lang="en-US"/>
+            </a:p>
+          </p:txBody>
+        </p:sp>
+        <p:sp>
+          <p:nvSpPr>
+            <p:cNvPr id="5" name="Rectangle 4"/>
+            <p:cNvSpPr>
+              <a:spLocks noChangeAspect="1"/>
+            </p:cNvSpPr>
+            <p:nvPr/>
+          </p:nvSpPr>
+          <p:spPr>
+            <a:xfrm>
+              <a:off x="2171700" y="990600"/>
+              <a:ext cx="396000" cy="372000"/>
+            </a:xfrm>
+            <a:prstGeom prst="rect">
+              <a:avLst/>
+            </a:prstGeom>
+            <a:solidFill>
+              <a:srgbClr val="FFFFFF"/>
+            </a:solidFill>
+            <a:ln>
+              <a:noFill/>
+            </a:ln>
+            <a:effectLst/>
+          </p:spPr>
+          <p:style>
+            <a:lnRef idx="1">
+              <a:schemeClr val="accent1"/>
+            </a:lnRef>
+            <a:fillRef idx="3">
+              <a:schemeClr val="accent1"/>
+            </a:fillRef>
+            <a:effectRef idx="2">
+              <a:schemeClr val="accent1"/>
+            </a:effectRef>
+            <a:fontRef idx="minor">
+              <a:schemeClr val="lt1"/>
+            </a:fontRef>
+          </p:style>
+          <p:txBody>
+            <a:bodyPr rtlCol="0" anchor="ctr"/>
+            <a:lstStyle/>
+            <a:p>
+              <a:pPr algn="ctr"/>
+              <a:endParaRPr lang="en-US"/>
+            </a:p>
+          </p:txBody>
+        </p:sp>
+        <p:sp>
+          <p:nvSpPr>
+            <p:cNvPr id="6" name="Rectangle 5"/>
+            <p:cNvSpPr>
+              <a:spLocks noChangeAspect="1"/>
+            </p:cNvSpPr>
+            <p:nvPr/>
+          </p:nvSpPr>
+          <p:spPr>
+            <a:xfrm>
+              <a:off x="1308100" y="1485900"/>
+              <a:ext cx="396000" cy="372000"/>
+            </a:xfrm>
+            <a:prstGeom prst="rect">
+              <a:avLst/>
+            </a:prstGeom>
+            <a:solidFill>
+              <a:srgbClr val="FFFFFF"/>
+            </a:solidFill>
+            <a:ln>
+              <a:noFill/>
+            </a:ln>
+            <a:effectLst/>
+          </p:spPr>
+          <p:style>
+            <a:lnRef idx="1">
+              <a:schemeClr val="accent1"/>
+            </a:lnRef>
+            <a:fillRef idx="3">
+              <a:schemeClr val="accent1"/>
+            </a:fillRef>
+            <a:effectRef idx="2">
+              <a:schemeClr val="accent1"/>
+            </a:effectRef>
+            <a:fontRef idx="minor">
+              <a:schemeClr val="lt1"/>
+            </a:fontRef>
+          </p:style>
+          <p:txBody>
+            <a:bodyPr rtlCol="0" anchor="ctr"/>
+            <a:lstStyle/>
+            <a:p>
+              <a:pPr algn="ctr"/>
+              <a:endParaRPr lang="en-US"/>
+            </a:p>
+          </p:txBody>
+        </p:sp>
+        <p:sp>
+          <p:nvSpPr>
+            <p:cNvPr id="7" name="Rectangle 6"/>
+            <p:cNvSpPr>
+              <a:spLocks noChangeAspect="1"/>
+            </p:cNvSpPr>
+            <p:nvPr/>
+          </p:nvSpPr>
+          <p:spPr>
+            <a:xfrm>
+              <a:off x="215900" y="1744400"/>
+              <a:ext cx="548400" cy="372000"/>
+            </a:xfrm>
+            <a:prstGeom prst="rect">
+              <a:avLst/>
+            </a:prstGeom>
+            <a:solidFill>
+              <a:srgbClr val="FFFFFF"/>
+            </a:solidFill>
+            <a:ln>
+              <a:noFill/>
+            </a:ln>
+            <a:effectLst/>
+          </p:spPr>
+          <p:style>
+            <a:lnRef idx="1">
+              <a:schemeClr val="accent1"/>
+            </a:lnRef>
+            <a:fillRef idx="3">
+              <a:schemeClr val="accent1"/>
+            </a:fillRef>
+            <a:effectRef idx="2">
+              <a:schemeClr val="accent1"/>
+            </a:effectRef>
+            <a:fontRef idx="minor">
+              <a:schemeClr val="lt1"/>
+            </a:fontRef>
+          </p:style>
+          <p:txBody>
+            <a:bodyPr rtlCol="0" anchor="ctr"/>
+            <a:lstStyle/>
+            <a:p>
+              <a:pPr algn="ctr"/>
+              <a:endParaRPr lang="en-US"/>
+            </a:p>
+          </p:txBody>
+        </p:sp>
+        <p:pic>
+          <p:nvPicPr>
+            <p:cNvPr id="3" name="Picture 2" descr="latex-image-1.pdf"/>
+            <p:cNvPicPr>
+              <a:picLocks noChangeAspect="1"/>
+            </p:cNvPicPr>
+            <p:nvPr/>
+          </p:nvPicPr>
+          <p:blipFill>
+            <a:blip r:embed="rId4">
+              <a:extLst>
+                <a:ext uri="{28A0092B-C50C-407E-A947-70E740481C1C}">
+                  <a14:useLocalDpi xmlns:a14="http://schemas.microsoft.com/office/drawing/2010/main" val="0"/>
+                </a:ext>
+              </a:extLst>
+            </a:blip>
+            <a:stretch>
+              <a:fillRect/>
+            </a:stretch>
+          </p:blipFill>
+          <p:spPr>
+            <a:xfrm>
+              <a:off x="2580400" y="2009064"/>
+              <a:ext cx="533400" cy="189271"/>
+            </a:xfrm>
+            <a:prstGeom prst="rect">
+              <a:avLst/>
+            </a:prstGeom>
+          </p:spPr>
+        </p:pic>
+        <p:pic>
+          <p:nvPicPr>
+            <p:cNvPr id="8" name="Picture 7" descr="latex-image-1.pdf"/>
+            <p:cNvPicPr>
+              <a:picLocks noChangeAspect="1"/>
+            </p:cNvPicPr>
+            <p:nvPr/>
+          </p:nvPicPr>
+          <p:blipFill>
+            <a:blip r:embed="rId5">
+              <a:extLst>
+                <a:ext uri="{28A0092B-C50C-407E-A947-70E740481C1C}">
+                  <a14:useLocalDpi xmlns:a14="http://schemas.microsoft.com/office/drawing/2010/main" val="0"/>
+                </a:ext>
+              </a:extLst>
+            </a:blip>
+            <a:stretch>
+              <a:fillRect/>
+            </a:stretch>
+          </p:blipFill>
+          <p:spPr>
+            <a:xfrm>
+              <a:off x="2040401" y="1074300"/>
+              <a:ext cx="539999" cy="198000"/>
+            </a:xfrm>
+            <a:prstGeom prst="rect">
+              <a:avLst/>
+            </a:prstGeom>
+          </p:spPr>
+        </p:pic>
+        <p:pic>
+          <p:nvPicPr>
+            <p:cNvPr id="9" name="Picture 8" descr="latex-image-1.pdf"/>
+            <p:cNvPicPr>
+              <a:picLocks noChangeAspect="1"/>
+            </p:cNvPicPr>
+            <p:nvPr/>
+          </p:nvPicPr>
+          <p:blipFill>
+            <a:blip r:embed="rId6">
+              <a:extLst>
+                <a:ext uri="{28A0092B-C50C-407E-A947-70E740481C1C}">
+                  <a14:useLocalDpi xmlns:a14="http://schemas.microsoft.com/office/drawing/2010/main" val="0"/>
+                </a:ext>
+              </a:extLst>
+            </a:blip>
+            <a:stretch>
+              <a:fillRect/>
+            </a:stretch>
+          </p:blipFill>
+          <p:spPr>
+            <a:xfrm>
+              <a:off x="1193801" y="1816100"/>
+              <a:ext cx="539999" cy="198000"/>
+            </a:xfrm>
+            <a:prstGeom prst="rect">
+              <a:avLst/>
+            </a:prstGeom>
+          </p:spPr>
+        </p:pic>
+        <p:pic>
+          <p:nvPicPr>
+            <p:cNvPr id="10" name="Picture 9" descr="latex-image-1.pdf"/>
+            <p:cNvPicPr>
+              <a:picLocks noChangeAspect="1"/>
+            </p:cNvPicPr>
+            <p:nvPr/>
+          </p:nvPicPr>
+          <p:blipFill>
+            <a:blip r:embed="rId7">
+              <a:extLst>
+                <a:ext uri="{28A0092B-C50C-407E-A947-70E740481C1C}">
+                  <a14:useLocalDpi xmlns:a14="http://schemas.microsoft.com/office/drawing/2010/main" val="0"/>
+                </a:ext>
+              </a:extLst>
+            </a:blip>
+            <a:stretch>
+              <a:fillRect/>
+            </a:stretch>
+          </p:blipFill>
+          <p:spPr>
+            <a:xfrm>
+              <a:off x="50800" y="2219532"/>
+              <a:ext cx="755999" cy="153998"/>
+            </a:xfrm>
+            <a:prstGeom prst="rect">
+              <a:avLst/>
+            </a:prstGeom>
+          </p:spPr>
+        </p:pic>
+      </p:grpSp>
+      <p:grpSp>
+        <p:nvGrpSpPr>
+          <p:cNvPr id="13" name="Group 12"/>
+          <p:cNvGrpSpPr/>
+          <p:nvPr/>
+        </p:nvGrpSpPr>
+        <p:grpSpPr>
+          <a:xfrm>
+            <a:off x="241300" y="4660900"/>
+            <a:ext cx="3050300" cy="1315600"/>
+            <a:chOff x="101600" y="990600"/>
+            <a:chExt cx="3050300" cy="1315600"/>
+          </a:xfrm>
+        </p:grpSpPr>
+        <p:sp>
+          <p:nvSpPr>
+            <p:cNvPr id="14" name="Rectangle 13"/>
+            <p:cNvSpPr>
+              <a:spLocks noChangeAspect="1"/>
+            </p:cNvSpPr>
+            <p:nvPr/>
+          </p:nvSpPr>
+          <p:spPr>
+            <a:xfrm>
+              <a:off x="2743201" y="1892300"/>
+              <a:ext cx="383225" cy="360000"/>
+            </a:xfrm>
+            <a:prstGeom prst="rect">
+              <a:avLst/>
+            </a:prstGeom>
+            <a:solidFill>
+              <a:srgbClr val="FFFFFF"/>
+            </a:solidFill>
+            <a:ln>
+              <a:noFill/>
+            </a:ln>
+            <a:effectLst/>
+          </p:spPr>
+          <p:style>
+            <a:lnRef idx="1">
+              <a:schemeClr val="accent1"/>
+            </a:lnRef>
+            <a:fillRef idx="3">
+              <a:schemeClr val="accent1"/>
+            </a:fillRef>
+            <a:effectRef idx="2">
+              <a:schemeClr val="accent1"/>
+            </a:effectRef>
+            <a:fontRef idx="minor">
+              <a:schemeClr val="lt1"/>
+            </a:fontRef>
+          </p:style>
+          <p:txBody>
+            <a:bodyPr rtlCol="0" anchor="ctr"/>
+            <a:lstStyle/>
+            <a:p>
+              <a:pPr algn="ctr"/>
+              <a:endParaRPr lang="en-US"/>
+            </a:p>
+          </p:txBody>
+        </p:sp>
+        <p:sp>
+          <p:nvSpPr>
+            <p:cNvPr id="15" name="Rectangle 14"/>
+            <p:cNvSpPr>
+              <a:spLocks noChangeAspect="1"/>
+            </p:cNvSpPr>
+            <p:nvPr/>
+          </p:nvSpPr>
+          <p:spPr>
+            <a:xfrm>
+              <a:off x="2171700" y="990600"/>
+              <a:ext cx="396000" cy="372000"/>
+            </a:xfrm>
+            <a:prstGeom prst="rect">
+              <a:avLst/>
+            </a:prstGeom>
+            <a:solidFill>
+              <a:srgbClr val="FFFFFF"/>
+            </a:solidFill>
+            <a:ln>
+              <a:noFill/>
+            </a:ln>
+            <a:effectLst/>
+          </p:spPr>
+          <p:style>
+            <a:lnRef idx="1">
+              <a:schemeClr val="accent1"/>
+            </a:lnRef>
+            <a:fillRef idx="3">
+              <a:schemeClr val="accent1"/>
+            </a:fillRef>
+            <a:effectRef idx="2">
+              <a:schemeClr val="accent1"/>
+            </a:effectRef>
+            <a:fontRef idx="minor">
+              <a:schemeClr val="lt1"/>
+            </a:fontRef>
+          </p:style>
+          <p:txBody>
+            <a:bodyPr rtlCol="0" anchor="ctr"/>
+            <a:lstStyle/>
+            <a:p>
+              <a:pPr algn="ctr"/>
+              <a:endParaRPr lang="en-US"/>
+            </a:p>
+          </p:txBody>
+        </p:sp>
+        <p:sp>
+          <p:nvSpPr>
+            <p:cNvPr id="16" name="Rectangle 15"/>
+            <p:cNvSpPr>
+              <a:spLocks noChangeAspect="1"/>
+            </p:cNvSpPr>
+            <p:nvPr/>
+          </p:nvSpPr>
+          <p:spPr>
+            <a:xfrm>
+              <a:off x="1320800" y="1485900"/>
+              <a:ext cx="396000" cy="372000"/>
+            </a:xfrm>
+            <a:prstGeom prst="rect">
+              <a:avLst/>
+            </a:prstGeom>
+            <a:solidFill>
+              <a:srgbClr val="FFFFFF"/>
+            </a:solidFill>
+            <a:ln>
+              <a:noFill/>
+            </a:ln>
+            <a:effectLst/>
+          </p:spPr>
+          <p:style>
+            <a:lnRef idx="1">
+              <a:schemeClr val="accent1"/>
+            </a:lnRef>
+            <a:fillRef idx="3">
+              <a:schemeClr val="accent1"/>
+            </a:fillRef>
+            <a:effectRef idx="2">
+              <a:schemeClr val="accent1"/>
+            </a:effectRef>
+            <a:fontRef idx="minor">
+              <a:schemeClr val="lt1"/>
+            </a:fontRef>
+          </p:style>
+          <p:txBody>
+            <a:bodyPr rtlCol="0" anchor="ctr"/>
+            <a:lstStyle/>
+            <a:p>
+              <a:pPr algn="ctr"/>
+              <a:endParaRPr lang="en-US"/>
+            </a:p>
+          </p:txBody>
+        </p:sp>
+        <p:sp>
+          <p:nvSpPr>
+            <p:cNvPr id="17" name="Rectangle 16"/>
+            <p:cNvSpPr>
+              <a:spLocks noChangeAspect="1"/>
+            </p:cNvSpPr>
+            <p:nvPr/>
+          </p:nvSpPr>
+          <p:spPr>
+            <a:xfrm>
+              <a:off x="254000" y="1719000"/>
+              <a:ext cx="548400" cy="372000"/>
+            </a:xfrm>
+            <a:prstGeom prst="rect">
+              <a:avLst/>
+            </a:prstGeom>
+            <a:solidFill>
+              <a:srgbClr val="FFFFFF"/>
+            </a:solidFill>
+            <a:ln>
+              <a:noFill/>
+            </a:ln>
+            <a:effectLst/>
+          </p:spPr>
+          <p:style>
+            <a:lnRef idx="1">
+              <a:schemeClr val="accent1"/>
+            </a:lnRef>
+            <a:fillRef idx="3">
+              <a:schemeClr val="accent1"/>
+            </a:fillRef>
+            <a:effectRef idx="2">
+              <a:schemeClr val="accent1"/>
+            </a:effectRef>
+            <a:fontRef idx="minor">
+              <a:schemeClr val="lt1"/>
+            </a:fontRef>
+          </p:style>
+          <p:txBody>
+            <a:bodyPr rtlCol="0" anchor="ctr"/>
+            <a:lstStyle/>
+            <a:p>
+              <a:pPr algn="ctr"/>
+              <a:endParaRPr lang="en-US"/>
+            </a:p>
+          </p:txBody>
+        </p:sp>
+        <p:pic>
+          <p:nvPicPr>
+            <p:cNvPr id="18" name="Picture 17" descr="latex-image-1.pdf"/>
+            <p:cNvPicPr>
+              <a:picLocks noChangeAspect="1"/>
+            </p:cNvPicPr>
+            <p:nvPr/>
+          </p:nvPicPr>
+          <p:blipFill>
+            <a:blip r:embed="rId4">
+              <a:extLst>
+                <a:ext uri="{28A0092B-C50C-407E-A947-70E740481C1C}">
+                  <a14:useLocalDpi xmlns:a14="http://schemas.microsoft.com/office/drawing/2010/main" val="0"/>
+                </a:ext>
+              </a:extLst>
+            </a:blip>
+            <a:stretch>
+              <a:fillRect/>
+            </a:stretch>
+          </p:blipFill>
+          <p:spPr>
+            <a:xfrm>
+              <a:off x="2618500" y="1958264"/>
+              <a:ext cx="533400" cy="189271"/>
+            </a:xfrm>
+            <a:prstGeom prst="rect">
+              <a:avLst/>
+            </a:prstGeom>
+          </p:spPr>
+        </p:pic>
+        <p:pic>
+          <p:nvPicPr>
+            <p:cNvPr id="19" name="Picture 18" descr="latex-image-1.pdf"/>
+            <p:cNvPicPr>
+              <a:picLocks noChangeAspect="1"/>
+            </p:cNvPicPr>
+            <p:nvPr/>
+          </p:nvPicPr>
+          <p:blipFill>
+            <a:blip r:embed="rId5">
+              <a:extLst>
+                <a:ext uri="{28A0092B-C50C-407E-A947-70E740481C1C}">
+                  <a14:useLocalDpi xmlns:a14="http://schemas.microsoft.com/office/drawing/2010/main" val="0"/>
+                </a:ext>
+              </a:extLst>
+            </a:blip>
+            <a:stretch>
+              <a:fillRect/>
+            </a:stretch>
+          </p:blipFill>
+          <p:spPr>
+            <a:xfrm>
+              <a:off x="2040401" y="1074300"/>
+              <a:ext cx="539999" cy="198000"/>
+            </a:xfrm>
+            <a:prstGeom prst="rect">
+              <a:avLst/>
+            </a:prstGeom>
+          </p:spPr>
+        </p:pic>
+        <p:pic>
+          <p:nvPicPr>
+            <p:cNvPr id="20" name="Picture 19" descr="latex-image-1.pdf"/>
+            <p:cNvPicPr>
+              <a:picLocks noChangeAspect="1"/>
+            </p:cNvPicPr>
+            <p:nvPr/>
+          </p:nvPicPr>
+          <p:blipFill>
+            <a:blip r:embed="rId6">
+              <a:extLst>
+                <a:ext uri="{28A0092B-C50C-407E-A947-70E740481C1C}">
+                  <a14:useLocalDpi xmlns:a14="http://schemas.microsoft.com/office/drawing/2010/main" val="0"/>
+                </a:ext>
+              </a:extLst>
+            </a:blip>
+            <a:stretch>
+              <a:fillRect/>
+            </a:stretch>
+          </p:blipFill>
+          <p:spPr>
+            <a:xfrm>
+              <a:off x="1206501" y="2108200"/>
+              <a:ext cx="539999" cy="198000"/>
+            </a:xfrm>
+            <a:prstGeom prst="rect">
+              <a:avLst/>
+            </a:prstGeom>
+          </p:spPr>
+        </p:pic>
+        <p:pic>
+          <p:nvPicPr>
+            <p:cNvPr id="21" name="Picture 20" descr="latex-image-1.pdf"/>
+            <p:cNvPicPr>
+              <a:picLocks noChangeAspect="1"/>
+            </p:cNvPicPr>
+            <p:nvPr/>
+          </p:nvPicPr>
+          <p:blipFill>
+            <a:blip r:embed="rId7">
+              <a:extLst>
+                <a:ext uri="{28A0092B-C50C-407E-A947-70E740481C1C}">
+                  <a14:useLocalDpi xmlns:a14="http://schemas.microsoft.com/office/drawing/2010/main" val="0"/>
+                </a:ext>
+              </a:extLst>
+            </a:blip>
+            <a:stretch>
+              <a:fillRect/>
+            </a:stretch>
+          </p:blipFill>
+          <p:spPr>
+            <a:xfrm>
+              <a:off x="101600" y="1838532"/>
+              <a:ext cx="755999" cy="153998"/>
+            </a:xfrm>
+            <a:prstGeom prst="rect">
+              <a:avLst/>
+            </a:prstGeom>
+          </p:spPr>
+        </p:pic>
+      </p:grpSp>
+    </p:spTree>
+    <p:extLst>
+      <p:ext uri="{BB962C8B-B14F-4D97-AF65-F5344CB8AC3E}">
+        <p14:creationId xmlns:p14="http://schemas.microsoft.com/office/powerpoint/2010/main" val="1772786034"/>
       </p:ext>
     </p:extLst>
   </p:cSld>
@@ -4882,6 +6369,13 @@
   <p:clrMapOvr>
     <a:masterClrMapping/>
   </p:clrMapOvr>
+  <p:timing>
+    <p:tnLst>
+      <p:par>
+        <p:cTn xmlns:p14="http://schemas.microsoft.com/office/powerpoint/2010/main" id="1" dur="indefinite" restart="never" nodeType="tmRoot"/>
+      </p:par>
+    </p:tnLst>
+  </p:timing>
 </p:sld>
 </file>
 
@@ -4968,7 +6462,7 @@
         </p:nvCxnSpPr>
         <p:spPr>
           <a:xfrm flipH="1">
-            <a:off x="4248201" y="2969814"/>
+            <a:off x="4234661" y="3951109"/>
             <a:ext cx="1" cy="323997"/>
           </a:xfrm>
           <a:prstGeom prst="straightConnector1">
@@ -4999,29 +6493,6 @@
       </p:cxnSp>
       <p:sp>
         <p:nvSpPr>
-          <p:cNvPr id="24" name="Slide Number Placeholder 23"/>
-          <p:cNvSpPr>
-            <a:spLocks noGrp="1"/>
-          </p:cNvSpPr>
-          <p:nvPr>
-            <p:ph type="sldNum" sz="quarter" idx="12"/>
-          </p:nvPr>
-        </p:nvSpPr>
-        <p:spPr/>
-        <p:txBody>
-          <a:bodyPr/>
-          <a:lstStyle/>
-          <a:p>
-            <a:fld id="{D530D089-491A-794B-A8CD-D00F3ABC7FAF}" type="slidenum">
-              <a:rPr lang="en-US" smtClean="0"/>
-              <a:t>5</a:t>
-            </a:fld>
-            <a:endParaRPr lang="en-US"/>
-          </a:p>
-        </p:txBody>
-      </p:sp>
-      <p:sp>
-        <p:nvSpPr>
           <p:cNvPr id="18" name="TextBox 17"/>
           <p:cNvSpPr txBox="1"/>
           <p:nvPr/>
@@ -5098,7 +6569,7 @@
         </p:blipFill>
         <p:spPr>
           <a:xfrm>
-            <a:off x="977908" y="1364149"/>
+            <a:off x="1955808" y="1546850"/>
             <a:ext cx="6191985" cy="365403"/>
           </a:xfrm>
           <a:prstGeom prst="rect">
@@ -5114,10 +6585,10 @@
         </p:nvGrpSpPr>
         <p:grpSpPr>
           <a:xfrm>
-            <a:off x="274679" y="1926974"/>
-            <a:ext cx="3945360" cy="907921"/>
-            <a:chOff x="274679" y="1469774"/>
-            <a:chExt cx="3945360" cy="907921"/>
+            <a:off x="287379" y="2180974"/>
+            <a:ext cx="3932660" cy="1125783"/>
+            <a:chOff x="287379" y="1723774"/>
+            <a:chExt cx="3932660" cy="1125783"/>
           </a:xfrm>
         </p:grpSpPr>
         <p:cxnSp>
@@ -5130,7 +6601,7 @@
           </p:nvCxnSpPr>
           <p:spPr>
             <a:xfrm>
-              <a:off x="4218321" y="1469774"/>
+              <a:off x="4218321" y="1723774"/>
               <a:ext cx="1718" cy="324000"/>
             </a:xfrm>
             <a:prstGeom prst="straightConnector1">
@@ -5167,7 +6638,7 @@
           </p:nvSpPr>
           <p:spPr>
             <a:xfrm>
-              <a:off x="1923200" y="1764765"/>
+              <a:off x="1560400" y="2281761"/>
               <a:ext cx="674799" cy="567796"/>
             </a:xfrm>
             <a:prstGeom prst="ellipse">
@@ -5212,7 +6683,7 @@
           </p:nvSpPr>
           <p:spPr>
             <a:xfrm>
-              <a:off x="274679" y="1669809"/>
+              <a:off x="287379" y="2141671"/>
               <a:ext cx="1406457" cy="707886"/>
             </a:xfrm>
             <a:prstGeom prst="rect">
@@ -5237,22 +6708,28 @@
       </p:grpSp>
       <p:pic>
         <p:nvPicPr>
-          <p:cNvPr id="25" name="Picture 24"/>
+          <p:cNvPr id="6" name="Picture 5" descr="latex-image-1.pdf"/>
           <p:cNvPicPr>
             <a:picLocks noChangeAspect="1"/>
           </p:cNvPicPr>
           <p:nvPr/>
         </p:nvPicPr>
         <p:blipFill>
-          <a:blip r:embed="rId3"/>
+          <a:blip r:embed="rId3">
+            <a:extLst>
+              <a:ext uri="{28A0092B-C50C-407E-A947-70E740481C1C}">
+                <a14:useLocalDpi xmlns:a14="http://schemas.microsoft.com/office/drawing/2010/main" val="0"/>
+              </a:ext>
+            </a:extLst>
+          </a:blip>
           <a:stretch>
             <a:fillRect/>
           </a:stretch>
         </p:blipFill>
         <p:spPr>
           <a:xfrm>
-            <a:off x="6287308" y="4208671"/>
-            <a:ext cx="2726343" cy="611516"/>
+            <a:off x="1693836" y="2836858"/>
+            <a:ext cx="5499100" cy="373154"/>
           </a:xfrm>
           <a:prstGeom prst="rect">
             <a:avLst/>
@@ -5261,7 +6738,7 @@
       </p:pic>
       <p:pic>
         <p:nvPicPr>
-          <p:cNvPr id="26" name="Picture 25" descr="latex-image-1.pdf"/>
+          <p:cNvPr id="7" name="Picture 6" descr="latex-image-1.pdf"/>
           <p:cNvPicPr>
             <a:picLocks noChangeAspect="1"/>
           </p:cNvPicPr>
@@ -5281,8 +6758,8 @@
         </p:blipFill>
         <p:spPr>
           <a:xfrm>
-            <a:off x="2061539" y="2319900"/>
-            <a:ext cx="4000508" cy="397900"/>
+            <a:off x="1162515" y="5042479"/>
+            <a:ext cx="6115050" cy="916754"/>
           </a:xfrm>
           <a:prstGeom prst="rect">
             <a:avLst/>
@@ -5291,286 +6768,51 @@
       </p:pic>
       <p:grpSp>
         <p:nvGrpSpPr>
-          <p:cNvPr id="27" name="Group 26"/>
-          <p:cNvGrpSpPr>
-            <a:grpSpLocks noChangeAspect="1"/>
-          </p:cNvGrpSpPr>
+          <p:cNvPr id="10" name="Group 9"/>
+          <p:cNvGrpSpPr/>
           <p:nvPr/>
         </p:nvGrpSpPr>
         <p:grpSpPr>
           <a:xfrm>
-            <a:off x="415785" y="3307189"/>
-            <a:ext cx="5641659" cy="2678903"/>
-            <a:chOff x="342900" y="2197100"/>
-            <a:chExt cx="8077200" cy="3835400"/>
+            <a:off x="6618620" y="3465114"/>
+            <a:ext cx="2155379" cy="1577365"/>
+            <a:chOff x="4218320" y="5130485"/>
+            <a:chExt cx="2155379" cy="1577365"/>
           </a:xfrm>
         </p:grpSpPr>
-        <p:cxnSp>
-          <p:nvCxnSpPr>
-            <p:cNvPr id="28" name="Straight Connector 27"/>
-            <p:cNvCxnSpPr/>
+        <p:pic>
+          <p:nvPicPr>
+            <p:cNvPr id="36" name="Picture 35"/>
+            <p:cNvPicPr>
+              <a:picLocks noChangeAspect="1"/>
+            </p:cNvPicPr>
             <p:nvPr/>
-          </p:nvCxnSpPr>
+          </p:nvPicPr>
+          <p:blipFill rotWithShape="1">
+            <a:blip r:embed="rId5"/>
+            <a:srcRect l="55317" t="23484" r="21111" b="29520"/>
+            <a:stretch/>
+          </p:blipFill>
           <p:spPr>
             <a:xfrm>
-              <a:off x="622300" y="2684780"/>
-              <a:ext cx="904240" cy="0"/>
+              <a:off x="4218320" y="5130485"/>
+              <a:ext cx="2155379" cy="1231901"/>
             </a:xfrm>
-            <a:prstGeom prst="line">
+            <a:prstGeom prst="rect">
               <a:avLst/>
             </a:prstGeom>
-            <a:ln>
-              <a:solidFill>
-                <a:srgbClr val="FF0000"/>
-              </a:solidFill>
-            </a:ln>
-            <a:effectLst/>
           </p:spPr>
-          <p:style>
-            <a:lnRef idx="2">
-              <a:schemeClr val="accent1"/>
-            </a:lnRef>
-            <a:fillRef idx="0">
-              <a:schemeClr val="accent1"/>
-            </a:fillRef>
-            <a:effectRef idx="1">
-              <a:schemeClr val="accent1"/>
-            </a:effectRef>
-            <a:fontRef idx="minor">
-              <a:schemeClr val="tx1"/>
-            </a:fontRef>
-          </p:style>
-        </p:cxnSp>
-        <p:cxnSp>
-          <p:nvCxnSpPr>
-            <p:cNvPr id="29" name="Straight Connector 28"/>
-            <p:cNvCxnSpPr/>
-            <p:nvPr/>
-          </p:nvCxnSpPr>
-          <p:spPr>
-            <a:xfrm>
-              <a:off x="2857500" y="2674620"/>
-              <a:ext cx="1706880" cy="0"/>
-            </a:xfrm>
-            <a:prstGeom prst="line">
-              <a:avLst/>
-            </a:prstGeom>
-            <a:ln>
-              <a:solidFill>
-                <a:srgbClr val="FF0000"/>
-              </a:solidFill>
-            </a:ln>
-            <a:effectLst/>
-          </p:spPr>
-          <p:style>
-            <a:lnRef idx="2">
-              <a:schemeClr val="accent1"/>
-            </a:lnRef>
-            <a:fillRef idx="0">
-              <a:schemeClr val="accent1"/>
-            </a:fillRef>
-            <a:effectRef idx="1">
-              <a:schemeClr val="accent1"/>
-            </a:effectRef>
-            <a:fontRef idx="minor">
-              <a:schemeClr val="tx1"/>
-            </a:fontRef>
-          </p:style>
-        </p:cxnSp>
-        <p:cxnSp>
-          <p:nvCxnSpPr>
-            <p:cNvPr id="30" name="Straight Connector 29"/>
-            <p:cNvCxnSpPr/>
-            <p:nvPr/>
-          </p:nvCxnSpPr>
-          <p:spPr>
-            <a:xfrm>
-              <a:off x="7279640" y="2705100"/>
-              <a:ext cx="904240" cy="0"/>
-            </a:xfrm>
-            <a:prstGeom prst="line">
-              <a:avLst/>
-            </a:prstGeom>
-            <a:ln>
-              <a:solidFill>
-                <a:srgbClr val="FF0000"/>
-              </a:solidFill>
-            </a:ln>
-            <a:effectLst/>
-          </p:spPr>
-          <p:style>
-            <a:lnRef idx="2">
-              <a:schemeClr val="accent1"/>
-            </a:lnRef>
-            <a:fillRef idx="0">
-              <a:schemeClr val="accent1"/>
-            </a:fillRef>
-            <a:effectRef idx="1">
-              <a:schemeClr val="accent1"/>
-            </a:effectRef>
-            <a:fontRef idx="minor">
-              <a:schemeClr val="tx1"/>
-            </a:fontRef>
-          </p:style>
-        </p:cxnSp>
-        <p:cxnSp>
-          <p:nvCxnSpPr>
-            <p:cNvPr id="31" name="Straight Connector 30"/>
-            <p:cNvCxnSpPr/>
-            <p:nvPr/>
-          </p:nvCxnSpPr>
-          <p:spPr>
-            <a:xfrm>
-              <a:off x="647700" y="4658360"/>
-              <a:ext cx="904240" cy="0"/>
-            </a:xfrm>
-            <a:prstGeom prst="line">
-              <a:avLst/>
-            </a:prstGeom>
-            <a:ln>
-              <a:solidFill>
-                <a:srgbClr val="0000FF"/>
-              </a:solidFill>
-            </a:ln>
-            <a:effectLst/>
-          </p:spPr>
-          <p:style>
-            <a:lnRef idx="2">
-              <a:schemeClr val="accent1"/>
-            </a:lnRef>
-            <a:fillRef idx="0">
-              <a:schemeClr val="accent1"/>
-            </a:fillRef>
-            <a:effectRef idx="1">
-              <a:schemeClr val="accent1"/>
-            </a:effectRef>
-            <a:fontRef idx="minor">
-              <a:schemeClr val="tx1"/>
-            </a:fontRef>
-          </p:style>
-        </p:cxnSp>
-        <p:cxnSp>
-          <p:nvCxnSpPr>
-            <p:cNvPr id="32" name="Straight Connector 31"/>
-            <p:cNvCxnSpPr/>
-            <p:nvPr/>
-          </p:nvCxnSpPr>
-          <p:spPr>
-            <a:xfrm>
-              <a:off x="7139940" y="4668520"/>
-              <a:ext cx="904240" cy="0"/>
-            </a:xfrm>
-            <a:prstGeom prst="line">
-              <a:avLst/>
-            </a:prstGeom>
-            <a:ln>
-              <a:solidFill>
-                <a:srgbClr val="0000FF"/>
-              </a:solidFill>
-            </a:ln>
-            <a:effectLst/>
-          </p:spPr>
-          <p:style>
-            <a:lnRef idx="2">
-              <a:schemeClr val="accent1"/>
-            </a:lnRef>
-            <a:fillRef idx="0">
-              <a:schemeClr val="accent1"/>
-            </a:fillRef>
-            <a:effectRef idx="1">
-              <a:schemeClr val="accent1"/>
-            </a:effectRef>
-            <a:fontRef idx="minor">
-              <a:schemeClr val="tx1"/>
-            </a:fontRef>
-          </p:style>
-        </p:cxnSp>
-        <p:cxnSp>
-          <p:nvCxnSpPr>
-            <p:cNvPr id="33" name="Straight Connector 32"/>
-            <p:cNvCxnSpPr/>
-            <p:nvPr/>
-          </p:nvCxnSpPr>
-          <p:spPr>
-            <a:xfrm>
-              <a:off x="2882900" y="4678680"/>
-              <a:ext cx="1615440" cy="0"/>
-            </a:xfrm>
-            <a:prstGeom prst="line">
-              <a:avLst/>
-            </a:prstGeom>
-            <a:ln>
-              <a:solidFill>
-                <a:srgbClr val="0000FF"/>
-              </a:solidFill>
-            </a:ln>
-            <a:effectLst/>
-          </p:spPr>
-          <p:style>
-            <a:lnRef idx="2">
-              <a:schemeClr val="accent1"/>
-            </a:lnRef>
-            <a:fillRef idx="0">
-              <a:schemeClr val="accent1"/>
-            </a:fillRef>
-            <a:effectRef idx="1">
-              <a:schemeClr val="accent1"/>
-            </a:effectRef>
-            <a:fontRef idx="minor">
-              <a:schemeClr val="tx1"/>
-            </a:fontRef>
-          </p:style>
-        </p:cxnSp>
-        <p:cxnSp>
-          <p:nvCxnSpPr>
-            <p:cNvPr id="34" name="Straight Connector 33"/>
-            <p:cNvCxnSpPr/>
-            <p:nvPr/>
-          </p:nvCxnSpPr>
-          <p:spPr>
-            <a:xfrm>
-              <a:off x="5750560" y="3520440"/>
-              <a:ext cx="0" cy="1330960"/>
-            </a:xfrm>
-            <a:prstGeom prst="line">
-              <a:avLst/>
-            </a:prstGeom>
-            <a:ln>
-              <a:solidFill>
-                <a:schemeClr val="bg1">
-                  <a:lumMod val="50000"/>
-                </a:schemeClr>
-              </a:solidFill>
-              <a:headEnd type="oval"/>
-              <a:tailEnd type="oval"/>
-            </a:ln>
-            <a:effectLst/>
-          </p:spPr>
-          <p:style>
-            <a:lnRef idx="2">
-              <a:schemeClr val="accent1"/>
-            </a:lnRef>
-            <a:fillRef idx="0">
-              <a:schemeClr val="accent1"/>
-            </a:fillRef>
-            <a:effectRef idx="1">
-              <a:schemeClr val="accent1"/>
-            </a:effectRef>
-            <a:fontRef idx="minor">
-              <a:schemeClr val="tx1"/>
-            </a:fontRef>
-          </p:style>
-        </p:cxnSp>
+        </p:pic>
         <p:pic>
           <p:nvPicPr>
-            <p:cNvPr id="35" name="Picture 34" descr="latex-image-1.pdf"/>
+            <p:cNvPr id="9" name="Picture 8" descr="latex-image-1.pdf"/>
             <p:cNvPicPr>
               <a:picLocks noChangeAspect="1"/>
             </p:cNvPicPr>
             <p:nvPr/>
           </p:nvPicPr>
           <p:blipFill>
-            <a:blip r:embed="rId5">
+            <a:blip r:embed="rId6">
               <a:extLst>
                 <a:ext uri="{28A0092B-C50C-407E-A947-70E740481C1C}">
                   <a14:useLocalDpi xmlns:a14="http://schemas.microsoft.com/office/drawing/2010/main" val="0"/>
@@ -5583,8 +6825,8 @@
           </p:blipFill>
           <p:spPr>
             <a:xfrm>
-              <a:off x="342900" y="2197100"/>
-              <a:ext cx="8077200" cy="3835400"/>
+              <a:off x="4787900" y="6419851"/>
+              <a:ext cx="170666" cy="287999"/>
             </a:xfrm>
             <a:prstGeom prst="rect">
               <a:avLst/>
@@ -5775,358 +7017,134 @@
           <a:chExt cx="0" cy="0"/>
         </a:xfrm>
       </p:grpSpPr>
-      <p:pic>
-        <p:nvPicPr>
-          <p:cNvPr id="2" name="Picture 1"/>
-          <p:cNvPicPr>
-            <a:picLocks noChangeAspect="1"/>
-          </p:cNvPicPr>
-          <p:nvPr/>
-        </p:nvPicPr>
-        <p:blipFill rotWithShape="1">
-          <a:blip r:embed="rId2"/>
-          <a:srcRect l="26250" t="23484"/>
-          <a:stretch/>
-        </p:blipFill>
-        <p:spPr>
-          <a:xfrm>
-            <a:off x="2400300" y="1244599"/>
-            <a:ext cx="6743700" cy="2005703"/>
-          </a:xfrm>
-          <a:prstGeom prst="rect">
-            <a:avLst/>
-          </a:prstGeom>
-        </p:spPr>
-      </p:pic>
       <p:sp>
         <p:nvSpPr>
-          <p:cNvPr id="4" name="AutoShape 4"/>
-          <p:cNvSpPr>
-            <a:spLocks/>
-          </p:cNvSpPr>
-          <p:nvPr/>
-        </p:nvSpPr>
-        <p:spPr bwMode="auto">
-          <a:xfrm>
-            <a:off x="3509091" y="3492622"/>
-            <a:ext cx="3718702" cy="812285"/>
-          </a:xfrm>
-          <a:prstGeom prst="roundRect">
-            <a:avLst>
-              <a:gd name="adj" fmla="val 16667"/>
-            </a:avLst>
-          </a:prstGeom>
-          <a:noFill/>
-          <a:ln>
-            <a:solidFill>
-              <a:schemeClr val="accent4">
-                <a:lumMod val="75000"/>
-              </a:schemeClr>
-            </a:solidFill>
-            <a:headEnd/>
-            <a:tailEnd/>
-          </a:ln>
-        </p:spPr>
-        <p:style>
-          <a:lnRef idx="2">
-            <a:schemeClr val="accent2"/>
-          </a:lnRef>
-          <a:fillRef idx="1">
-            <a:schemeClr val="lt1"/>
-          </a:fillRef>
-          <a:effectRef idx="0">
-            <a:schemeClr val="accent2"/>
-          </a:effectRef>
-          <a:fontRef idx="minor">
-            <a:schemeClr val="dk1"/>
-          </a:fontRef>
-        </p:style>
-        <p:txBody>
-          <a:bodyPr lIns="0" tIns="0" rIns="0" bIns="0" anchor="ctr"/>
-          <a:lstStyle/>
-          <a:p>
-            <a:pPr algn="ctr">
-              <a:lnSpc>
-                <a:spcPct val="80000"/>
-              </a:lnSpc>
-              <a:spcBef>
-                <a:spcPts val="1200"/>
-              </a:spcBef>
-              <a:defRPr/>
-            </a:pPr>
-            <a:r>
-              <a:rPr lang="en-US" sz="2000" dirty="0" smtClean="0">
-                <a:solidFill>
-                  <a:srgbClr val="000000"/>
-                </a:solidFill>
-                <a:cs typeface="Calibri" charset="0"/>
-              </a:rPr>
-              <a:t>These are </a:t>
-            </a:r>
-            <a:r>
-              <a:rPr lang="en-US" sz="2000" b="1" dirty="0" smtClean="0">
-                <a:solidFill>
-                  <a:srgbClr val="000000"/>
-                </a:solidFill>
-                <a:cs typeface="Calibri" charset="0"/>
-              </a:rPr>
-              <a:t>NOT</a:t>
-            </a:r>
-            <a:r>
-              <a:rPr lang="en-US" sz="2000" dirty="0" smtClean="0">
-                <a:solidFill>
-                  <a:srgbClr val="000000"/>
-                </a:solidFill>
-                <a:cs typeface="Calibri" charset="0"/>
-              </a:rPr>
-              <a:t> </a:t>
-            </a:r>
-            <a:r>
-              <a:rPr lang="en-US" sz="2000" b="1" dirty="0" smtClean="0">
-                <a:solidFill>
-                  <a:srgbClr val="000000"/>
-                </a:solidFill>
-                <a:cs typeface="Calibri" charset="0"/>
-              </a:rPr>
-              <a:t>population</a:t>
-            </a:r>
-            <a:r>
-              <a:rPr lang="en-US" sz="2000" dirty="0" smtClean="0">
-                <a:solidFill>
-                  <a:srgbClr val="000000"/>
-                </a:solidFill>
-                <a:cs typeface="Calibri" charset="0"/>
-              </a:rPr>
-              <a:t> </a:t>
-            </a:r>
-            <a:r>
-              <a:rPr lang="en-US" sz="2000" b="1" dirty="0" smtClean="0">
-                <a:solidFill>
-                  <a:srgbClr val="000000"/>
-                </a:solidFill>
-                <a:cs typeface="Calibri" charset="0"/>
-              </a:rPr>
-              <a:t>means</a:t>
-            </a:r>
-            <a:endParaRPr lang="en-US" sz="2000" b="1" dirty="0">
-              <a:solidFill>
-                <a:srgbClr val="000000"/>
-              </a:solidFill>
-              <a:cs typeface="Calibri" charset="0"/>
-            </a:endParaRPr>
-          </a:p>
-          <a:p>
-            <a:pPr algn="ctr">
-              <a:lnSpc>
-                <a:spcPct val="80000"/>
-              </a:lnSpc>
-              <a:spcBef>
-                <a:spcPts val="1200"/>
-              </a:spcBef>
-              <a:defRPr/>
-            </a:pPr>
-            <a:r>
-              <a:rPr lang="en-US" sz="2000" dirty="0" smtClean="0">
-                <a:solidFill>
-                  <a:srgbClr val="000000"/>
-                </a:solidFill>
-                <a:cs typeface="Calibri" charset="0"/>
-              </a:rPr>
-              <a:t>These are </a:t>
-            </a:r>
-            <a:r>
-              <a:rPr lang="en-US" sz="2000" b="1" dirty="0" smtClean="0">
-                <a:solidFill>
-                  <a:srgbClr val="000000"/>
-                </a:solidFill>
-                <a:cs typeface="Calibri" charset="0"/>
-              </a:rPr>
-              <a:t>differences of means</a:t>
-            </a:r>
-            <a:endParaRPr lang="en-US" sz="2000" dirty="0">
-              <a:solidFill>
-                <a:srgbClr val="000000"/>
-              </a:solidFill>
-              <a:cs typeface="Calibri" charset="0"/>
-            </a:endParaRPr>
-          </a:p>
-        </p:txBody>
-      </p:sp>
-      <p:cxnSp>
-        <p:nvCxnSpPr>
-          <p:cNvPr id="8" name="Straight Arrow Connector 7"/>
-          <p:cNvCxnSpPr/>
-          <p:nvPr/>
-        </p:nvCxnSpPr>
-        <p:spPr>
-          <a:xfrm flipH="1" flipV="1">
-            <a:off x="3056809" y="2964490"/>
-            <a:ext cx="685800" cy="528132"/>
-          </a:xfrm>
-          <a:prstGeom prst="straightConnector1">
-            <a:avLst/>
-          </a:prstGeom>
-          <a:ln>
-            <a:solidFill>
-              <a:schemeClr val="accent4">
-                <a:lumMod val="75000"/>
-              </a:schemeClr>
-            </a:solidFill>
-            <a:tailEnd type="arrow"/>
-          </a:ln>
-          <a:effectLst/>
-        </p:spPr>
-        <p:style>
-          <a:lnRef idx="2">
-            <a:schemeClr val="accent1"/>
-          </a:lnRef>
-          <a:fillRef idx="0">
-            <a:schemeClr val="accent1"/>
-          </a:fillRef>
-          <a:effectRef idx="1">
-            <a:schemeClr val="accent1"/>
-          </a:effectRef>
-          <a:fontRef idx="minor">
-            <a:schemeClr val="tx1"/>
-          </a:fontRef>
-        </p:style>
-      </p:cxnSp>
-      <p:sp>
-        <p:nvSpPr>
-          <p:cNvPr id="26" name="Slide Number Placeholder 3"/>
+          <p:cNvPr id="3" name="Content Placeholder 2"/>
           <p:cNvSpPr>
             <a:spLocks noGrp="1"/>
           </p:cNvSpPr>
           <p:nvPr>
-            <p:ph type="sldNum" sz="quarter" idx="12"/>
+            <p:ph idx="1"/>
           </p:nvPr>
         </p:nvSpPr>
         <p:spPr>
           <a:xfrm>
-            <a:off x="6971376" y="6383962"/>
-            <a:ext cx="2133600" cy="365125"/>
+            <a:off x="415785" y="1849280"/>
+            <a:ext cx="8557379" cy="4525963"/>
           </a:xfrm>
         </p:spPr>
         <p:txBody>
-          <a:bodyPr/>
+          <a:bodyPr>
+            <a:normAutofit/>
+          </a:bodyPr>
           <a:lstStyle/>
           <a:p>
-            <a:fld id="{49BD1116-E595-0441-9E16-904497140103}" type="slidenum">
-              <a:rPr lang="en-US" smtClean="0"/>
-              <a:t>6</a:t>
-            </a:fld>
-            <a:endParaRPr lang="en-US"/>
+            <a:pPr marL="0" indent="0">
+              <a:buNone/>
+            </a:pPr>
+            <a:endParaRPr lang="en-US" dirty="0"/>
+          </a:p>
+          <a:p>
+            <a:endParaRPr lang="en-US" dirty="0" smtClean="0"/>
+          </a:p>
+          <a:p>
+            <a:endParaRPr lang="en-US" dirty="0"/>
+          </a:p>
+          <a:p>
+            <a:endParaRPr lang="en-US" dirty="0" smtClean="0"/>
+          </a:p>
+          <a:p>
+            <a:endParaRPr lang="en-US" dirty="0"/>
+          </a:p>
+          <a:p>
+            <a:pPr marL="0" indent="0">
+              <a:buNone/>
+            </a:pPr>
+            <a:endParaRPr lang="en-US" dirty="0"/>
+          </a:p>
+          <a:p>
+            <a:pPr marL="0" indent="0">
+              <a:buNone/>
+            </a:pPr>
+            <a:endParaRPr lang="en-US" dirty="0" smtClean="0"/>
+          </a:p>
+          <a:p>
+            <a:endParaRPr lang="en-US" dirty="0"/>
           </a:p>
         </p:txBody>
       </p:sp>
-      <p:sp>
-        <p:nvSpPr>
-          <p:cNvPr id="14" name="AutoShape 4"/>
-          <p:cNvSpPr>
-            <a:spLocks/>
-          </p:cNvSpPr>
+      <p:grpSp>
+        <p:nvGrpSpPr>
+          <p:cNvPr id="10" name="Group 9"/>
+          <p:cNvGrpSpPr/>
           <p:nvPr/>
-        </p:nvSpPr>
-        <p:spPr bwMode="auto">
+        </p:nvGrpSpPr>
+        <p:grpSpPr>
           <a:xfrm>
-            <a:off x="2400300" y="1962211"/>
-            <a:ext cx="656509" cy="1073089"/>
+            <a:off x="2224420" y="836214"/>
+            <a:ext cx="2155379" cy="1577365"/>
+            <a:chOff x="4218320" y="5130485"/>
+            <a:chExt cx="2155379" cy="1577365"/>
           </a:xfrm>
-          <a:prstGeom prst="roundRect">
-            <a:avLst>
-              <a:gd name="adj" fmla="val 16667"/>
-            </a:avLst>
-          </a:prstGeom>
-          <a:noFill/>
-          <a:ln>
-            <a:solidFill>
-              <a:schemeClr val="accent4">
-                <a:lumMod val="75000"/>
-              </a:schemeClr>
-            </a:solidFill>
-            <a:headEnd/>
-            <a:tailEnd/>
-          </a:ln>
-        </p:spPr>
-        <p:style>
-          <a:lnRef idx="2">
-            <a:schemeClr val="accent2"/>
-          </a:lnRef>
-          <a:fillRef idx="1">
-            <a:schemeClr val="lt1"/>
-          </a:fillRef>
-          <a:effectRef idx="0">
-            <a:schemeClr val="accent2"/>
-          </a:effectRef>
-          <a:fontRef idx="minor">
-            <a:schemeClr val="dk1"/>
-          </a:fontRef>
-        </p:style>
-        <p:txBody>
-          <a:bodyPr lIns="0" tIns="0" rIns="0" bIns="0" anchor="ctr"/>
-          <a:lstStyle/>
-          <a:p>
-            <a:pPr algn="ctr">
-              <a:lnSpc>
-                <a:spcPct val="80000"/>
-              </a:lnSpc>
-              <a:spcBef>
-                <a:spcPts val="1200"/>
-              </a:spcBef>
-              <a:defRPr/>
-            </a:pPr>
-            <a:endParaRPr lang="en-US" sz="2000" dirty="0">
-              <a:solidFill>
-                <a:srgbClr val="000000"/>
-              </a:solidFill>
-              <a:cs typeface="Calibri" charset="0"/>
-            </a:endParaRPr>
-          </a:p>
-        </p:txBody>
-      </p:sp>
-      <p:cxnSp>
-        <p:nvCxnSpPr>
-          <p:cNvPr id="17" name="Straight Arrow Connector 16"/>
-          <p:cNvCxnSpPr/>
-          <p:nvPr/>
-        </p:nvCxnSpPr>
-        <p:spPr>
-          <a:xfrm flipV="1">
-            <a:off x="6515100" y="2920998"/>
-            <a:ext cx="596900" cy="571624"/>
-          </a:xfrm>
-          <a:prstGeom prst="straightConnector1">
-            <a:avLst/>
-          </a:prstGeom>
-          <a:ln>
-            <a:solidFill>
-              <a:schemeClr val="accent4">
-                <a:lumMod val="75000"/>
-              </a:schemeClr>
-            </a:solidFill>
-            <a:tailEnd type="arrow"/>
-          </a:ln>
-          <a:effectLst/>
-        </p:spPr>
-        <p:style>
-          <a:lnRef idx="2">
-            <a:schemeClr val="accent1"/>
-          </a:lnRef>
-          <a:fillRef idx="0">
-            <a:schemeClr val="accent1"/>
-          </a:fillRef>
-          <a:effectRef idx="1">
-            <a:schemeClr val="accent1"/>
-          </a:effectRef>
-          <a:fontRef idx="minor">
-            <a:schemeClr val="tx1"/>
-          </a:fontRef>
-        </p:style>
-      </p:cxnSp>
+        </p:grpSpPr>
+        <p:pic>
+          <p:nvPicPr>
+            <p:cNvPr id="36" name="Picture 35"/>
+            <p:cNvPicPr>
+              <a:picLocks noChangeAspect="1"/>
+            </p:cNvPicPr>
+            <p:nvPr/>
+          </p:nvPicPr>
+          <p:blipFill rotWithShape="1">
+            <a:blip r:embed="rId2"/>
+            <a:srcRect l="55317" t="23484" r="21111" b="29520"/>
+            <a:stretch/>
+          </p:blipFill>
+          <p:spPr>
+            <a:xfrm>
+              <a:off x="4218320" y="5130485"/>
+              <a:ext cx="2155379" cy="1231901"/>
+            </a:xfrm>
+            <a:prstGeom prst="rect">
+              <a:avLst/>
+            </a:prstGeom>
+          </p:spPr>
+        </p:pic>
+        <p:pic>
+          <p:nvPicPr>
+            <p:cNvPr id="9" name="Picture 8" descr="latex-image-1.pdf"/>
+            <p:cNvPicPr>
+              <a:picLocks noChangeAspect="1"/>
+            </p:cNvPicPr>
+            <p:nvPr/>
+          </p:nvPicPr>
+          <p:blipFill>
+            <a:blip r:embed="rId3">
+              <a:extLst>
+                <a:ext uri="{28A0092B-C50C-407E-A947-70E740481C1C}">
+                  <a14:useLocalDpi xmlns:a14="http://schemas.microsoft.com/office/drawing/2010/main" val="0"/>
+                </a:ext>
+              </a:extLst>
+            </a:blip>
+            <a:stretch>
+              <a:fillRect/>
+            </a:stretch>
+          </p:blipFill>
+          <p:spPr>
+            <a:xfrm>
+              <a:off x="4787900" y="6419851"/>
+              <a:ext cx="170666" cy="287999"/>
+            </a:xfrm>
+            <a:prstGeom prst="rect">
+              <a:avLst/>
+            </a:prstGeom>
+          </p:spPr>
+        </p:pic>
+      </p:grpSp>
     </p:spTree>
     <p:extLst>
       <p:ext uri="{BB962C8B-B14F-4D97-AF65-F5344CB8AC3E}">
-        <p14:creationId xmlns:p14="http://schemas.microsoft.com/office/powerpoint/2010/main" val="2511578761"/>
+        <p14:creationId xmlns:p14="http://schemas.microsoft.com/office/powerpoint/2010/main" val="1495234701"/>
       </p:ext>
     </p:extLst>
   </p:cSld>
@@ -6168,7 +7186,7 @@
         </p:nvGrpSpPr>
         <p:grpSpPr>
           <a:xfrm>
-            <a:off x="342900" y="2197100"/>
+            <a:off x="342900" y="1892300"/>
             <a:ext cx="8077200" cy="3835400"/>
             <a:chOff x="342900" y="2197100"/>
             <a:chExt cx="8077200" cy="3835400"/>
@@ -6461,10 +7479,850 @@
           </p:spPr>
         </p:pic>
       </p:grpSp>
+      <p:pic>
+        <p:nvPicPr>
+          <p:cNvPr id="4" name="Picture 3" descr="latex-image-1.pdf"/>
+          <p:cNvPicPr>
+            <a:picLocks noChangeAspect="1"/>
+          </p:cNvPicPr>
+          <p:nvPr/>
+        </p:nvPicPr>
+        <p:blipFill>
+          <a:blip r:embed="rId3">
+            <a:extLst>
+              <a:ext uri="{28A0092B-C50C-407E-A947-70E740481C1C}">
+                <a14:useLocalDpi xmlns:a14="http://schemas.microsoft.com/office/drawing/2010/main" val="0"/>
+              </a:ext>
+            </a:extLst>
+          </a:blip>
+          <a:stretch>
+            <a:fillRect/>
+          </a:stretch>
+        </p:blipFill>
+        <p:spPr>
+          <a:xfrm>
+            <a:off x="495300" y="1022350"/>
+            <a:ext cx="4724400" cy="469900"/>
+          </a:xfrm>
+          <a:prstGeom prst="rect">
+            <a:avLst/>
+          </a:prstGeom>
+        </p:spPr>
+      </p:pic>
+      <p:pic>
+        <p:nvPicPr>
+          <p:cNvPr id="15" name="Picture 14"/>
+          <p:cNvPicPr>
+            <a:picLocks noChangeAspect="1"/>
+          </p:cNvPicPr>
+          <p:nvPr/>
+        </p:nvPicPr>
+        <p:blipFill>
+          <a:blip r:embed="rId4"/>
+          <a:stretch>
+            <a:fillRect/>
+          </a:stretch>
+        </p:blipFill>
+        <p:spPr>
+          <a:xfrm>
+            <a:off x="1368893" y="5969638"/>
+            <a:ext cx="2977214" cy="583562"/>
+          </a:xfrm>
+          <a:prstGeom prst="rect">
+            <a:avLst/>
+          </a:prstGeom>
+        </p:spPr>
+      </p:pic>
     </p:spTree>
     <p:extLst>
       <p:ext uri="{BB962C8B-B14F-4D97-AF65-F5344CB8AC3E}">
         <p14:creationId xmlns:p14="http://schemas.microsoft.com/office/powerpoint/2010/main" val="140777583"/>
+      </p:ext>
+    </p:extLst>
+  </p:cSld>
+  <p:clrMapOvr>
+    <a:masterClrMapping/>
+  </p:clrMapOvr>
+  <p:timing>
+    <p:tnLst>
+      <p:par>
+        <p:cTn xmlns:p14="http://schemas.microsoft.com/office/powerpoint/2010/main" id="1" dur="indefinite" restart="never" nodeType="tmRoot"/>
+      </p:par>
+    </p:tnLst>
+  </p:timing>
+</p:sld>
+</file>
+
+<file path=ppt/slides/slide8.xml><?xml version="1.0" encoding="utf-8"?>
+<p:sld xmlns:a="http://schemas.openxmlformats.org/drawingml/2006/main" xmlns:r="http://schemas.openxmlformats.org/officeDocument/2006/relationships" xmlns:p="http://schemas.openxmlformats.org/presentationml/2006/main">
+  <p:cSld>
+    <p:spTree>
+      <p:nvGrpSpPr>
+        <p:cNvPr id="1" name=""/>
+        <p:cNvGrpSpPr/>
+        <p:nvPr/>
+      </p:nvGrpSpPr>
+      <p:grpSpPr>
+        <a:xfrm>
+          <a:off x="0" y="0"/>
+          <a:ext cx="0" cy="0"/>
+          <a:chOff x="0" y="0"/>
+          <a:chExt cx="0" cy="0"/>
+        </a:xfrm>
+      </p:grpSpPr>
+      <p:pic>
+        <p:nvPicPr>
+          <p:cNvPr id="2" name="Picture 1"/>
+          <p:cNvPicPr>
+            <a:picLocks noChangeAspect="1"/>
+          </p:cNvPicPr>
+          <p:nvPr/>
+        </p:nvPicPr>
+        <p:blipFill rotWithShape="1">
+          <a:blip r:embed="rId2"/>
+          <a:srcRect l="26250" t="23484"/>
+          <a:stretch/>
+        </p:blipFill>
+        <p:spPr>
+          <a:xfrm>
+            <a:off x="2400300" y="1244599"/>
+            <a:ext cx="6743700" cy="2005703"/>
+          </a:xfrm>
+          <a:prstGeom prst="rect">
+            <a:avLst/>
+          </a:prstGeom>
+        </p:spPr>
+      </p:pic>
+      <p:sp>
+        <p:nvSpPr>
+          <p:cNvPr id="4" name="AutoShape 4"/>
+          <p:cNvSpPr>
+            <a:spLocks/>
+          </p:cNvSpPr>
+          <p:nvPr/>
+        </p:nvSpPr>
+        <p:spPr bwMode="auto">
+          <a:xfrm>
+            <a:off x="3509091" y="3492622"/>
+            <a:ext cx="3718702" cy="812285"/>
+          </a:xfrm>
+          <a:prstGeom prst="roundRect">
+            <a:avLst>
+              <a:gd name="adj" fmla="val 16667"/>
+            </a:avLst>
+          </a:prstGeom>
+          <a:noFill/>
+          <a:ln>
+            <a:solidFill>
+              <a:schemeClr val="accent4">
+                <a:lumMod val="75000"/>
+              </a:schemeClr>
+            </a:solidFill>
+            <a:headEnd/>
+            <a:tailEnd/>
+          </a:ln>
+        </p:spPr>
+        <p:style>
+          <a:lnRef idx="2">
+            <a:schemeClr val="accent2"/>
+          </a:lnRef>
+          <a:fillRef idx="1">
+            <a:schemeClr val="lt1"/>
+          </a:fillRef>
+          <a:effectRef idx="0">
+            <a:schemeClr val="accent2"/>
+          </a:effectRef>
+          <a:fontRef idx="minor">
+            <a:schemeClr val="dk1"/>
+          </a:fontRef>
+        </p:style>
+        <p:txBody>
+          <a:bodyPr lIns="0" tIns="0" rIns="0" bIns="0" anchor="ctr"/>
+          <a:lstStyle/>
+          <a:p>
+            <a:pPr algn="ctr">
+              <a:lnSpc>
+                <a:spcPct val="80000"/>
+              </a:lnSpc>
+              <a:spcBef>
+                <a:spcPts val="1200"/>
+              </a:spcBef>
+              <a:defRPr/>
+            </a:pPr>
+            <a:r>
+              <a:rPr lang="en-US" sz="2000" dirty="0" smtClean="0">
+                <a:solidFill>
+                  <a:srgbClr val="000000"/>
+                </a:solidFill>
+                <a:cs typeface="Calibri" charset="0"/>
+              </a:rPr>
+              <a:t>These are </a:t>
+            </a:r>
+            <a:r>
+              <a:rPr lang="en-US" sz="2000" b="1" dirty="0" smtClean="0">
+                <a:solidFill>
+                  <a:srgbClr val="000000"/>
+                </a:solidFill>
+                <a:cs typeface="Calibri" charset="0"/>
+              </a:rPr>
+              <a:t>NOT</a:t>
+            </a:r>
+            <a:r>
+              <a:rPr lang="en-US" sz="2000" dirty="0" smtClean="0">
+                <a:solidFill>
+                  <a:srgbClr val="000000"/>
+                </a:solidFill>
+                <a:cs typeface="Calibri" charset="0"/>
+              </a:rPr>
+              <a:t> </a:t>
+            </a:r>
+            <a:r>
+              <a:rPr lang="en-US" sz="2000" b="1" dirty="0" smtClean="0">
+                <a:solidFill>
+                  <a:srgbClr val="000000"/>
+                </a:solidFill>
+                <a:cs typeface="Calibri" charset="0"/>
+              </a:rPr>
+              <a:t>population</a:t>
+            </a:r>
+            <a:r>
+              <a:rPr lang="en-US" sz="2000" dirty="0" smtClean="0">
+                <a:solidFill>
+                  <a:srgbClr val="000000"/>
+                </a:solidFill>
+                <a:cs typeface="Calibri" charset="0"/>
+              </a:rPr>
+              <a:t> </a:t>
+            </a:r>
+            <a:r>
+              <a:rPr lang="en-US" sz="2000" b="1" dirty="0" smtClean="0">
+                <a:solidFill>
+                  <a:srgbClr val="000000"/>
+                </a:solidFill>
+                <a:cs typeface="Calibri" charset="0"/>
+              </a:rPr>
+              <a:t>means</a:t>
+            </a:r>
+            <a:endParaRPr lang="en-US" sz="2000" b="1" dirty="0">
+              <a:solidFill>
+                <a:srgbClr val="000000"/>
+              </a:solidFill>
+              <a:cs typeface="Calibri" charset="0"/>
+            </a:endParaRPr>
+          </a:p>
+          <a:p>
+            <a:pPr algn="ctr">
+              <a:lnSpc>
+                <a:spcPct val="80000"/>
+              </a:lnSpc>
+              <a:spcBef>
+                <a:spcPts val="1200"/>
+              </a:spcBef>
+              <a:defRPr/>
+            </a:pPr>
+            <a:r>
+              <a:rPr lang="en-US" sz="2000" dirty="0" smtClean="0">
+                <a:solidFill>
+                  <a:srgbClr val="000000"/>
+                </a:solidFill>
+                <a:cs typeface="Calibri" charset="0"/>
+              </a:rPr>
+              <a:t>These are </a:t>
+            </a:r>
+            <a:r>
+              <a:rPr lang="en-US" sz="2000" b="1" dirty="0" smtClean="0">
+                <a:solidFill>
+                  <a:srgbClr val="000000"/>
+                </a:solidFill>
+                <a:cs typeface="Calibri" charset="0"/>
+              </a:rPr>
+              <a:t>differences of means</a:t>
+            </a:r>
+            <a:endParaRPr lang="en-US" sz="2000" dirty="0">
+              <a:solidFill>
+                <a:srgbClr val="000000"/>
+              </a:solidFill>
+              <a:cs typeface="Calibri" charset="0"/>
+            </a:endParaRPr>
+          </a:p>
+        </p:txBody>
+      </p:sp>
+      <p:cxnSp>
+        <p:nvCxnSpPr>
+          <p:cNvPr id="8" name="Straight Arrow Connector 7"/>
+          <p:cNvCxnSpPr/>
+          <p:nvPr/>
+        </p:nvCxnSpPr>
+        <p:spPr>
+          <a:xfrm flipH="1" flipV="1">
+            <a:off x="3056809" y="2964490"/>
+            <a:ext cx="685800" cy="528132"/>
+          </a:xfrm>
+          <a:prstGeom prst="straightConnector1">
+            <a:avLst/>
+          </a:prstGeom>
+          <a:ln>
+            <a:solidFill>
+              <a:schemeClr val="accent4">
+                <a:lumMod val="75000"/>
+              </a:schemeClr>
+            </a:solidFill>
+            <a:tailEnd type="arrow"/>
+          </a:ln>
+          <a:effectLst/>
+        </p:spPr>
+        <p:style>
+          <a:lnRef idx="2">
+            <a:schemeClr val="accent1"/>
+          </a:lnRef>
+          <a:fillRef idx="0">
+            <a:schemeClr val="accent1"/>
+          </a:fillRef>
+          <a:effectRef idx="1">
+            <a:schemeClr val="accent1"/>
+          </a:effectRef>
+          <a:fontRef idx="minor">
+            <a:schemeClr val="tx1"/>
+          </a:fontRef>
+        </p:style>
+      </p:cxnSp>
+      <p:sp>
+        <p:nvSpPr>
+          <p:cNvPr id="26" name="Slide Number Placeholder 3"/>
+          <p:cNvSpPr>
+            <a:spLocks noGrp="1"/>
+          </p:cNvSpPr>
+          <p:nvPr>
+            <p:ph type="sldNum" sz="quarter" idx="12"/>
+          </p:nvPr>
+        </p:nvSpPr>
+        <p:spPr>
+          <a:xfrm>
+            <a:off x="6971376" y="6383962"/>
+            <a:ext cx="2133600" cy="365125"/>
+          </a:xfrm>
+        </p:spPr>
+        <p:txBody>
+          <a:bodyPr/>
+          <a:lstStyle/>
+          <a:p>
+            <a:fld id="{49BD1116-E595-0441-9E16-904497140103}" type="slidenum">
+              <a:rPr lang="en-US" smtClean="0"/>
+              <a:t>8</a:t>
+            </a:fld>
+            <a:endParaRPr lang="en-US"/>
+          </a:p>
+        </p:txBody>
+      </p:sp>
+      <p:sp>
+        <p:nvSpPr>
+          <p:cNvPr id="14" name="AutoShape 4"/>
+          <p:cNvSpPr>
+            <a:spLocks/>
+          </p:cNvSpPr>
+          <p:nvPr/>
+        </p:nvSpPr>
+        <p:spPr bwMode="auto">
+          <a:xfrm>
+            <a:off x="2400300" y="1962211"/>
+            <a:ext cx="656509" cy="1073089"/>
+          </a:xfrm>
+          <a:prstGeom prst="roundRect">
+            <a:avLst>
+              <a:gd name="adj" fmla="val 16667"/>
+            </a:avLst>
+          </a:prstGeom>
+          <a:noFill/>
+          <a:ln>
+            <a:solidFill>
+              <a:schemeClr val="accent4">
+                <a:lumMod val="75000"/>
+              </a:schemeClr>
+            </a:solidFill>
+            <a:headEnd/>
+            <a:tailEnd/>
+          </a:ln>
+        </p:spPr>
+        <p:style>
+          <a:lnRef idx="2">
+            <a:schemeClr val="accent2"/>
+          </a:lnRef>
+          <a:fillRef idx="1">
+            <a:schemeClr val="lt1"/>
+          </a:fillRef>
+          <a:effectRef idx="0">
+            <a:schemeClr val="accent2"/>
+          </a:effectRef>
+          <a:fontRef idx="minor">
+            <a:schemeClr val="dk1"/>
+          </a:fontRef>
+        </p:style>
+        <p:txBody>
+          <a:bodyPr lIns="0" tIns="0" rIns="0" bIns="0" anchor="ctr"/>
+          <a:lstStyle/>
+          <a:p>
+            <a:pPr algn="ctr">
+              <a:lnSpc>
+                <a:spcPct val="80000"/>
+              </a:lnSpc>
+              <a:spcBef>
+                <a:spcPts val="1200"/>
+              </a:spcBef>
+              <a:defRPr/>
+            </a:pPr>
+            <a:endParaRPr lang="en-US" sz="2000" dirty="0">
+              <a:solidFill>
+                <a:srgbClr val="000000"/>
+              </a:solidFill>
+              <a:cs typeface="Calibri" charset="0"/>
+            </a:endParaRPr>
+          </a:p>
+        </p:txBody>
+      </p:sp>
+      <p:cxnSp>
+        <p:nvCxnSpPr>
+          <p:cNvPr id="17" name="Straight Arrow Connector 16"/>
+          <p:cNvCxnSpPr/>
+          <p:nvPr/>
+        </p:nvCxnSpPr>
+        <p:spPr>
+          <a:xfrm flipV="1">
+            <a:off x="6515100" y="2920998"/>
+            <a:ext cx="596900" cy="571624"/>
+          </a:xfrm>
+          <a:prstGeom prst="straightConnector1">
+            <a:avLst/>
+          </a:prstGeom>
+          <a:ln>
+            <a:solidFill>
+              <a:schemeClr val="accent4">
+                <a:lumMod val="75000"/>
+              </a:schemeClr>
+            </a:solidFill>
+            <a:tailEnd type="arrow"/>
+          </a:ln>
+          <a:effectLst/>
+        </p:spPr>
+        <p:style>
+          <a:lnRef idx="2">
+            <a:schemeClr val="accent1"/>
+          </a:lnRef>
+          <a:fillRef idx="0">
+            <a:schemeClr val="accent1"/>
+          </a:fillRef>
+          <a:effectRef idx="1">
+            <a:schemeClr val="accent1"/>
+          </a:effectRef>
+          <a:fontRef idx="minor">
+            <a:schemeClr val="tx1"/>
+          </a:fontRef>
+        </p:style>
+      </p:cxnSp>
+    </p:spTree>
+    <p:extLst>
+      <p:ext uri="{BB962C8B-B14F-4D97-AF65-F5344CB8AC3E}">
+        <p14:creationId xmlns:p14="http://schemas.microsoft.com/office/powerpoint/2010/main" val="2511578761"/>
+      </p:ext>
+    </p:extLst>
+  </p:cSld>
+  <p:clrMapOvr>
+    <a:masterClrMapping/>
+  </p:clrMapOvr>
+  <p:timing>
+    <p:tnLst>
+      <p:par>
+        <p:cTn xmlns:p14="http://schemas.microsoft.com/office/powerpoint/2010/main" id="1" dur="indefinite" restart="never" nodeType="tmRoot"/>
+      </p:par>
+    </p:tnLst>
+  </p:timing>
+</p:sld>
+</file>
+
+<file path=ppt/slides/slide9.xml><?xml version="1.0" encoding="utf-8"?>
+<p:sld xmlns:a="http://schemas.openxmlformats.org/drawingml/2006/main" xmlns:r="http://schemas.openxmlformats.org/officeDocument/2006/relationships" xmlns:p="http://schemas.openxmlformats.org/presentationml/2006/main">
+  <p:cSld>
+    <p:spTree>
+      <p:nvGrpSpPr>
+        <p:cNvPr id="1" name=""/>
+        <p:cNvGrpSpPr/>
+        <p:nvPr/>
+      </p:nvGrpSpPr>
+      <p:grpSpPr>
+        <a:xfrm>
+          <a:off x="0" y="0"/>
+          <a:ext cx="0" cy="0"/>
+          <a:chOff x="0" y="0"/>
+          <a:chExt cx="0" cy="0"/>
+        </a:xfrm>
+      </p:grpSpPr>
+      <p:pic>
+        <p:nvPicPr>
+          <p:cNvPr id="2" name="Picture 1" descr="slide32.png"/>
+          <p:cNvPicPr>
+            <a:picLocks noChangeAspect="1"/>
+          </p:cNvPicPr>
+          <p:nvPr/>
+        </p:nvPicPr>
+        <p:blipFill>
+          <a:blip r:embed="rId2">
+            <a:extLst>
+              <a:ext uri="{28A0092B-C50C-407E-A947-70E740481C1C}">
+                <a14:useLocalDpi xmlns:a14="http://schemas.microsoft.com/office/drawing/2010/main" val="0"/>
+              </a:ext>
+            </a:extLst>
+          </a:blip>
+          <a:stretch>
+            <a:fillRect/>
+          </a:stretch>
+        </p:blipFill>
+        <p:spPr>
+          <a:xfrm>
+            <a:off x="0" y="1218512"/>
+            <a:ext cx="9144000" cy="3277977"/>
+          </a:xfrm>
+          <a:prstGeom prst="rect">
+            <a:avLst/>
+          </a:prstGeom>
+        </p:spPr>
+      </p:pic>
+      <p:sp>
+        <p:nvSpPr>
+          <p:cNvPr id="3" name="Rectangle 2"/>
+          <p:cNvSpPr/>
+          <p:nvPr/>
+        </p:nvSpPr>
+        <p:spPr>
+          <a:xfrm>
+            <a:off x="1104900" y="1206500"/>
+            <a:ext cx="2667000" cy="647012"/>
+          </a:xfrm>
+          <a:prstGeom prst="rect">
+            <a:avLst/>
+          </a:prstGeom>
+          <a:solidFill>
+            <a:schemeClr val="bg1"/>
+          </a:solidFill>
+          <a:ln>
+            <a:noFill/>
+          </a:ln>
+          <a:effectLst/>
+        </p:spPr>
+        <p:style>
+          <a:lnRef idx="1">
+            <a:schemeClr val="accent1"/>
+          </a:lnRef>
+          <a:fillRef idx="3">
+            <a:schemeClr val="accent1"/>
+          </a:fillRef>
+          <a:effectRef idx="2">
+            <a:schemeClr val="accent1"/>
+          </a:effectRef>
+          <a:fontRef idx="minor">
+            <a:schemeClr val="lt1"/>
+          </a:fontRef>
+        </p:style>
+        <p:txBody>
+          <a:bodyPr rtlCol="0" anchor="ctr"/>
+          <a:lstStyle/>
+          <a:p>
+            <a:pPr algn="ctr"/>
+            <a:endParaRPr lang="en-US" sz="2000" b="1" dirty="0" smtClean="0">
+              <a:solidFill>
+                <a:schemeClr val="tx1"/>
+              </a:solidFill>
+            </a:endParaRPr>
+          </a:p>
+          <a:p>
+            <a:pPr algn="ctr"/>
+            <a:r>
+              <a:rPr lang="en-US" sz="2000" b="1" dirty="0" smtClean="0">
+                <a:solidFill>
+                  <a:schemeClr val="tx1"/>
+                </a:solidFill>
+              </a:rPr>
+              <a:t>Two-way ANOVA</a:t>
+            </a:r>
+            <a:endParaRPr lang="en-US" sz="2000" b="1" dirty="0">
+              <a:solidFill>
+                <a:schemeClr val="tx1"/>
+              </a:solidFill>
+            </a:endParaRPr>
+          </a:p>
+        </p:txBody>
+      </p:sp>
+      <p:sp>
+        <p:nvSpPr>
+          <p:cNvPr id="4" name="Rectangle 3"/>
+          <p:cNvSpPr/>
+          <p:nvPr/>
+        </p:nvSpPr>
+        <p:spPr>
+          <a:xfrm>
+            <a:off x="4876800" y="1225206"/>
+            <a:ext cx="3822700" cy="647012"/>
+          </a:xfrm>
+          <a:prstGeom prst="rect">
+            <a:avLst/>
+          </a:prstGeom>
+          <a:solidFill>
+            <a:schemeClr val="bg1"/>
+          </a:solidFill>
+          <a:ln>
+            <a:noFill/>
+          </a:ln>
+          <a:effectLst/>
+        </p:spPr>
+        <p:style>
+          <a:lnRef idx="1">
+            <a:schemeClr val="accent1"/>
+          </a:lnRef>
+          <a:fillRef idx="3">
+            <a:schemeClr val="accent1"/>
+          </a:fillRef>
+          <a:effectRef idx="2">
+            <a:schemeClr val="accent1"/>
+          </a:effectRef>
+          <a:fontRef idx="minor">
+            <a:schemeClr val="lt1"/>
+          </a:fontRef>
+        </p:style>
+        <p:txBody>
+          <a:bodyPr rtlCol="0" anchor="ctr"/>
+          <a:lstStyle/>
+          <a:p>
+            <a:pPr algn="ctr"/>
+            <a:endParaRPr lang="en-US" sz="2000" b="1" dirty="0" smtClean="0">
+              <a:solidFill>
+                <a:schemeClr val="tx1"/>
+              </a:solidFill>
+            </a:endParaRPr>
+          </a:p>
+          <a:p>
+            <a:pPr algn="ctr"/>
+            <a:r>
+              <a:rPr lang="en-US" sz="2000" b="1" dirty="0" smtClean="0">
+                <a:solidFill>
+                  <a:schemeClr val="tx1"/>
+                </a:solidFill>
+              </a:rPr>
+              <a:t>One-way ANOVA </a:t>
+            </a:r>
+            <a:r>
+              <a:rPr lang="mr-IN" sz="2000" b="1" dirty="0" smtClean="0">
+                <a:solidFill>
+                  <a:schemeClr val="tx1"/>
+                </a:solidFill>
+              </a:rPr>
+              <a:t>–</a:t>
+            </a:r>
+            <a:r>
+              <a:rPr lang="en-US" sz="2000" b="1" dirty="0" smtClean="0">
+                <a:solidFill>
+                  <a:schemeClr val="tx1"/>
+                </a:solidFill>
+              </a:rPr>
+              <a:t> “4 groups”</a:t>
+            </a:r>
+            <a:endParaRPr lang="en-US" sz="2000" b="1" dirty="0">
+              <a:solidFill>
+                <a:schemeClr val="tx1"/>
+              </a:solidFill>
+            </a:endParaRPr>
+          </a:p>
+        </p:txBody>
+      </p:sp>
+      <p:sp>
+        <p:nvSpPr>
+          <p:cNvPr id="5" name="Rectangle 4"/>
+          <p:cNvSpPr/>
+          <p:nvPr/>
+        </p:nvSpPr>
+        <p:spPr>
+          <a:xfrm>
+            <a:off x="1130300" y="3929616"/>
+            <a:ext cx="2667000" cy="223284"/>
+          </a:xfrm>
+          <a:prstGeom prst="rect">
+            <a:avLst/>
+          </a:prstGeom>
+          <a:solidFill>
+            <a:schemeClr val="bg1"/>
+          </a:solidFill>
+          <a:ln>
+            <a:noFill/>
+          </a:ln>
+          <a:effectLst/>
+        </p:spPr>
+        <p:style>
+          <a:lnRef idx="1">
+            <a:schemeClr val="accent1"/>
+          </a:lnRef>
+          <a:fillRef idx="3">
+            <a:schemeClr val="accent1"/>
+          </a:fillRef>
+          <a:effectRef idx="2">
+            <a:schemeClr val="accent1"/>
+          </a:effectRef>
+          <a:fontRef idx="minor">
+            <a:schemeClr val="lt1"/>
+          </a:fontRef>
+        </p:style>
+        <p:txBody>
+          <a:bodyPr rtlCol="0" anchor="ctr"/>
+          <a:lstStyle/>
+          <a:p>
+            <a:pPr algn="ctr"/>
+            <a:r>
+              <a:rPr lang="en-US" sz="1200" dirty="0" smtClean="0">
+                <a:solidFill>
+                  <a:schemeClr val="tx1"/>
+                </a:solidFill>
+              </a:rPr>
+              <a:t>E16                                                4W</a:t>
+            </a:r>
+            <a:endParaRPr lang="en-US" sz="1200" dirty="0">
+              <a:solidFill>
+                <a:schemeClr val="tx1"/>
+              </a:solidFill>
+            </a:endParaRPr>
+          </a:p>
+        </p:txBody>
+      </p:sp>
+      <p:sp>
+        <p:nvSpPr>
+          <p:cNvPr id="6" name="Rectangle 5"/>
+          <p:cNvSpPr/>
+          <p:nvPr/>
+        </p:nvSpPr>
+        <p:spPr>
+          <a:xfrm>
+            <a:off x="4660900" y="3942316"/>
+            <a:ext cx="4622800" cy="223284"/>
+          </a:xfrm>
+          <a:prstGeom prst="rect">
+            <a:avLst/>
+          </a:prstGeom>
+          <a:solidFill>
+            <a:schemeClr val="bg1"/>
+          </a:solidFill>
+          <a:ln>
+            <a:noFill/>
+          </a:ln>
+          <a:effectLst/>
+        </p:spPr>
+        <p:style>
+          <a:lnRef idx="1">
+            <a:schemeClr val="accent1"/>
+          </a:lnRef>
+          <a:fillRef idx="3">
+            <a:schemeClr val="accent1"/>
+          </a:fillRef>
+          <a:effectRef idx="2">
+            <a:schemeClr val="accent1"/>
+          </a:effectRef>
+          <a:fontRef idx="minor">
+            <a:schemeClr val="lt1"/>
+          </a:fontRef>
+        </p:style>
+        <p:txBody>
+          <a:bodyPr rtlCol="0" anchor="ctr"/>
+          <a:lstStyle/>
+          <a:p>
+            <a:pPr algn="ctr"/>
+            <a:r>
+              <a:rPr lang="en-US" sz="1200" dirty="0" smtClean="0">
+                <a:solidFill>
+                  <a:schemeClr val="tx1"/>
+                </a:solidFill>
+              </a:rPr>
+              <a:t>wt_E16            NrlKO_E16          wt_4W          NrlKO_4W</a:t>
+            </a:r>
+            <a:endParaRPr lang="en-US" sz="1200" dirty="0">
+              <a:solidFill>
+                <a:schemeClr val="tx1"/>
+              </a:solidFill>
+            </a:endParaRPr>
+          </a:p>
+        </p:txBody>
+      </p:sp>
+      <p:sp>
+        <p:nvSpPr>
+          <p:cNvPr id="7" name="Rectangle 6"/>
+          <p:cNvSpPr/>
+          <p:nvPr/>
+        </p:nvSpPr>
+        <p:spPr>
+          <a:xfrm flipH="1">
+            <a:off x="3594100" y="1916668"/>
+            <a:ext cx="520700" cy="369332"/>
+          </a:xfrm>
+          <a:prstGeom prst="rect">
+            <a:avLst/>
+          </a:prstGeom>
+        </p:spPr>
+        <p:txBody>
+          <a:bodyPr wrap="square">
+            <a:spAutoFit/>
+          </a:bodyPr>
+          <a:lstStyle/>
+          <a:p>
+            <a:r>
+              <a:rPr lang="en-US" dirty="0" err="1" smtClean="0">
+                <a:solidFill>
+                  <a:schemeClr val="accent1"/>
+                </a:solidFill>
+              </a:rPr>
+              <a:t>wt</a:t>
+            </a:r>
+            <a:endParaRPr lang="en-US" dirty="0">
+              <a:solidFill>
+                <a:schemeClr val="accent1"/>
+              </a:solidFill>
+            </a:endParaRPr>
+          </a:p>
+        </p:txBody>
+      </p:sp>
+      <p:sp>
+        <p:nvSpPr>
+          <p:cNvPr id="8" name="Rectangle 7"/>
+          <p:cNvSpPr/>
+          <p:nvPr/>
+        </p:nvSpPr>
+        <p:spPr>
+          <a:xfrm>
+            <a:off x="3594100" y="3479800"/>
+            <a:ext cx="876300" cy="369332"/>
+          </a:xfrm>
+          <a:prstGeom prst="rect">
+            <a:avLst/>
+          </a:prstGeom>
+        </p:spPr>
+        <p:txBody>
+          <a:bodyPr wrap="square">
+            <a:spAutoFit/>
+          </a:bodyPr>
+          <a:lstStyle/>
+          <a:p>
+            <a:r>
+              <a:rPr lang="en-US" dirty="0" err="1" smtClean="0">
+                <a:solidFill>
+                  <a:schemeClr val="accent2"/>
+                </a:solidFill>
+              </a:rPr>
+              <a:t>NrlKO</a:t>
+            </a:r>
+            <a:endParaRPr lang="en-US" dirty="0">
+              <a:solidFill>
+                <a:schemeClr val="accent2"/>
+              </a:solidFill>
+            </a:endParaRPr>
+          </a:p>
+        </p:txBody>
+      </p:sp>
+    </p:spTree>
+    <p:extLst>
+      <p:ext uri="{BB962C8B-B14F-4D97-AF65-F5344CB8AC3E}">
+        <p14:creationId xmlns:p14="http://schemas.microsoft.com/office/powerpoint/2010/main" val="530975246"/>
       </p:ext>
     </p:extLst>
   </p:cSld>

--- a/pics.pptx
+++ b/pics.pptx
@@ -5,7 +5,7 @@
     <p:sldMasterId id="2147483648" r:id="rId1"/>
   </p:sldMasterIdLst>
   <p:notesMasterIdLst>
-    <p:notesMasterId r:id="rId13"/>
+    <p:notesMasterId r:id="rId15"/>
   </p:notesMasterIdLst>
   <p:sldIdLst>
     <p:sldId id="369" r:id="rId2"/>
@@ -17,8 +17,10 @@
     <p:sldId id="373" r:id="rId8"/>
     <p:sldId id="371" r:id="rId9"/>
     <p:sldId id="375" r:id="rId10"/>
-    <p:sldId id="376" r:id="rId11"/>
-    <p:sldId id="377" r:id="rId12"/>
+    <p:sldId id="378" r:id="rId11"/>
+    <p:sldId id="379" r:id="rId12"/>
+    <p:sldId id="376" r:id="rId13"/>
+    <p:sldId id="377" r:id="rId14"/>
   </p:sldIdLst>
   <p:sldSz cx="9144000" cy="6858000" type="screen4x3"/>
   <p:notesSz cx="6858000" cy="9144000"/>
@@ -202,7 +204,7 @@
           <a:p>
             <a:fld id="{5CC76A62-000D-E547-83B7-E179CCF7BF20}" type="datetimeFigureOut">
               <a:rPr lang="en-US" smtClean="0"/>
-              <a:t>19-10-08</a:t>
+              <a:t>19-10-10</a:t>
             </a:fld>
             <a:endParaRPr lang="en-US"/>
           </a:p>
@@ -651,7 +653,7 @@
           <a:p>
             <a:fld id="{F4DACB02-0458-E443-991A-BACE49840B4F}" type="datetimeFigureOut">
               <a:rPr lang="en-US" smtClean="0"/>
-              <a:t>19-10-08</a:t>
+              <a:t>19-10-10</a:t>
             </a:fld>
             <a:endParaRPr lang="en-US"/>
           </a:p>
@@ -821,7 +823,7 @@
           <a:p>
             <a:fld id="{F4DACB02-0458-E443-991A-BACE49840B4F}" type="datetimeFigureOut">
               <a:rPr lang="en-US" smtClean="0"/>
-              <a:t>19-10-08</a:t>
+              <a:t>19-10-10</a:t>
             </a:fld>
             <a:endParaRPr lang="en-US"/>
           </a:p>
@@ -1001,7 +1003,7 @@
           <a:p>
             <a:fld id="{F4DACB02-0458-E443-991A-BACE49840B4F}" type="datetimeFigureOut">
               <a:rPr lang="en-US" smtClean="0"/>
-              <a:t>19-10-08</a:t>
+              <a:t>19-10-10</a:t>
             </a:fld>
             <a:endParaRPr lang="en-US"/>
           </a:p>
@@ -1171,7 +1173,7 @@
           <a:p>
             <a:fld id="{F4DACB02-0458-E443-991A-BACE49840B4F}" type="datetimeFigureOut">
               <a:rPr lang="en-US" smtClean="0"/>
-              <a:t>19-10-08</a:t>
+              <a:t>19-10-10</a:t>
             </a:fld>
             <a:endParaRPr lang="en-US"/>
           </a:p>
@@ -1417,7 +1419,7 @@
           <a:p>
             <a:fld id="{F4DACB02-0458-E443-991A-BACE49840B4F}" type="datetimeFigureOut">
               <a:rPr lang="en-US" smtClean="0"/>
-              <a:t>19-10-08</a:t>
+              <a:t>19-10-10</a:t>
             </a:fld>
             <a:endParaRPr lang="en-US"/>
           </a:p>
@@ -1705,7 +1707,7 @@
           <a:p>
             <a:fld id="{F4DACB02-0458-E443-991A-BACE49840B4F}" type="datetimeFigureOut">
               <a:rPr lang="en-US" smtClean="0"/>
-              <a:t>19-10-08</a:t>
+              <a:t>19-10-10</a:t>
             </a:fld>
             <a:endParaRPr lang="en-US"/>
           </a:p>
@@ -2127,7 +2129,7 @@
           <a:p>
             <a:fld id="{F4DACB02-0458-E443-991A-BACE49840B4F}" type="datetimeFigureOut">
               <a:rPr lang="en-US" smtClean="0"/>
-              <a:t>19-10-08</a:t>
+              <a:t>19-10-10</a:t>
             </a:fld>
             <a:endParaRPr lang="en-US"/>
           </a:p>
@@ -2245,7 +2247,7 @@
           <a:p>
             <a:fld id="{F4DACB02-0458-E443-991A-BACE49840B4F}" type="datetimeFigureOut">
               <a:rPr lang="en-US" smtClean="0"/>
-              <a:t>19-10-08</a:t>
+              <a:t>19-10-10</a:t>
             </a:fld>
             <a:endParaRPr lang="en-US"/>
           </a:p>
@@ -2340,7 +2342,7 @@
           <a:p>
             <a:fld id="{F4DACB02-0458-E443-991A-BACE49840B4F}" type="datetimeFigureOut">
               <a:rPr lang="en-US" smtClean="0"/>
-              <a:t>19-10-08</a:t>
+              <a:t>19-10-10</a:t>
             </a:fld>
             <a:endParaRPr lang="en-US"/>
           </a:p>
@@ -2617,7 +2619,7 @@
           <a:p>
             <a:fld id="{F4DACB02-0458-E443-991A-BACE49840B4F}" type="datetimeFigureOut">
               <a:rPr lang="en-US" smtClean="0"/>
-              <a:t>19-10-08</a:t>
+              <a:t>19-10-10</a:t>
             </a:fld>
             <a:endParaRPr lang="en-US"/>
           </a:p>
@@ -2870,7 +2872,7 @@
           <a:p>
             <a:fld id="{F4DACB02-0458-E443-991A-BACE49840B4F}" type="datetimeFigureOut">
               <a:rPr lang="en-US" smtClean="0"/>
-              <a:t>19-10-08</a:t>
+              <a:t>19-10-10</a:t>
             </a:fld>
             <a:endParaRPr lang="en-US"/>
           </a:p>
@@ -3083,7 +3085,7 @@
           <a:p>
             <a:fld id="{F4DACB02-0458-E443-991A-BACE49840B4F}" type="datetimeFigureOut">
               <a:rPr lang="en-US" smtClean="0"/>
-              <a:t>19-10-08</a:t>
+              <a:t>19-10-10</a:t>
             </a:fld>
             <a:endParaRPr lang="en-US"/>
           </a:p>
@@ -3600,6 +3602,1842 @@
           <a:chExt cx="0" cy="0"/>
         </a:xfrm>
       </p:grpSpPr>
+      <p:grpSp>
+        <p:nvGrpSpPr>
+          <p:cNvPr id="11" name="Group 10"/>
+          <p:cNvGrpSpPr/>
+          <p:nvPr/>
+        </p:nvGrpSpPr>
+        <p:grpSpPr>
+          <a:xfrm>
+            <a:off x="1574800" y="86095"/>
+            <a:ext cx="7569200" cy="2774953"/>
+            <a:chOff x="1574800" y="670295"/>
+            <a:chExt cx="7569200" cy="2774953"/>
+          </a:xfrm>
+        </p:grpSpPr>
+        <p:grpSp>
+          <p:nvGrpSpPr>
+            <p:cNvPr id="2" name="Group 1"/>
+            <p:cNvGrpSpPr/>
+            <p:nvPr/>
+          </p:nvGrpSpPr>
+          <p:grpSpPr>
+            <a:xfrm>
+              <a:off x="3245867" y="670295"/>
+              <a:ext cx="5898133" cy="2774953"/>
+              <a:chOff x="3245867" y="0"/>
+              <a:chExt cx="5898133" cy="2774953"/>
+            </a:xfrm>
+          </p:grpSpPr>
+          <p:pic>
+            <p:nvPicPr>
+              <p:cNvPr id="3" name="Picture 2"/>
+              <p:cNvPicPr>
+                <a:picLocks noChangeAspect="1"/>
+              </p:cNvPicPr>
+              <p:nvPr/>
+            </p:nvPicPr>
+            <p:blipFill rotWithShape="1">
+              <a:blip r:embed="rId2"/>
+              <a:srcRect l="36806" b="59537"/>
+              <a:stretch/>
+            </p:blipFill>
+            <p:spPr>
+              <a:xfrm>
+                <a:off x="3245867" y="0"/>
+                <a:ext cx="5898133" cy="2774953"/>
+              </a:xfrm>
+              <a:prstGeom prst="rect">
+                <a:avLst/>
+              </a:prstGeom>
+              <a:ln>
+                <a:noFill/>
+              </a:ln>
+              <a:effectLst>
+                <a:softEdge rad="112500"/>
+              </a:effectLst>
+            </p:spPr>
+          </p:pic>
+          <p:cxnSp>
+            <p:nvCxnSpPr>
+              <p:cNvPr id="4" name="Straight Connector 3"/>
+              <p:cNvCxnSpPr/>
+              <p:nvPr/>
+            </p:nvCxnSpPr>
+            <p:spPr>
+              <a:xfrm flipV="1">
+                <a:off x="5011167" y="717898"/>
+                <a:ext cx="1941560" cy="828000"/>
+              </a:xfrm>
+              <a:prstGeom prst="line">
+                <a:avLst/>
+              </a:prstGeom>
+              <a:effectLst/>
+            </p:spPr>
+            <p:style>
+              <a:lnRef idx="2">
+                <a:schemeClr val="accent1"/>
+              </a:lnRef>
+              <a:fillRef idx="0">
+                <a:schemeClr val="accent1"/>
+              </a:fillRef>
+              <a:effectRef idx="1">
+                <a:schemeClr val="accent1"/>
+              </a:effectRef>
+              <a:fontRef idx="minor">
+                <a:schemeClr val="tx1"/>
+              </a:fontRef>
+            </p:style>
+          </p:cxnSp>
+          <p:cxnSp>
+            <p:nvCxnSpPr>
+              <p:cNvPr id="5" name="Straight Connector 4"/>
+              <p:cNvCxnSpPr/>
+              <p:nvPr/>
+            </p:nvCxnSpPr>
+            <p:spPr>
+              <a:xfrm>
+                <a:off x="5024972" y="2015638"/>
+                <a:ext cx="1946486" cy="220891"/>
+              </a:xfrm>
+              <a:prstGeom prst="line">
+                <a:avLst/>
+              </a:prstGeom>
+              <a:ln>
+                <a:solidFill>
+                  <a:schemeClr val="accent2"/>
+                </a:solidFill>
+              </a:ln>
+              <a:effectLst/>
+            </p:spPr>
+            <p:style>
+              <a:lnRef idx="2">
+                <a:schemeClr val="accent1"/>
+              </a:lnRef>
+              <a:fillRef idx="0">
+                <a:schemeClr val="accent1"/>
+              </a:fillRef>
+              <a:effectRef idx="1">
+                <a:schemeClr val="accent1"/>
+              </a:effectRef>
+              <a:fontRef idx="minor">
+                <a:schemeClr val="tx1"/>
+              </a:fontRef>
+            </p:style>
+          </p:cxnSp>
+        </p:grpSp>
+        <p:sp>
+          <p:nvSpPr>
+            <p:cNvPr id="6" name="Oval 5"/>
+            <p:cNvSpPr/>
+            <p:nvPr/>
+          </p:nvSpPr>
+          <p:spPr>
+            <a:xfrm>
+              <a:off x="7330930" y="2022912"/>
+              <a:ext cx="772528" cy="386561"/>
+            </a:xfrm>
+            <a:prstGeom prst="ellipse">
+              <a:avLst/>
+            </a:prstGeom>
+            <a:noFill/>
+            <a:ln w="28575" cmpd="sng"/>
+            <a:effectLst/>
+          </p:spPr>
+          <p:style>
+            <a:lnRef idx="2">
+              <a:schemeClr val="accent4"/>
+            </a:lnRef>
+            <a:fillRef idx="1">
+              <a:schemeClr val="lt1"/>
+            </a:fillRef>
+            <a:effectRef idx="0">
+              <a:schemeClr val="accent4"/>
+            </a:effectRef>
+            <a:fontRef idx="minor">
+              <a:schemeClr val="dk1"/>
+            </a:fontRef>
+          </p:style>
+          <p:txBody>
+            <a:bodyPr rtlCol="0" anchor="ctr"/>
+            <a:lstStyle/>
+            <a:p>
+              <a:pPr algn="ctr"/>
+              <a:endParaRPr lang="en-US"/>
+            </a:p>
+          </p:txBody>
+        </p:sp>
+        <p:sp>
+          <p:nvSpPr>
+            <p:cNvPr id="7" name="Oval 6"/>
+            <p:cNvSpPr/>
+            <p:nvPr/>
+          </p:nvSpPr>
+          <p:spPr>
+            <a:xfrm>
+              <a:off x="4873117" y="2022912"/>
+              <a:ext cx="414146" cy="386561"/>
+            </a:xfrm>
+            <a:prstGeom prst="ellipse">
+              <a:avLst/>
+            </a:prstGeom>
+            <a:noFill/>
+            <a:ln w="28575" cmpd="sng"/>
+            <a:effectLst/>
+          </p:spPr>
+          <p:style>
+            <a:lnRef idx="2">
+              <a:schemeClr val="accent4"/>
+            </a:lnRef>
+            <a:fillRef idx="1">
+              <a:schemeClr val="lt1"/>
+            </a:fillRef>
+            <a:effectRef idx="0">
+              <a:schemeClr val="accent4"/>
+            </a:effectRef>
+            <a:fontRef idx="minor">
+              <a:schemeClr val="dk1"/>
+            </a:fontRef>
+          </p:style>
+          <p:txBody>
+            <a:bodyPr rtlCol="0" anchor="ctr"/>
+            <a:lstStyle/>
+            <a:p>
+              <a:pPr algn="ctr"/>
+              <a:endParaRPr lang="en-US"/>
+            </a:p>
+          </p:txBody>
+        </p:sp>
+        <p:sp>
+          <p:nvSpPr>
+            <p:cNvPr id="8" name="Rectangle 7"/>
+            <p:cNvSpPr/>
+            <p:nvPr/>
+          </p:nvSpPr>
+          <p:spPr>
+            <a:xfrm>
+              <a:off x="1663700" y="670295"/>
+              <a:ext cx="1219200" cy="472705"/>
+            </a:xfrm>
+            <a:prstGeom prst="rect">
+              <a:avLst/>
+            </a:prstGeom>
+            <a:solidFill>
+              <a:srgbClr val="FFFFFF"/>
+            </a:solidFill>
+            <a:ln>
+              <a:noFill/>
+            </a:ln>
+            <a:effectLst/>
+          </p:spPr>
+          <p:style>
+            <a:lnRef idx="1">
+              <a:schemeClr val="accent1"/>
+            </a:lnRef>
+            <a:fillRef idx="3">
+              <a:schemeClr val="accent1"/>
+            </a:fillRef>
+            <a:effectRef idx="2">
+              <a:schemeClr val="accent1"/>
+            </a:effectRef>
+            <a:fontRef idx="minor">
+              <a:schemeClr val="lt1"/>
+            </a:fontRef>
+          </p:style>
+          <p:txBody>
+            <a:bodyPr rtlCol="0" anchor="ctr"/>
+            <a:lstStyle/>
+            <a:p>
+              <a:pPr algn="ctr"/>
+              <a:endParaRPr lang="en-US"/>
+            </a:p>
+          </p:txBody>
+        </p:sp>
+        <p:sp>
+          <p:nvSpPr>
+            <p:cNvPr id="9" name="Rectangle 8"/>
+            <p:cNvSpPr/>
+            <p:nvPr/>
+          </p:nvSpPr>
+          <p:spPr>
+            <a:xfrm>
+              <a:off x="1574800" y="1600200"/>
+              <a:ext cx="1219200" cy="215999"/>
+            </a:xfrm>
+            <a:prstGeom prst="rect">
+              <a:avLst/>
+            </a:prstGeom>
+            <a:solidFill>
+              <a:srgbClr val="FFFFFF"/>
+            </a:solidFill>
+            <a:ln>
+              <a:noFill/>
+            </a:ln>
+            <a:effectLst/>
+          </p:spPr>
+          <p:style>
+            <a:lnRef idx="1">
+              <a:schemeClr val="accent1"/>
+            </a:lnRef>
+            <a:fillRef idx="3">
+              <a:schemeClr val="accent1"/>
+            </a:fillRef>
+            <a:effectRef idx="2">
+              <a:schemeClr val="accent1"/>
+            </a:effectRef>
+            <a:fontRef idx="minor">
+              <a:schemeClr val="lt1"/>
+            </a:fontRef>
+          </p:style>
+          <p:txBody>
+            <a:bodyPr rtlCol="0" anchor="ctr"/>
+            <a:lstStyle/>
+            <a:p>
+              <a:pPr algn="ctr"/>
+              <a:endParaRPr lang="en-US"/>
+            </a:p>
+          </p:txBody>
+        </p:sp>
+        <p:sp>
+          <p:nvSpPr>
+            <p:cNvPr id="10" name="Rectangle 9"/>
+            <p:cNvSpPr/>
+            <p:nvPr/>
+          </p:nvSpPr>
+          <p:spPr>
+            <a:xfrm>
+              <a:off x="1993900" y="2314173"/>
+              <a:ext cx="1219200" cy="215999"/>
+            </a:xfrm>
+            <a:prstGeom prst="rect">
+              <a:avLst/>
+            </a:prstGeom>
+            <a:solidFill>
+              <a:srgbClr val="FFFFFF"/>
+            </a:solidFill>
+            <a:ln>
+              <a:noFill/>
+            </a:ln>
+            <a:effectLst/>
+          </p:spPr>
+          <p:style>
+            <a:lnRef idx="1">
+              <a:schemeClr val="accent1"/>
+            </a:lnRef>
+            <a:fillRef idx="3">
+              <a:schemeClr val="accent1"/>
+            </a:fillRef>
+            <a:effectRef idx="2">
+              <a:schemeClr val="accent1"/>
+            </a:effectRef>
+            <a:fontRef idx="minor">
+              <a:schemeClr val="lt1"/>
+            </a:fontRef>
+          </p:style>
+          <p:txBody>
+            <a:bodyPr rtlCol="0" anchor="ctr"/>
+            <a:lstStyle/>
+            <a:p>
+              <a:pPr algn="ctr"/>
+              <a:endParaRPr lang="en-US"/>
+            </a:p>
+          </p:txBody>
+        </p:sp>
+      </p:grpSp>
+      <p:grpSp>
+        <p:nvGrpSpPr>
+          <p:cNvPr id="12" name="Group 11"/>
+          <p:cNvGrpSpPr/>
+          <p:nvPr/>
+        </p:nvGrpSpPr>
+        <p:grpSpPr>
+          <a:xfrm>
+            <a:off x="1378967" y="3019841"/>
+            <a:ext cx="7785099" cy="2774953"/>
+            <a:chOff x="1574800" y="860795"/>
+            <a:chExt cx="7785099" cy="2774953"/>
+          </a:xfrm>
+        </p:grpSpPr>
+        <p:grpSp>
+          <p:nvGrpSpPr>
+            <p:cNvPr id="13" name="Group 12"/>
+            <p:cNvGrpSpPr/>
+            <p:nvPr/>
+          </p:nvGrpSpPr>
+          <p:grpSpPr>
+            <a:xfrm>
+              <a:off x="3078732" y="860795"/>
+              <a:ext cx="6281167" cy="2774953"/>
+              <a:chOff x="3078732" y="190500"/>
+              <a:chExt cx="6281167" cy="2774953"/>
+            </a:xfrm>
+          </p:grpSpPr>
+          <p:pic>
+            <p:nvPicPr>
+              <p:cNvPr id="19" name="Picture 18"/>
+              <p:cNvPicPr>
+                <a:picLocks noChangeAspect="1"/>
+              </p:cNvPicPr>
+              <p:nvPr/>
+            </p:nvPicPr>
+            <p:blipFill rotWithShape="1">
+              <a:blip r:embed="rId2"/>
+              <a:srcRect l="31308" b="59537"/>
+              <a:stretch/>
+            </p:blipFill>
+            <p:spPr>
+              <a:xfrm>
+                <a:off x="3078732" y="190500"/>
+                <a:ext cx="6281167" cy="2774953"/>
+              </a:xfrm>
+              <a:prstGeom prst="rect">
+                <a:avLst/>
+              </a:prstGeom>
+              <a:ln>
+                <a:noFill/>
+              </a:ln>
+              <a:effectLst>
+                <a:softEdge rad="112500"/>
+              </a:effectLst>
+            </p:spPr>
+          </p:pic>
+          <p:cxnSp>
+            <p:nvCxnSpPr>
+              <p:cNvPr id="20" name="Straight Connector 19"/>
+              <p:cNvCxnSpPr/>
+              <p:nvPr/>
+            </p:nvCxnSpPr>
+            <p:spPr>
+              <a:xfrm flipV="1">
+                <a:off x="5239767" y="921098"/>
+                <a:ext cx="1941560" cy="828000"/>
+              </a:xfrm>
+              <a:prstGeom prst="line">
+                <a:avLst/>
+              </a:prstGeom>
+              <a:effectLst/>
+            </p:spPr>
+            <p:style>
+              <a:lnRef idx="2">
+                <a:schemeClr val="accent1"/>
+              </a:lnRef>
+              <a:fillRef idx="0">
+                <a:schemeClr val="accent1"/>
+              </a:fillRef>
+              <a:effectRef idx="1">
+                <a:schemeClr val="accent1"/>
+              </a:effectRef>
+              <a:fontRef idx="minor">
+                <a:schemeClr val="tx1"/>
+              </a:fontRef>
+            </p:style>
+          </p:cxnSp>
+          <p:cxnSp>
+            <p:nvCxnSpPr>
+              <p:cNvPr id="21" name="Straight Connector 20"/>
+              <p:cNvCxnSpPr/>
+              <p:nvPr/>
+            </p:nvCxnSpPr>
+            <p:spPr>
+              <a:xfrm>
+                <a:off x="5220805" y="2180738"/>
+                <a:ext cx="1877653" cy="220891"/>
+              </a:xfrm>
+              <a:prstGeom prst="line">
+                <a:avLst/>
+              </a:prstGeom>
+              <a:ln>
+                <a:solidFill>
+                  <a:schemeClr val="accent2"/>
+                </a:solidFill>
+              </a:ln>
+              <a:effectLst/>
+            </p:spPr>
+            <p:style>
+              <a:lnRef idx="2">
+                <a:schemeClr val="accent1"/>
+              </a:lnRef>
+              <a:fillRef idx="0">
+                <a:schemeClr val="accent1"/>
+              </a:fillRef>
+              <a:effectRef idx="1">
+                <a:schemeClr val="accent1"/>
+              </a:effectRef>
+              <a:fontRef idx="minor">
+                <a:schemeClr val="tx1"/>
+              </a:fontRef>
+            </p:style>
+          </p:cxnSp>
+        </p:grpSp>
+        <p:sp>
+          <p:nvSpPr>
+            <p:cNvPr id="16" name="Rectangle 15"/>
+            <p:cNvSpPr/>
+            <p:nvPr/>
+          </p:nvSpPr>
+          <p:spPr>
+            <a:xfrm>
+              <a:off x="1663700" y="987795"/>
+              <a:ext cx="1219200" cy="472705"/>
+            </a:xfrm>
+            <a:prstGeom prst="rect">
+              <a:avLst/>
+            </a:prstGeom>
+            <a:solidFill>
+              <a:srgbClr val="FFFFFF"/>
+            </a:solidFill>
+            <a:ln>
+              <a:noFill/>
+            </a:ln>
+            <a:effectLst/>
+          </p:spPr>
+          <p:style>
+            <a:lnRef idx="1">
+              <a:schemeClr val="accent1"/>
+            </a:lnRef>
+            <a:fillRef idx="3">
+              <a:schemeClr val="accent1"/>
+            </a:fillRef>
+            <a:effectRef idx="2">
+              <a:schemeClr val="accent1"/>
+            </a:effectRef>
+            <a:fontRef idx="minor">
+              <a:schemeClr val="lt1"/>
+            </a:fontRef>
+          </p:style>
+          <p:txBody>
+            <a:bodyPr rtlCol="0" anchor="ctr"/>
+            <a:lstStyle/>
+            <a:p>
+              <a:pPr algn="ctr"/>
+              <a:endParaRPr lang="en-US"/>
+            </a:p>
+          </p:txBody>
+        </p:sp>
+        <p:sp>
+          <p:nvSpPr>
+            <p:cNvPr id="17" name="Rectangle 16"/>
+            <p:cNvSpPr/>
+            <p:nvPr/>
+          </p:nvSpPr>
+          <p:spPr>
+            <a:xfrm>
+              <a:off x="1574800" y="1600200"/>
+              <a:ext cx="1219200" cy="215999"/>
+            </a:xfrm>
+            <a:prstGeom prst="rect">
+              <a:avLst/>
+            </a:prstGeom>
+            <a:solidFill>
+              <a:srgbClr val="FFFFFF"/>
+            </a:solidFill>
+            <a:ln>
+              <a:noFill/>
+            </a:ln>
+            <a:effectLst/>
+          </p:spPr>
+          <p:style>
+            <a:lnRef idx="1">
+              <a:schemeClr val="accent1"/>
+            </a:lnRef>
+            <a:fillRef idx="3">
+              <a:schemeClr val="accent1"/>
+            </a:fillRef>
+            <a:effectRef idx="2">
+              <a:schemeClr val="accent1"/>
+            </a:effectRef>
+            <a:fontRef idx="minor">
+              <a:schemeClr val="lt1"/>
+            </a:fontRef>
+          </p:style>
+          <p:txBody>
+            <a:bodyPr rtlCol="0" anchor="ctr"/>
+            <a:lstStyle/>
+            <a:p>
+              <a:pPr algn="ctr"/>
+              <a:endParaRPr lang="en-US"/>
+            </a:p>
+          </p:txBody>
+        </p:sp>
+        <p:sp>
+          <p:nvSpPr>
+            <p:cNvPr id="18" name="Rectangle 17"/>
+            <p:cNvSpPr/>
+            <p:nvPr/>
+          </p:nvSpPr>
+          <p:spPr>
+            <a:xfrm>
+              <a:off x="1993900" y="2314173"/>
+              <a:ext cx="1219200" cy="215999"/>
+            </a:xfrm>
+            <a:prstGeom prst="rect">
+              <a:avLst/>
+            </a:prstGeom>
+            <a:solidFill>
+              <a:srgbClr val="FFFFFF"/>
+            </a:solidFill>
+            <a:ln>
+              <a:noFill/>
+            </a:ln>
+            <a:effectLst/>
+          </p:spPr>
+          <p:style>
+            <a:lnRef idx="1">
+              <a:schemeClr val="accent1"/>
+            </a:lnRef>
+            <a:fillRef idx="3">
+              <a:schemeClr val="accent1"/>
+            </a:fillRef>
+            <a:effectRef idx="2">
+              <a:schemeClr val="accent1"/>
+            </a:effectRef>
+            <a:fontRef idx="minor">
+              <a:schemeClr val="lt1"/>
+            </a:fontRef>
+          </p:style>
+          <p:txBody>
+            <a:bodyPr rtlCol="0" anchor="ctr"/>
+            <a:lstStyle/>
+            <a:p>
+              <a:pPr algn="ctr"/>
+              <a:endParaRPr lang="en-US"/>
+            </a:p>
+          </p:txBody>
+        </p:sp>
+      </p:grpSp>
+      <p:sp>
+        <p:nvSpPr>
+          <p:cNvPr id="22" name="Rectangle 21"/>
+          <p:cNvSpPr/>
+          <p:nvPr/>
+        </p:nvSpPr>
+        <p:spPr>
+          <a:xfrm>
+            <a:off x="2026667" y="4672991"/>
+            <a:ext cx="1219200" cy="215999"/>
+          </a:xfrm>
+          <a:prstGeom prst="rect">
+            <a:avLst/>
+          </a:prstGeom>
+          <a:solidFill>
+            <a:srgbClr val="FFFFFF"/>
+          </a:solidFill>
+          <a:ln>
+            <a:noFill/>
+          </a:ln>
+          <a:effectLst/>
+        </p:spPr>
+        <p:style>
+          <a:lnRef idx="1">
+            <a:schemeClr val="accent1"/>
+          </a:lnRef>
+          <a:fillRef idx="3">
+            <a:schemeClr val="accent1"/>
+          </a:fillRef>
+          <a:effectRef idx="2">
+            <a:schemeClr val="accent1"/>
+          </a:effectRef>
+          <a:fontRef idx="minor">
+            <a:schemeClr val="lt1"/>
+          </a:fontRef>
+        </p:style>
+        <p:txBody>
+          <a:bodyPr rtlCol="0" anchor="ctr"/>
+          <a:lstStyle/>
+          <a:p>
+            <a:pPr algn="ctr"/>
+            <a:endParaRPr lang="en-US"/>
+          </a:p>
+        </p:txBody>
+      </p:sp>
+      <p:sp>
+        <p:nvSpPr>
+          <p:cNvPr id="23" name="Rectangle 22"/>
+          <p:cNvSpPr/>
+          <p:nvPr/>
+        </p:nvSpPr>
+        <p:spPr>
+          <a:xfrm>
+            <a:off x="1582167" y="3930745"/>
+            <a:ext cx="1219200" cy="215999"/>
+          </a:xfrm>
+          <a:prstGeom prst="rect">
+            <a:avLst/>
+          </a:prstGeom>
+          <a:solidFill>
+            <a:srgbClr val="FFFFFF"/>
+          </a:solidFill>
+          <a:ln>
+            <a:noFill/>
+          </a:ln>
+          <a:effectLst/>
+        </p:spPr>
+        <p:style>
+          <a:lnRef idx="1">
+            <a:schemeClr val="accent1"/>
+          </a:lnRef>
+          <a:fillRef idx="3">
+            <a:schemeClr val="accent1"/>
+          </a:fillRef>
+          <a:effectRef idx="2">
+            <a:schemeClr val="accent1"/>
+          </a:effectRef>
+          <a:fontRef idx="minor">
+            <a:schemeClr val="lt1"/>
+          </a:fontRef>
+        </p:style>
+        <p:txBody>
+          <a:bodyPr rtlCol="0" anchor="ctr"/>
+          <a:lstStyle/>
+          <a:p>
+            <a:pPr algn="ctr"/>
+            <a:endParaRPr lang="en-US"/>
+          </a:p>
+        </p:txBody>
+      </p:sp>
+      <p:pic>
+        <p:nvPicPr>
+          <p:cNvPr id="24" name="Picture 23" descr="latex-image-1.pdf"/>
+          <p:cNvPicPr>
+            <a:picLocks noChangeAspect="1"/>
+          </p:cNvPicPr>
+          <p:nvPr/>
+        </p:nvPicPr>
+        <p:blipFill>
+          <a:blip r:embed="rId3">
+            <a:extLst>
+              <a:ext uri="{28A0092B-C50C-407E-A947-70E740481C1C}">
+                <a14:useLocalDpi xmlns:a14="http://schemas.microsoft.com/office/drawing/2010/main" val="0"/>
+              </a:ext>
+            </a:extLst>
+          </a:blip>
+          <a:stretch>
+            <a:fillRect/>
+          </a:stretch>
+        </p:blipFill>
+        <p:spPr>
+          <a:xfrm>
+            <a:off x="2616200" y="4665053"/>
+            <a:ext cx="533400" cy="189271"/>
+          </a:xfrm>
+          <a:prstGeom prst="rect">
+            <a:avLst/>
+          </a:prstGeom>
+        </p:spPr>
+      </p:pic>
+      <p:sp>
+        <p:nvSpPr>
+          <p:cNvPr id="25" name="Oval 24"/>
+          <p:cNvSpPr/>
+          <p:nvPr/>
+        </p:nvSpPr>
+        <p:spPr>
+          <a:xfrm>
+            <a:off x="2479994" y="4502429"/>
+            <a:ext cx="1076006" cy="507650"/>
+          </a:xfrm>
+          <a:prstGeom prst="ellipse">
+            <a:avLst/>
+          </a:prstGeom>
+          <a:noFill/>
+          <a:ln w="28575" cmpd="sng"/>
+          <a:effectLst/>
+        </p:spPr>
+        <p:style>
+          <a:lnRef idx="2">
+            <a:schemeClr val="accent4"/>
+          </a:lnRef>
+          <a:fillRef idx="1">
+            <a:schemeClr val="lt1"/>
+          </a:fillRef>
+          <a:effectRef idx="0">
+            <a:schemeClr val="accent4"/>
+          </a:effectRef>
+          <a:fontRef idx="minor">
+            <a:schemeClr val="dk1"/>
+          </a:fontRef>
+        </p:style>
+        <p:txBody>
+          <a:bodyPr rtlCol="0" anchor="ctr"/>
+          <a:lstStyle/>
+          <a:p>
+            <a:pPr algn="ctr"/>
+            <a:endParaRPr lang="en-US"/>
+          </a:p>
+        </p:txBody>
+      </p:sp>
+    </p:spTree>
+    <p:extLst>
+      <p:ext uri="{BB962C8B-B14F-4D97-AF65-F5344CB8AC3E}">
+        <p14:creationId xmlns:p14="http://schemas.microsoft.com/office/powerpoint/2010/main" val="630242634"/>
+      </p:ext>
+    </p:extLst>
+  </p:cSld>
+  <p:clrMapOvr>
+    <a:masterClrMapping/>
+  </p:clrMapOvr>
+  <p:timing>
+    <p:tnLst>
+      <p:par>
+        <p:cTn xmlns:p14="http://schemas.microsoft.com/office/powerpoint/2010/main" id="1" dur="indefinite" restart="never" nodeType="tmRoot"/>
+      </p:par>
+    </p:tnLst>
+  </p:timing>
+</p:sld>
+</file>
+
+<file path=ppt/slides/slide11.xml><?xml version="1.0" encoding="utf-8"?>
+<p:sld xmlns:a="http://schemas.openxmlformats.org/drawingml/2006/main" xmlns:r="http://schemas.openxmlformats.org/officeDocument/2006/relationships" xmlns:p="http://schemas.openxmlformats.org/presentationml/2006/main">
+  <p:cSld>
+    <p:spTree>
+      <p:nvGrpSpPr>
+        <p:cNvPr id="1" name=""/>
+        <p:cNvGrpSpPr/>
+        <p:nvPr/>
+      </p:nvGrpSpPr>
+      <p:grpSpPr>
+        <a:xfrm>
+          <a:off x="0" y="0"/>
+          <a:ext cx="0" cy="0"/>
+          <a:chOff x="0" y="0"/>
+          <a:chExt cx="0" cy="0"/>
+        </a:xfrm>
+      </p:grpSpPr>
+      <p:grpSp>
+        <p:nvGrpSpPr>
+          <p:cNvPr id="11" name="Group 10"/>
+          <p:cNvGrpSpPr/>
+          <p:nvPr/>
+        </p:nvGrpSpPr>
+        <p:grpSpPr>
+          <a:xfrm>
+            <a:off x="1435100" y="86095"/>
+            <a:ext cx="7708901" cy="2774953"/>
+            <a:chOff x="1435100" y="670295"/>
+            <a:chExt cx="7708901" cy="2774953"/>
+          </a:xfrm>
+        </p:grpSpPr>
+        <p:grpSp>
+          <p:nvGrpSpPr>
+            <p:cNvPr id="2" name="Group 1"/>
+            <p:cNvGrpSpPr/>
+            <p:nvPr/>
+          </p:nvGrpSpPr>
+          <p:grpSpPr>
+            <a:xfrm>
+              <a:off x="2247901" y="670295"/>
+              <a:ext cx="6896100" cy="2774953"/>
+              <a:chOff x="2247901" y="0"/>
+              <a:chExt cx="6896100" cy="2774953"/>
+            </a:xfrm>
+          </p:grpSpPr>
+          <p:pic>
+            <p:nvPicPr>
+              <p:cNvPr id="3" name="Picture 2"/>
+              <p:cNvPicPr>
+                <a:picLocks noChangeAspect="1"/>
+              </p:cNvPicPr>
+              <p:nvPr/>
+            </p:nvPicPr>
+            <p:blipFill rotWithShape="1">
+              <a:blip r:embed="rId2"/>
+              <a:srcRect l="26113" b="59537"/>
+              <a:stretch/>
+            </p:blipFill>
+            <p:spPr>
+              <a:xfrm>
+                <a:off x="2247901" y="0"/>
+                <a:ext cx="6896100" cy="2774953"/>
+              </a:xfrm>
+              <a:prstGeom prst="rect">
+                <a:avLst/>
+              </a:prstGeom>
+              <a:ln>
+                <a:noFill/>
+              </a:ln>
+              <a:effectLst>
+                <a:softEdge rad="112500"/>
+              </a:effectLst>
+            </p:spPr>
+          </p:pic>
+          <p:cxnSp>
+            <p:nvCxnSpPr>
+              <p:cNvPr id="4" name="Straight Connector 3"/>
+              <p:cNvCxnSpPr/>
+              <p:nvPr/>
+            </p:nvCxnSpPr>
+            <p:spPr>
+              <a:xfrm flipV="1">
+                <a:off x="5011167" y="717898"/>
+                <a:ext cx="1941560" cy="828000"/>
+              </a:xfrm>
+              <a:prstGeom prst="line">
+                <a:avLst/>
+              </a:prstGeom>
+              <a:effectLst/>
+            </p:spPr>
+            <p:style>
+              <a:lnRef idx="2">
+                <a:schemeClr val="accent1"/>
+              </a:lnRef>
+              <a:fillRef idx="0">
+                <a:schemeClr val="accent1"/>
+              </a:fillRef>
+              <a:effectRef idx="1">
+                <a:schemeClr val="accent1"/>
+              </a:effectRef>
+              <a:fontRef idx="minor">
+                <a:schemeClr val="tx1"/>
+              </a:fontRef>
+            </p:style>
+          </p:cxnSp>
+          <p:cxnSp>
+            <p:nvCxnSpPr>
+              <p:cNvPr id="5" name="Straight Connector 4"/>
+              <p:cNvCxnSpPr/>
+              <p:nvPr/>
+            </p:nvCxnSpPr>
+            <p:spPr>
+              <a:xfrm>
+                <a:off x="5024972" y="2015638"/>
+                <a:ext cx="1946486" cy="220891"/>
+              </a:xfrm>
+              <a:prstGeom prst="line">
+                <a:avLst/>
+              </a:prstGeom>
+              <a:ln>
+                <a:solidFill>
+                  <a:schemeClr val="accent2"/>
+                </a:solidFill>
+              </a:ln>
+              <a:effectLst/>
+            </p:spPr>
+            <p:style>
+              <a:lnRef idx="2">
+                <a:schemeClr val="accent1"/>
+              </a:lnRef>
+              <a:fillRef idx="0">
+                <a:schemeClr val="accent1"/>
+              </a:fillRef>
+              <a:effectRef idx="1">
+                <a:schemeClr val="accent1"/>
+              </a:effectRef>
+              <a:fontRef idx="minor">
+                <a:schemeClr val="tx1"/>
+              </a:fontRef>
+            </p:style>
+          </p:cxnSp>
+        </p:grpSp>
+        <p:sp>
+          <p:nvSpPr>
+            <p:cNvPr id="8" name="Rectangle 7"/>
+            <p:cNvSpPr/>
+            <p:nvPr/>
+          </p:nvSpPr>
+          <p:spPr>
+            <a:xfrm>
+              <a:off x="1663700" y="670295"/>
+              <a:ext cx="1219200" cy="472705"/>
+            </a:xfrm>
+            <a:prstGeom prst="rect">
+              <a:avLst/>
+            </a:prstGeom>
+            <a:solidFill>
+              <a:srgbClr val="FFFFFF"/>
+            </a:solidFill>
+            <a:ln>
+              <a:noFill/>
+            </a:ln>
+            <a:effectLst/>
+          </p:spPr>
+          <p:style>
+            <a:lnRef idx="1">
+              <a:schemeClr val="accent1"/>
+            </a:lnRef>
+            <a:fillRef idx="3">
+              <a:schemeClr val="accent1"/>
+            </a:fillRef>
+            <a:effectRef idx="2">
+              <a:schemeClr val="accent1"/>
+            </a:effectRef>
+            <a:fontRef idx="minor">
+              <a:schemeClr val="lt1"/>
+            </a:fontRef>
+          </p:style>
+          <p:txBody>
+            <a:bodyPr rtlCol="0" anchor="ctr"/>
+            <a:lstStyle/>
+            <a:p>
+              <a:pPr algn="ctr"/>
+              <a:endParaRPr lang="en-US"/>
+            </a:p>
+          </p:txBody>
+        </p:sp>
+        <p:sp>
+          <p:nvSpPr>
+            <p:cNvPr id="9" name="Rectangle 8"/>
+            <p:cNvSpPr/>
+            <p:nvPr/>
+          </p:nvSpPr>
+          <p:spPr>
+            <a:xfrm>
+              <a:off x="1435100" y="1600200"/>
+              <a:ext cx="1219200" cy="251999"/>
+            </a:xfrm>
+            <a:prstGeom prst="rect">
+              <a:avLst/>
+            </a:prstGeom>
+            <a:solidFill>
+              <a:srgbClr val="FFFFFF"/>
+            </a:solidFill>
+            <a:ln>
+              <a:noFill/>
+            </a:ln>
+            <a:effectLst/>
+          </p:spPr>
+          <p:style>
+            <a:lnRef idx="1">
+              <a:schemeClr val="accent1"/>
+            </a:lnRef>
+            <a:fillRef idx="3">
+              <a:schemeClr val="accent1"/>
+            </a:fillRef>
+            <a:effectRef idx="2">
+              <a:schemeClr val="accent1"/>
+            </a:effectRef>
+            <a:fontRef idx="minor">
+              <a:schemeClr val="lt1"/>
+            </a:fontRef>
+          </p:style>
+          <p:txBody>
+            <a:bodyPr rtlCol="0" anchor="ctr"/>
+            <a:lstStyle/>
+            <a:p>
+              <a:pPr algn="ctr"/>
+              <a:endParaRPr lang="en-US"/>
+            </a:p>
+          </p:txBody>
+        </p:sp>
+        <p:sp>
+          <p:nvSpPr>
+            <p:cNvPr id="10" name="Rectangle 9"/>
+            <p:cNvSpPr/>
+            <p:nvPr/>
+          </p:nvSpPr>
+          <p:spPr>
+            <a:xfrm>
+              <a:off x="2057400" y="2250673"/>
+              <a:ext cx="1219200" cy="359999"/>
+            </a:xfrm>
+            <a:prstGeom prst="rect">
+              <a:avLst/>
+            </a:prstGeom>
+            <a:solidFill>
+              <a:srgbClr val="FFFFFF"/>
+            </a:solidFill>
+            <a:ln>
+              <a:noFill/>
+            </a:ln>
+            <a:effectLst/>
+          </p:spPr>
+          <p:style>
+            <a:lnRef idx="1">
+              <a:schemeClr val="accent1"/>
+            </a:lnRef>
+            <a:fillRef idx="3">
+              <a:schemeClr val="accent1"/>
+            </a:fillRef>
+            <a:effectRef idx="2">
+              <a:schemeClr val="accent1"/>
+            </a:effectRef>
+            <a:fontRef idx="minor">
+              <a:schemeClr val="lt1"/>
+            </a:fontRef>
+          </p:style>
+          <p:txBody>
+            <a:bodyPr rtlCol="0" anchor="ctr"/>
+            <a:lstStyle/>
+            <a:p>
+              <a:pPr algn="ctr"/>
+              <a:endParaRPr lang="en-US"/>
+            </a:p>
+          </p:txBody>
+        </p:sp>
+      </p:grpSp>
+      <p:grpSp>
+        <p:nvGrpSpPr>
+          <p:cNvPr id="12" name="Group 11"/>
+          <p:cNvGrpSpPr/>
+          <p:nvPr/>
+        </p:nvGrpSpPr>
+        <p:grpSpPr>
+          <a:xfrm>
+            <a:off x="1378967" y="3019841"/>
+            <a:ext cx="7785099" cy="2774953"/>
+            <a:chOff x="1574800" y="860795"/>
+            <a:chExt cx="7785099" cy="2774953"/>
+          </a:xfrm>
+        </p:grpSpPr>
+        <p:grpSp>
+          <p:nvGrpSpPr>
+            <p:cNvPr id="13" name="Group 12"/>
+            <p:cNvGrpSpPr/>
+            <p:nvPr/>
+          </p:nvGrpSpPr>
+          <p:grpSpPr>
+            <a:xfrm>
+              <a:off x="3574033" y="860795"/>
+              <a:ext cx="5785866" cy="2774953"/>
+              <a:chOff x="3574033" y="190500"/>
+              <a:chExt cx="5785866" cy="2774953"/>
+            </a:xfrm>
+          </p:grpSpPr>
+          <p:pic>
+            <p:nvPicPr>
+              <p:cNvPr id="19" name="Picture 18"/>
+              <p:cNvPicPr>
+                <a:picLocks noChangeAspect="1"/>
+              </p:cNvPicPr>
+              <p:nvPr/>
+            </p:nvPicPr>
+            <p:blipFill rotWithShape="1">
+              <a:blip r:embed="rId2"/>
+              <a:srcRect l="36724" r="1" b="59537"/>
+              <a:stretch/>
+            </p:blipFill>
+            <p:spPr>
+              <a:xfrm>
+                <a:off x="3574033" y="190500"/>
+                <a:ext cx="5785866" cy="2774953"/>
+              </a:xfrm>
+              <a:prstGeom prst="rect">
+                <a:avLst/>
+              </a:prstGeom>
+              <a:ln w="38100" cap="sq">
+                <a:noFill/>
+                <a:prstDash val="solid"/>
+                <a:miter lim="800000"/>
+              </a:ln>
+              <a:effectLst/>
+            </p:spPr>
+          </p:pic>
+          <p:cxnSp>
+            <p:nvCxnSpPr>
+              <p:cNvPr id="20" name="Straight Connector 19"/>
+              <p:cNvCxnSpPr/>
+              <p:nvPr/>
+            </p:nvCxnSpPr>
+            <p:spPr>
+              <a:xfrm flipV="1">
+                <a:off x="5239767" y="921098"/>
+                <a:ext cx="1941560" cy="828000"/>
+              </a:xfrm>
+              <a:prstGeom prst="line">
+                <a:avLst/>
+              </a:prstGeom>
+              <a:effectLst/>
+            </p:spPr>
+            <p:style>
+              <a:lnRef idx="2">
+                <a:schemeClr val="accent1"/>
+              </a:lnRef>
+              <a:fillRef idx="0">
+                <a:schemeClr val="accent1"/>
+              </a:fillRef>
+              <a:effectRef idx="1">
+                <a:schemeClr val="accent1"/>
+              </a:effectRef>
+              <a:fontRef idx="minor">
+                <a:schemeClr val="tx1"/>
+              </a:fontRef>
+            </p:style>
+          </p:cxnSp>
+          <p:cxnSp>
+            <p:nvCxnSpPr>
+              <p:cNvPr id="21" name="Straight Connector 20"/>
+              <p:cNvCxnSpPr/>
+              <p:nvPr/>
+            </p:nvCxnSpPr>
+            <p:spPr>
+              <a:xfrm>
+                <a:off x="5239767" y="2180738"/>
+                <a:ext cx="1858691" cy="220891"/>
+              </a:xfrm>
+              <a:prstGeom prst="line">
+                <a:avLst/>
+              </a:prstGeom>
+              <a:ln>
+                <a:solidFill>
+                  <a:schemeClr val="accent2"/>
+                </a:solidFill>
+              </a:ln>
+              <a:effectLst/>
+            </p:spPr>
+            <p:style>
+              <a:lnRef idx="2">
+                <a:schemeClr val="accent1"/>
+              </a:lnRef>
+              <a:fillRef idx="0">
+                <a:schemeClr val="accent1"/>
+              </a:fillRef>
+              <a:effectRef idx="1">
+                <a:schemeClr val="accent1"/>
+              </a:effectRef>
+              <a:fontRef idx="minor">
+                <a:schemeClr val="tx1"/>
+              </a:fontRef>
+            </p:style>
+          </p:cxnSp>
+        </p:grpSp>
+        <p:sp>
+          <p:nvSpPr>
+            <p:cNvPr id="16" name="Rectangle 15"/>
+            <p:cNvSpPr/>
+            <p:nvPr/>
+          </p:nvSpPr>
+          <p:spPr>
+            <a:xfrm>
+              <a:off x="1663700" y="987795"/>
+              <a:ext cx="1219200" cy="472705"/>
+            </a:xfrm>
+            <a:prstGeom prst="rect">
+              <a:avLst/>
+            </a:prstGeom>
+            <a:solidFill>
+              <a:srgbClr val="FFFFFF"/>
+            </a:solidFill>
+            <a:ln>
+              <a:noFill/>
+            </a:ln>
+            <a:effectLst/>
+          </p:spPr>
+          <p:style>
+            <a:lnRef idx="1">
+              <a:schemeClr val="accent1"/>
+            </a:lnRef>
+            <a:fillRef idx="3">
+              <a:schemeClr val="accent1"/>
+            </a:fillRef>
+            <a:effectRef idx="2">
+              <a:schemeClr val="accent1"/>
+            </a:effectRef>
+            <a:fontRef idx="minor">
+              <a:schemeClr val="lt1"/>
+            </a:fontRef>
+          </p:style>
+          <p:txBody>
+            <a:bodyPr rtlCol="0" anchor="ctr"/>
+            <a:lstStyle/>
+            <a:p>
+              <a:pPr algn="ctr"/>
+              <a:endParaRPr lang="en-US"/>
+            </a:p>
+          </p:txBody>
+        </p:sp>
+        <p:sp>
+          <p:nvSpPr>
+            <p:cNvPr id="17" name="Rectangle 16"/>
+            <p:cNvSpPr/>
+            <p:nvPr/>
+          </p:nvSpPr>
+          <p:spPr>
+            <a:xfrm>
+              <a:off x="1574800" y="1600200"/>
+              <a:ext cx="1219200" cy="215999"/>
+            </a:xfrm>
+            <a:prstGeom prst="rect">
+              <a:avLst/>
+            </a:prstGeom>
+            <a:solidFill>
+              <a:srgbClr val="FFFFFF"/>
+            </a:solidFill>
+            <a:ln>
+              <a:noFill/>
+            </a:ln>
+            <a:effectLst/>
+          </p:spPr>
+          <p:style>
+            <a:lnRef idx="1">
+              <a:schemeClr val="accent1"/>
+            </a:lnRef>
+            <a:fillRef idx="3">
+              <a:schemeClr val="accent1"/>
+            </a:fillRef>
+            <a:effectRef idx="2">
+              <a:schemeClr val="accent1"/>
+            </a:effectRef>
+            <a:fontRef idx="minor">
+              <a:schemeClr val="lt1"/>
+            </a:fontRef>
+          </p:style>
+          <p:txBody>
+            <a:bodyPr rtlCol="0" anchor="ctr"/>
+            <a:lstStyle/>
+            <a:p>
+              <a:pPr algn="ctr"/>
+              <a:endParaRPr lang="en-US"/>
+            </a:p>
+          </p:txBody>
+        </p:sp>
+        <p:sp>
+          <p:nvSpPr>
+            <p:cNvPr id="18" name="Rectangle 17"/>
+            <p:cNvSpPr/>
+            <p:nvPr/>
+          </p:nvSpPr>
+          <p:spPr>
+            <a:xfrm>
+              <a:off x="1651000" y="2123673"/>
+              <a:ext cx="609600" cy="215999"/>
+            </a:xfrm>
+            <a:prstGeom prst="rect">
+              <a:avLst/>
+            </a:prstGeom>
+            <a:solidFill>
+              <a:srgbClr val="FFFFFF"/>
+            </a:solidFill>
+            <a:ln>
+              <a:noFill/>
+            </a:ln>
+            <a:effectLst/>
+          </p:spPr>
+          <p:style>
+            <a:lnRef idx="1">
+              <a:schemeClr val="accent1"/>
+            </a:lnRef>
+            <a:fillRef idx="3">
+              <a:schemeClr val="accent1"/>
+            </a:fillRef>
+            <a:effectRef idx="2">
+              <a:schemeClr val="accent1"/>
+            </a:effectRef>
+            <a:fontRef idx="minor">
+              <a:schemeClr val="lt1"/>
+            </a:fontRef>
+          </p:style>
+          <p:txBody>
+            <a:bodyPr rtlCol="0" anchor="ctr"/>
+            <a:lstStyle/>
+            <a:p>
+              <a:pPr algn="ctr"/>
+              <a:endParaRPr lang="en-US"/>
+            </a:p>
+          </p:txBody>
+        </p:sp>
+      </p:grpSp>
+      <p:sp>
+        <p:nvSpPr>
+          <p:cNvPr id="22" name="Rectangle 21"/>
+          <p:cNvSpPr/>
+          <p:nvPr/>
+        </p:nvSpPr>
+        <p:spPr>
+          <a:xfrm>
+            <a:off x="2247901" y="4672991"/>
+            <a:ext cx="997966" cy="215999"/>
+          </a:xfrm>
+          <a:prstGeom prst="rect">
+            <a:avLst/>
+          </a:prstGeom>
+          <a:solidFill>
+            <a:srgbClr val="FFFFFF"/>
+          </a:solidFill>
+          <a:ln>
+            <a:noFill/>
+          </a:ln>
+          <a:effectLst/>
+        </p:spPr>
+        <p:style>
+          <a:lnRef idx="1">
+            <a:schemeClr val="accent1"/>
+          </a:lnRef>
+          <a:fillRef idx="3">
+            <a:schemeClr val="accent1"/>
+          </a:fillRef>
+          <a:effectRef idx="2">
+            <a:schemeClr val="accent1"/>
+          </a:effectRef>
+          <a:fontRef idx="minor">
+            <a:schemeClr val="lt1"/>
+          </a:fontRef>
+        </p:style>
+        <p:txBody>
+          <a:bodyPr rtlCol="0" anchor="ctr"/>
+          <a:lstStyle/>
+          <a:p>
+            <a:pPr algn="ctr"/>
+            <a:endParaRPr lang="en-US"/>
+          </a:p>
+        </p:txBody>
+      </p:sp>
+      <p:sp>
+        <p:nvSpPr>
+          <p:cNvPr id="23" name="Rectangle 22"/>
+          <p:cNvSpPr/>
+          <p:nvPr/>
+        </p:nvSpPr>
+        <p:spPr>
+          <a:xfrm>
+            <a:off x="7683499" y="3613146"/>
+            <a:ext cx="342901" cy="362099"/>
+          </a:xfrm>
+          <a:prstGeom prst="rect">
+            <a:avLst/>
+          </a:prstGeom>
+          <a:solidFill>
+            <a:srgbClr val="FFFFFF"/>
+          </a:solidFill>
+          <a:ln>
+            <a:noFill/>
+          </a:ln>
+          <a:effectLst/>
+        </p:spPr>
+        <p:style>
+          <a:lnRef idx="1">
+            <a:schemeClr val="accent1"/>
+          </a:lnRef>
+          <a:fillRef idx="3">
+            <a:schemeClr val="accent1"/>
+          </a:fillRef>
+          <a:effectRef idx="2">
+            <a:schemeClr val="accent1"/>
+          </a:effectRef>
+          <a:fontRef idx="minor">
+            <a:schemeClr val="lt1"/>
+          </a:fontRef>
+        </p:style>
+        <p:txBody>
+          <a:bodyPr rtlCol="0" anchor="ctr"/>
+          <a:lstStyle/>
+          <a:p>
+            <a:pPr algn="ctr"/>
+            <a:endParaRPr lang="en-US"/>
+          </a:p>
+        </p:txBody>
+      </p:sp>
+      <p:sp>
+        <p:nvSpPr>
+          <p:cNvPr id="25" name="Oval 24"/>
+          <p:cNvSpPr/>
+          <p:nvPr/>
+        </p:nvSpPr>
+        <p:spPr>
+          <a:xfrm>
+            <a:off x="5930900" y="4114922"/>
+            <a:ext cx="1408733" cy="1219077"/>
+          </a:xfrm>
+          <a:prstGeom prst="ellipse">
+            <a:avLst/>
+          </a:prstGeom>
+          <a:noFill/>
+          <a:ln w="28575" cmpd="sng"/>
+          <a:effectLst/>
+        </p:spPr>
+        <p:style>
+          <a:lnRef idx="2">
+            <a:schemeClr val="accent4"/>
+          </a:lnRef>
+          <a:fillRef idx="1">
+            <a:schemeClr val="lt1"/>
+          </a:fillRef>
+          <a:effectRef idx="0">
+            <a:schemeClr val="accent4"/>
+          </a:effectRef>
+          <a:fontRef idx="minor">
+            <a:schemeClr val="dk1"/>
+          </a:fontRef>
+        </p:style>
+        <p:txBody>
+          <a:bodyPr rtlCol="0" anchor="ctr"/>
+          <a:lstStyle/>
+          <a:p>
+            <a:pPr algn="ctr"/>
+            <a:endParaRPr lang="en-US"/>
+          </a:p>
+        </p:txBody>
+      </p:sp>
+      <p:pic>
+        <p:nvPicPr>
+          <p:cNvPr id="26" name="Picture 25" descr="latex-image-1.pdf"/>
+          <p:cNvPicPr>
+            <a:picLocks noChangeAspect="1"/>
+          </p:cNvPicPr>
+          <p:nvPr/>
+        </p:nvPicPr>
+        <p:blipFill>
+          <a:blip r:embed="rId3">
+            <a:extLst>
+              <a:ext uri="{28A0092B-C50C-407E-A947-70E740481C1C}">
+                <a14:useLocalDpi xmlns:a14="http://schemas.microsoft.com/office/drawing/2010/main" val="0"/>
+              </a:ext>
+            </a:extLst>
+          </a:blip>
+          <a:stretch>
+            <a:fillRect/>
+          </a:stretch>
+        </p:blipFill>
+        <p:spPr>
+          <a:xfrm>
+            <a:off x="2091201" y="1137800"/>
+            <a:ext cx="539999" cy="198000"/>
+          </a:xfrm>
+          <a:prstGeom prst="rect">
+            <a:avLst/>
+          </a:prstGeom>
+        </p:spPr>
+      </p:pic>
+      <p:sp>
+        <p:nvSpPr>
+          <p:cNvPr id="27" name="Oval 26"/>
+          <p:cNvSpPr/>
+          <p:nvPr/>
+        </p:nvSpPr>
+        <p:spPr>
+          <a:xfrm>
+            <a:off x="1986728" y="803993"/>
+            <a:ext cx="1076006" cy="846979"/>
+          </a:xfrm>
+          <a:prstGeom prst="ellipse">
+            <a:avLst/>
+          </a:prstGeom>
+          <a:noFill/>
+          <a:ln w="28575" cmpd="sng"/>
+          <a:effectLst/>
+        </p:spPr>
+        <p:style>
+          <a:lnRef idx="2">
+            <a:schemeClr val="accent4"/>
+          </a:lnRef>
+          <a:fillRef idx="1">
+            <a:schemeClr val="lt1"/>
+          </a:fillRef>
+          <a:effectRef idx="0">
+            <a:schemeClr val="accent4"/>
+          </a:effectRef>
+          <a:fontRef idx="minor">
+            <a:schemeClr val="dk1"/>
+          </a:fontRef>
+        </p:style>
+        <p:txBody>
+          <a:bodyPr rtlCol="0" anchor="ctr"/>
+          <a:lstStyle/>
+          <a:p>
+            <a:pPr algn="ctr"/>
+            <a:endParaRPr lang="en-US"/>
+          </a:p>
+        </p:txBody>
+      </p:sp>
+      <p:sp>
+        <p:nvSpPr>
+          <p:cNvPr id="28" name="Rectangle 27"/>
+          <p:cNvSpPr/>
+          <p:nvPr/>
+        </p:nvSpPr>
+        <p:spPr>
+          <a:xfrm>
+            <a:off x="642367" y="4577836"/>
+            <a:ext cx="609600" cy="215999"/>
+          </a:xfrm>
+          <a:prstGeom prst="rect">
+            <a:avLst/>
+          </a:prstGeom>
+          <a:solidFill>
+            <a:srgbClr val="FFFFFF"/>
+          </a:solidFill>
+          <a:ln>
+            <a:noFill/>
+          </a:ln>
+          <a:effectLst/>
+        </p:spPr>
+        <p:style>
+          <a:lnRef idx="1">
+            <a:schemeClr val="accent1"/>
+          </a:lnRef>
+          <a:fillRef idx="3">
+            <a:schemeClr val="accent1"/>
+          </a:fillRef>
+          <a:effectRef idx="2">
+            <a:schemeClr val="accent1"/>
+          </a:effectRef>
+          <a:fontRef idx="minor">
+            <a:schemeClr val="lt1"/>
+          </a:fontRef>
+        </p:style>
+        <p:txBody>
+          <a:bodyPr rtlCol="0" anchor="ctr"/>
+          <a:lstStyle/>
+          <a:p>
+            <a:pPr algn="ctr"/>
+            <a:endParaRPr lang="en-US"/>
+          </a:p>
+        </p:txBody>
+      </p:sp>
+      <p:sp>
+        <p:nvSpPr>
+          <p:cNvPr id="29" name="Rectangle 28"/>
+          <p:cNvSpPr/>
+          <p:nvPr/>
+        </p:nvSpPr>
+        <p:spPr>
+          <a:xfrm>
+            <a:off x="540766" y="3102480"/>
+            <a:ext cx="1122933" cy="326520"/>
+          </a:xfrm>
+          <a:prstGeom prst="rect">
+            <a:avLst/>
+          </a:prstGeom>
+          <a:solidFill>
+            <a:srgbClr val="FFFFFF"/>
+          </a:solidFill>
+          <a:ln>
+            <a:noFill/>
+          </a:ln>
+          <a:effectLst/>
+        </p:spPr>
+        <p:style>
+          <a:lnRef idx="1">
+            <a:schemeClr val="accent1"/>
+          </a:lnRef>
+          <a:fillRef idx="3">
+            <a:schemeClr val="accent1"/>
+          </a:fillRef>
+          <a:effectRef idx="2">
+            <a:schemeClr val="accent1"/>
+          </a:effectRef>
+          <a:fontRef idx="minor">
+            <a:schemeClr val="lt1"/>
+          </a:fontRef>
+        </p:style>
+        <p:txBody>
+          <a:bodyPr rtlCol="0" anchor="ctr"/>
+          <a:lstStyle/>
+          <a:p>
+            <a:pPr algn="ctr"/>
+            <a:endParaRPr lang="en-US"/>
+          </a:p>
+        </p:txBody>
+      </p:sp>
+      <p:pic>
+        <p:nvPicPr>
+          <p:cNvPr id="33" name="Picture 32" descr="latex-image-1.pdf"/>
+          <p:cNvPicPr>
+            <a:picLocks noChangeAspect="1"/>
+          </p:cNvPicPr>
+          <p:nvPr/>
+        </p:nvPicPr>
+        <p:blipFill>
+          <a:blip r:embed="rId4">
+            <a:extLst>
+              <a:ext uri="{28A0092B-C50C-407E-A947-70E740481C1C}">
+                <a14:useLocalDpi xmlns:a14="http://schemas.microsoft.com/office/drawing/2010/main" val="0"/>
+              </a:ext>
+            </a:extLst>
+          </a:blip>
+          <a:stretch>
+            <a:fillRect/>
+          </a:stretch>
+        </p:blipFill>
+        <p:spPr>
+          <a:xfrm>
+            <a:off x="6054899" y="4700326"/>
+            <a:ext cx="755999" cy="153998"/>
+          </a:xfrm>
+          <a:prstGeom prst="rect">
+            <a:avLst/>
+          </a:prstGeom>
+        </p:spPr>
+      </p:pic>
+      <p:cxnSp>
+        <p:nvCxnSpPr>
+          <p:cNvPr id="35" name="Straight Arrow Connector 34"/>
+          <p:cNvCxnSpPr/>
+          <p:nvPr/>
+        </p:nvCxnSpPr>
+        <p:spPr>
+          <a:xfrm>
+            <a:off x="6985494" y="3771946"/>
+            <a:ext cx="0" cy="387498"/>
+          </a:xfrm>
+          <a:prstGeom prst="straightConnector1">
+            <a:avLst/>
+          </a:prstGeom>
+          <a:ln w="28575" cmpd="sng">
+            <a:solidFill>
+              <a:schemeClr val="tx1"/>
+            </a:solidFill>
+            <a:headEnd type="none"/>
+            <a:tailEnd type="triangle"/>
+          </a:ln>
+          <a:effectLst/>
+        </p:spPr>
+        <p:style>
+          <a:lnRef idx="2">
+            <a:schemeClr val="accent1"/>
+          </a:lnRef>
+          <a:fillRef idx="0">
+            <a:schemeClr val="accent1"/>
+          </a:fillRef>
+          <a:effectRef idx="1">
+            <a:schemeClr val="accent1"/>
+          </a:effectRef>
+          <a:fontRef idx="minor">
+            <a:schemeClr val="tx1"/>
+          </a:fontRef>
+        </p:style>
+      </p:cxnSp>
+      <p:pic>
+        <p:nvPicPr>
+          <p:cNvPr id="36" name="Picture 35" descr="latex-image-1.pdf"/>
+          <p:cNvPicPr>
+            <a:picLocks noChangeAspect="1"/>
+          </p:cNvPicPr>
+          <p:nvPr/>
+        </p:nvPicPr>
+        <p:blipFill>
+          <a:blip r:embed="rId5">
+            <a:extLst>
+              <a:ext uri="{28A0092B-C50C-407E-A947-70E740481C1C}">
+                <a14:useLocalDpi xmlns:a14="http://schemas.microsoft.com/office/drawing/2010/main" val="0"/>
+              </a:ext>
+            </a:extLst>
+          </a:blip>
+          <a:stretch>
+            <a:fillRect/>
+          </a:stretch>
+        </p:blipFill>
+        <p:spPr>
+          <a:xfrm>
+            <a:off x="7043661" y="3911624"/>
+            <a:ext cx="533400" cy="189271"/>
+          </a:xfrm>
+          <a:prstGeom prst="rect">
+            <a:avLst/>
+          </a:prstGeom>
+        </p:spPr>
+      </p:pic>
+      <p:sp>
+        <p:nvSpPr>
+          <p:cNvPr id="37" name="Rectangle 36"/>
+          <p:cNvSpPr/>
+          <p:nvPr/>
+        </p:nvSpPr>
+        <p:spPr>
+          <a:xfrm>
+            <a:off x="4013201" y="5942991"/>
+            <a:ext cx="997966" cy="215999"/>
+          </a:xfrm>
+          <a:prstGeom prst="rect">
+            <a:avLst/>
+          </a:prstGeom>
+          <a:solidFill>
+            <a:srgbClr val="FFFFFF"/>
+          </a:solidFill>
+          <a:ln>
+            <a:solidFill>
+              <a:srgbClr val="000000"/>
+            </a:solidFill>
+          </a:ln>
+          <a:effectLst/>
+        </p:spPr>
+        <p:style>
+          <a:lnRef idx="1">
+            <a:schemeClr val="accent1"/>
+          </a:lnRef>
+          <a:fillRef idx="3">
+            <a:schemeClr val="accent1"/>
+          </a:fillRef>
+          <a:effectRef idx="2">
+            <a:schemeClr val="accent1"/>
+          </a:effectRef>
+          <a:fontRef idx="minor">
+            <a:schemeClr val="lt1"/>
+          </a:fontRef>
+        </p:style>
+        <p:txBody>
+          <a:bodyPr rtlCol="0" anchor="ctr"/>
+          <a:lstStyle/>
+          <a:p>
+            <a:pPr algn="ctr"/>
+            <a:endParaRPr lang="en-US"/>
+          </a:p>
+        </p:txBody>
+      </p:sp>
+      <p:cxnSp>
+        <p:nvCxnSpPr>
+          <p:cNvPr id="38" name="Straight Arrow Connector 37"/>
+          <p:cNvCxnSpPr/>
+          <p:nvPr/>
+        </p:nvCxnSpPr>
+        <p:spPr>
+          <a:xfrm>
+            <a:off x="6985494" y="4190941"/>
+            <a:ext cx="0" cy="1040029"/>
+          </a:xfrm>
+          <a:prstGeom prst="straightConnector1">
+            <a:avLst/>
+          </a:prstGeom>
+          <a:ln w="28575" cmpd="sng">
+            <a:solidFill>
+              <a:schemeClr val="tx1"/>
+            </a:solidFill>
+            <a:headEnd type="none"/>
+            <a:tailEnd type="triangle"/>
+          </a:ln>
+          <a:effectLst/>
+        </p:spPr>
+        <p:style>
+          <a:lnRef idx="2">
+            <a:schemeClr val="accent1"/>
+          </a:lnRef>
+          <a:fillRef idx="0">
+            <a:schemeClr val="accent1"/>
+          </a:fillRef>
+          <a:effectRef idx="1">
+            <a:schemeClr val="accent1"/>
+          </a:effectRef>
+          <a:fontRef idx="minor">
+            <a:schemeClr val="tx1"/>
+          </a:fontRef>
+        </p:style>
+      </p:cxnSp>
+    </p:spTree>
+    <p:extLst>
+      <p:ext uri="{BB962C8B-B14F-4D97-AF65-F5344CB8AC3E}">
+        <p14:creationId xmlns:p14="http://schemas.microsoft.com/office/powerpoint/2010/main" val="415778194"/>
+      </p:ext>
+    </p:extLst>
+  </p:cSld>
+  <p:clrMapOvr>
+    <a:masterClrMapping/>
+  </p:clrMapOvr>
+  <p:timing>
+    <p:tnLst>
+      <p:par>
+        <p:cTn xmlns:p14="http://schemas.microsoft.com/office/powerpoint/2010/main" id="1" dur="indefinite" restart="never" nodeType="tmRoot"/>
+      </p:par>
+    </p:tnLst>
+  </p:timing>
+</p:sld>
+</file>
+
+<file path=ppt/slides/slide12.xml><?xml version="1.0" encoding="utf-8"?>
+<p:sld xmlns:a="http://schemas.openxmlformats.org/drawingml/2006/main" xmlns:r="http://schemas.openxmlformats.org/officeDocument/2006/relationships" xmlns:p="http://schemas.openxmlformats.org/presentationml/2006/main">
+  <p:cSld>
+    <p:spTree>
+      <p:nvGrpSpPr>
+        <p:cNvPr id="1" name=""/>
+        <p:cNvGrpSpPr/>
+        <p:nvPr/>
+      </p:nvGrpSpPr>
+      <p:grpSpPr>
+        <a:xfrm>
+          <a:off x="0" y="0"/>
+          <a:ext cx="0" cy="0"/>
+          <a:chOff x="0" y="0"/>
+          <a:chExt cx="0" cy="0"/>
+        </a:xfrm>
+      </p:grpSpPr>
       <p:pic>
         <p:nvPicPr>
           <p:cNvPr id="2" name="Picture 1" descr="ref_2wANOVA.png"/>
@@ -4324,7 +6162,7 @@
 </p:sld>
 </file>
 
-<file path=ppt/slides/slide11.xml><?xml version="1.0" encoding="utf-8"?>
+<file path=ppt/slides/slide13.xml><?xml version="1.0" encoding="utf-8"?>
 <p:sld xmlns:a="http://schemas.openxmlformats.org/drawingml/2006/main" xmlns:r="http://schemas.openxmlformats.org/officeDocument/2006/relationships" xmlns:p="http://schemas.openxmlformats.org/presentationml/2006/main">
   <p:cSld>
     <p:spTree>

--- a/pics.pptx
+++ b/pics.pptx
@@ -204,7 +204,7 @@
           <a:p>
             <a:fld id="{5CC76A62-000D-E547-83B7-E179CCF7BF20}" type="datetimeFigureOut">
               <a:rPr lang="en-US" smtClean="0"/>
-              <a:t>19-10-10</a:t>
+              <a:t>19-10-17</a:t>
             </a:fld>
             <a:endParaRPr lang="en-US"/>
           </a:p>
@@ -653,7 +653,7 @@
           <a:p>
             <a:fld id="{F4DACB02-0458-E443-991A-BACE49840B4F}" type="datetimeFigureOut">
               <a:rPr lang="en-US" smtClean="0"/>
-              <a:t>19-10-10</a:t>
+              <a:t>19-10-17</a:t>
             </a:fld>
             <a:endParaRPr lang="en-US"/>
           </a:p>
@@ -823,7 +823,7 @@
           <a:p>
             <a:fld id="{F4DACB02-0458-E443-991A-BACE49840B4F}" type="datetimeFigureOut">
               <a:rPr lang="en-US" smtClean="0"/>
-              <a:t>19-10-10</a:t>
+              <a:t>19-10-17</a:t>
             </a:fld>
             <a:endParaRPr lang="en-US"/>
           </a:p>
@@ -1003,7 +1003,7 @@
           <a:p>
             <a:fld id="{F4DACB02-0458-E443-991A-BACE49840B4F}" type="datetimeFigureOut">
               <a:rPr lang="en-US" smtClean="0"/>
-              <a:t>19-10-10</a:t>
+              <a:t>19-10-17</a:t>
             </a:fld>
             <a:endParaRPr lang="en-US"/>
           </a:p>
@@ -1173,7 +1173,7 @@
           <a:p>
             <a:fld id="{F4DACB02-0458-E443-991A-BACE49840B4F}" type="datetimeFigureOut">
               <a:rPr lang="en-US" smtClean="0"/>
-              <a:t>19-10-10</a:t>
+              <a:t>19-10-17</a:t>
             </a:fld>
             <a:endParaRPr lang="en-US"/>
           </a:p>
@@ -1419,7 +1419,7 @@
           <a:p>
             <a:fld id="{F4DACB02-0458-E443-991A-BACE49840B4F}" type="datetimeFigureOut">
               <a:rPr lang="en-US" smtClean="0"/>
-              <a:t>19-10-10</a:t>
+              <a:t>19-10-17</a:t>
             </a:fld>
             <a:endParaRPr lang="en-US"/>
           </a:p>
@@ -1707,7 +1707,7 @@
           <a:p>
             <a:fld id="{F4DACB02-0458-E443-991A-BACE49840B4F}" type="datetimeFigureOut">
               <a:rPr lang="en-US" smtClean="0"/>
-              <a:t>19-10-10</a:t>
+              <a:t>19-10-17</a:t>
             </a:fld>
             <a:endParaRPr lang="en-US"/>
           </a:p>
@@ -2129,7 +2129,7 @@
           <a:p>
             <a:fld id="{F4DACB02-0458-E443-991A-BACE49840B4F}" type="datetimeFigureOut">
               <a:rPr lang="en-US" smtClean="0"/>
-              <a:t>19-10-10</a:t>
+              <a:t>19-10-17</a:t>
             </a:fld>
             <a:endParaRPr lang="en-US"/>
           </a:p>
@@ -2247,7 +2247,7 @@
           <a:p>
             <a:fld id="{F4DACB02-0458-E443-991A-BACE49840B4F}" type="datetimeFigureOut">
               <a:rPr lang="en-US" smtClean="0"/>
-              <a:t>19-10-10</a:t>
+              <a:t>19-10-17</a:t>
             </a:fld>
             <a:endParaRPr lang="en-US"/>
           </a:p>
@@ -2342,7 +2342,7 @@
           <a:p>
             <a:fld id="{F4DACB02-0458-E443-991A-BACE49840B4F}" type="datetimeFigureOut">
               <a:rPr lang="en-US" smtClean="0"/>
-              <a:t>19-10-10</a:t>
+              <a:t>19-10-17</a:t>
             </a:fld>
             <a:endParaRPr lang="en-US"/>
           </a:p>
@@ -2619,7 +2619,7 @@
           <a:p>
             <a:fld id="{F4DACB02-0458-E443-991A-BACE49840B4F}" type="datetimeFigureOut">
               <a:rPr lang="en-US" smtClean="0"/>
-              <a:t>19-10-10</a:t>
+              <a:t>19-10-17</a:t>
             </a:fld>
             <a:endParaRPr lang="en-US"/>
           </a:p>
@@ -2872,7 +2872,7 @@
           <a:p>
             <a:fld id="{F4DACB02-0458-E443-991A-BACE49840B4F}" type="datetimeFigureOut">
               <a:rPr lang="en-US" smtClean="0"/>
-              <a:t>19-10-10</a:t>
+              <a:t>19-10-17</a:t>
             </a:fld>
             <a:endParaRPr lang="en-US"/>
           </a:p>
@@ -3085,7 +3085,7 @@
           <a:p>
             <a:fld id="{F4DACB02-0458-E443-991A-BACE49840B4F}" type="datetimeFigureOut">
               <a:rPr lang="en-US" smtClean="0"/>
-              <a:t>19-10-10</a:t>
+              <a:t>19-10-17</a:t>
             </a:fld>
             <a:endParaRPr lang="en-US"/>
           </a:p>
@@ -10157,6 +10157,381 @@
           </a:p>
         </p:txBody>
       </p:sp>
+      <p:pic>
+        <p:nvPicPr>
+          <p:cNvPr id="9" name="Picture 8" descr="slide39.png"/>
+          <p:cNvPicPr>
+            <a:picLocks noChangeAspect="1"/>
+          </p:cNvPicPr>
+          <p:nvPr/>
+        </p:nvPicPr>
+        <p:blipFill>
+          <a:blip r:embed="rId3">
+            <a:extLst>
+              <a:ext uri="{28A0092B-C50C-407E-A947-70E740481C1C}">
+                <a14:useLocalDpi xmlns:a14="http://schemas.microsoft.com/office/drawing/2010/main" val="0"/>
+              </a:ext>
+            </a:extLst>
+          </a:blip>
+          <a:stretch>
+            <a:fillRect/>
+          </a:stretch>
+        </p:blipFill>
+        <p:spPr>
+          <a:xfrm>
+            <a:off x="309880" y="4699689"/>
+            <a:ext cx="4160520" cy="2020824"/>
+          </a:xfrm>
+          <a:prstGeom prst="rect">
+            <a:avLst/>
+          </a:prstGeom>
+        </p:spPr>
+      </p:pic>
+      <p:sp>
+        <p:nvSpPr>
+          <p:cNvPr id="11" name="Rectangle 10"/>
+          <p:cNvSpPr/>
+          <p:nvPr/>
+        </p:nvSpPr>
+        <p:spPr>
+          <a:xfrm>
+            <a:off x="1536700" y="5617553"/>
+            <a:ext cx="368300" cy="313347"/>
+          </a:xfrm>
+          <a:prstGeom prst="rect">
+            <a:avLst/>
+          </a:prstGeom>
+          <a:solidFill>
+            <a:schemeClr val="bg1"/>
+          </a:solidFill>
+          <a:ln>
+            <a:noFill/>
+          </a:ln>
+          <a:effectLst/>
+        </p:spPr>
+        <p:style>
+          <a:lnRef idx="1">
+            <a:schemeClr val="accent1"/>
+          </a:lnRef>
+          <a:fillRef idx="3">
+            <a:schemeClr val="accent1"/>
+          </a:fillRef>
+          <a:effectRef idx="2">
+            <a:schemeClr val="accent1"/>
+          </a:effectRef>
+          <a:fontRef idx="minor">
+            <a:schemeClr val="lt1"/>
+          </a:fontRef>
+        </p:style>
+        <p:txBody>
+          <a:bodyPr rtlCol="0" anchor="ctr"/>
+          <a:lstStyle/>
+          <a:p>
+            <a:pPr algn="ctr"/>
+            <a:endParaRPr lang="en-US"/>
+          </a:p>
+        </p:txBody>
+      </p:sp>
+      <p:sp>
+        <p:nvSpPr>
+          <p:cNvPr id="12" name="Rectangle 11"/>
+          <p:cNvSpPr/>
+          <p:nvPr/>
+        </p:nvSpPr>
+        <p:spPr>
+          <a:xfrm>
+            <a:off x="819150" y="5315677"/>
+            <a:ext cx="368300" cy="313347"/>
+          </a:xfrm>
+          <a:prstGeom prst="rect">
+            <a:avLst/>
+          </a:prstGeom>
+          <a:solidFill>
+            <a:schemeClr val="bg1"/>
+          </a:solidFill>
+          <a:ln>
+            <a:noFill/>
+          </a:ln>
+          <a:effectLst/>
+        </p:spPr>
+        <p:style>
+          <a:lnRef idx="1">
+            <a:schemeClr val="accent1"/>
+          </a:lnRef>
+          <a:fillRef idx="3">
+            <a:schemeClr val="accent1"/>
+          </a:fillRef>
+          <a:effectRef idx="2">
+            <a:schemeClr val="accent1"/>
+          </a:effectRef>
+          <a:fontRef idx="minor">
+            <a:schemeClr val="lt1"/>
+          </a:fontRef>
+        </p:style>
+        <p:txBody>
+          <a:bodyPr rtlCol="0" anchor="ctr"/>
+          <a:lstStyle/>
+          <a:p>
+            <a:pPr algn="ctr"/>
+            <a:endParaRPr lang="en-US"/>
+          </a:p>
+        </p:txBody>
+      </p:sp>
+      <p:sp>
+        <p:nvSpPr>
+          <p:cNvPr id="13" name="Rectangle 12"/>
+          <p:cNvSpPr/>
+          <p:nvPr/>
+        </p:nvSpPr>
+        <p:spPr>
+          <a:xfrm>
+            <a:off x="863600" y="5312753"/>
+            <a:ext cx="323850" cy="313347"/>
+          </a:xfrm>
+          <a:prstGeom prst="rect">
+            <a:avLst/>
+          </a:prstGeom>
+          <a:solidFill>
+            <a:schemeClr val="bg1"/>
+          </a:solidFill>
+          <a:ln>
+            <a:noFill/>
+          </a:ln>
+          <a:effectLst/>
+        </p:spPr>
+        <p:style>
+          <a:lnRef idx="1">
+            <a:schemeClr val="accent1"/>
+          </a:lnRef>
+          <a:fillRef idx="3">
+            <a:schemeClr val="accent1"/>
+          </a:fillRef>
+          <a:effectRef idx="2">
+            <a:schemeClr val="accent1"/>
+          </a:effectRef>
+          <a:fontRef idx="minor">
+            <a:schemeClr val="lt1"/>
+          </a:fontRef>
+        </p:style>
+        <p:txBody>
+          <a:bodyPr rtlCol="0" anchor="ctr"/>
+          <a:lstStyle/>
+          <a:p>
+            <a:pPr algn="ctr"/>
+            <a:endParaRPr lang="en-US"/>
+          </a:p>
+        </p:txBody>
+      </p:sp>
+      <p:sp>
+        <p:nvSpPr>
+          <p:cNvPr id="14" name="Rectangle 13"/>
+          <p:cNvSpPr/>
+          <p:nvPr/>
+        </p:nvSpPr>
+        <p:spPr>
+          <a:xfrm>
+            <a:off x="2489200" y="5476624"/>
+            <a:ext cx="368300" cy="416176"/>
+          </a:xfrm>
+          <a:prstGeom prst="rect">
+            <a:avLst/>
+          </a:prstGeom>
+          <a:solidFill>
+            <a:schemeClr val="bg1"/>
+          </a:solidFill>
+          <a:ln>
+            <a:noFill/>
+          </a:ln>
+          <a:effectLst/>
+        </p:spPr>
+        <p:style>
+          <a:lnRef idx="1">
+            <a:schemeClr val="accent1"/>
+          </a:lnRef>
+          <a:fillRef idx="3">
+            <a:schemeClr val="accent1"/>
+          </a:fillRef>
+          <a:effectRef idx="2">
+            <a:schemeClr val="accent1"/>
+          </a:effectRef>
+          <a:fontRef idx="minor">
+            <a:schemeClr val="lt1"/>
+          </a:fontRef>
+        </p:style>
+        <p:txBody>
+          <a:bodyPr rtlCol="0" anchor="ctr"/>
+          <a:lstStyle/>
+          <a:p>
+            <a:pPr algn="ctr"/>
+            <a:endParaRPr lang="en-US"/>
+          </a:p>
+        </p:txBody>
+      </p:sp>
+      <p:sp>
+        <p:nvSpPr>
+          <p:cNvPr id="15" name="Rectangle 14"/>
+          <p:cNvSpPr/>
+          <p:nvPr/>
+        </p:nvSpPr>
+        <p:spPr>
+          <a:xfrm>
+            <a:off x="3022600" y="5820753"/>
+            <a:ext cx="571500" cy="313347"/>
+          </a:xfrm>
+          <a:prstGeom prst="rect">
+            <a:avLst/>
+          </a:prstGeom>
+          <a:solidFill>
+            <a:schemeClr val="bg1"/>
+          </a:solidFill>
+          <a:ln>
+            <a:noFill/>
+          </a:ln>
+          <a:effectLst/>
+        </p:spPr>
+        <p:style>
+          <a:lnRef idx="1">
+            <a:schemeClr val="accent1"/>
+          </a:lnRef>
+          <a:fillRef idx="3">
+            <a:schemeClr val="accent1"/>
+          </a:fillRef>
+          <a:effectRef idx="2">
+            <a:schemeClr val="accent1"/>
+          </a:effectRef>
+          <a:fontRef idx="minor">
+            <a:schemeClr val="lt1"/>
+          </a:fontRef>
+        </p:style>
+        <p:txBody>
+          <a:bodyPr rtlCol="0" anchor="ctr"/>
+          <a:lstStyle/>
+          <a:p>
+            <a:pPr algn="ctr"/>
+            <a:endParaRPr lang="en-US"/>
+          </a:p>
+        </p:txBody>
+      </p:sp>
+      <p:pic>
+        <p:nvPicPr>
+          <p:cNvPr id="10" name="Picture 9" descr="latex-image-1.pdf"/>
+          <p:cNvPicPr>
+            <a:picLocks noChangeAspect="1"/>
+          </p:cNvPicPr>
+          <p:nvPr/>
+        </p:nvPicPr>
+        <p:blipFill>
+          <a:blip r:embed="rId4">
+            <a:extLst>
+              <a:ext uri="{28A0092B-C50C-407E-A947-70E740481C1C}">
+                <a14:useLocalDpi xmlns:a14="http://schemas.microsoft.com/office/drawing/2010/main" val="0"/>
+              </a:ext>
+            </a:extLst>
+          </a:blip>
+          <a:stretch>
+            <a:fillRect/>
+          </a:stretch>
+        </p:blipFill>
+        <p:spPr>
+          <a:xfrm>
+            <a:off x="838201" y="5466382"/>
+            <a:ext cx="467999" cy="166064"/>
+          </a:xfrm>
+          <a:prstGeom prst="rect">
+            <a:avLst/>
+          </a:prstGeom>
+        </p:spPr>
+      </p:pic>
+      <p:pic>
+        <p:nvPicPr>
+          <p:cNvPr id="16" name="Picture 15" descr="latex-image-1.pdf"/>
+          <p:cNvPicPr>
+            <a:picLocks noChangeAspect="1"/>
+          </p:cNvPicPr>
+          <p:nvPr/>
+        </p:nvPicPr>
+        <p:blipFill>
+          <a:blip r:embed="rId5">
+            <a:extLst>
+              <a:ext uri="{28A0092B-C50C-407E-A947-70E740481C1C}">
+                <a14:useLocalDpi xmlns:a14="http://schemas.microsoft.com/office/drawing/2010/main" val="0"/>
+              </a:ext>
+            </a:extLst>
+          </a:blip>
+          <a:stretch>
+            <a:fillRect/>
+          </a:stretch>
+        </p:blipFill>
+        <p:spPr>
+          <a:xfrm>
+            <a:off x="1635000" y="5705224"/>
+            <a:ext cx="539999" cy="198000"/>
+          </a:xfrm>
+          <a:prstGeom prst="rect">
+            <a:avLst/>
+          </a:prstGeom>
+        </p:spPr>
+      </p:pic>
+      <p:pic>
+        <p:nvPicPr>
+          <p:cNvPr id="18" name="Picture 17" descr="latex-image-1.pdf"/>
+          <p:cNvPicPr>
+            <a:picLocks noChangeAspect="1"/>
+          </p:cNvPicPr>
+          <p:nvPr/>
+        </p:nvPicPr>
+        <p:blipFill>
+          <a:blip r:embed="rId6">
+            <a:extLst>
+              <a:ext uri="{28A0092B-C50C-407E-A947-70E740481C1C}">
+                <a14:useLocalDpi xmlns:a14="http://schemas.microsoft.com/office/drawing/2010/main" val="0"/>
+              </a:ext>
+            </a:extLst>
+          </a:blip>
+          <a:stretch>
+            <a:fillRect/>
+          </a:stretch>
+        </p:blipFill>
+        <p:spPr>
+          <a:xfrm>
+            <a:off x="2908300" y="6325926"/>
+            <a:ext cx="755999" cy="153998"/>
+          </a:xfrm>
+          <a:prstGeom prst="rect">
+            <a:avLst/>
+          </a:prstGeom>
+        </p:spPr>
+      </p:pic>
+      <p:pic>
+        <p:nvPicPr>
+          <p:cNvPr id="19" name="Picture 18" descr="latex-image-1.png"/>
+          <p:cNvPicPr>
+            <a:picLocks noChangeAspect="1"/>
+          </p:cNvPicPr>
+          <p:nvPr/>
+        </p:nvPicPr>
+        <p:blipFill>
+          <a:blip r:embed="rId7">
+            <a:extLst>
+              <a:ext uri="{28A0092B-C50C-407E-A947-70E740481C1C}">
+                <a14:useLocalDpi xmlns:a14="http://schemas.microsoft.com/office/drawing/2010/main" val="0"/>
+              </a:ext>
+            </a:extLst>
+          </a:blip>
+          <a:stretch>
+            <a:fillRect/>
+          </a:stretch>
+        </p:blipFill>
+        <p:spPr>
+          <a:xfrm>
+            <a:off x="2514600" y="5700405"/>
+            <a:ext cx="482600" cy="171245"/>
+          </a:xfrm>
+          <a:prstGeom prst="rect">
+            <a:avLst/>
+          </a:prstGeom>
+        </p:spPr>
+      </p:pic>
     </p:spTree>
     <p:extLst>
       <p:ext uri="{BB962C8B-B14F-4D97-AF65-F5344CB8AC3E}">
